--- a/AI-midterm-presentation_3.pptx
+++ b/AI-midterm-presentation_3.pptx
@@ -1,9 +1,12 @@
 
 <file path=ppt/presentation.xml><?xml version="1.0" encoding="utf-8"?>
-<p:presentation xmlns:a="http://schemas.openxmlformats.org/drawingml/2006/main" xmlns:r="http://schemas.openxmlformats.org/officeDocument/2006/relationships" xmlns:p="http://schemas.openxmlformats.org/presentationml/2006/main" saveSubsetFonts="1">
+<p:presentation xmlns:a="http://schemas.openxmlformats.org/drawingml/2006/main" xmlns:r="http://schemas.openxmlformats.org/officeDocument/2006/relationships" xmlns:p="http://schemas.openxmlformats.org/presentationml/2006/main" firstSlideNum="0" showSpecialPlsOnTitleSld="0" saveSubsetFonts="1">
   <p:sldMasterIdLst>
     <p:sldMasterId id="2147483660" r:id="rId1"/>
   </p:sldMasterIdLst>
+  <p:notesMasterIdLst>
+    <p:notesMasterId r:id="rId24"/>
+  </p:notesMasterIdLst>
   <p:sldIdLst>
     <p:sldId id="256" r:id="rId2"/>
     <p:sldId id="261" r:id="rId3"/>
@@ -5922,6 +5925,356 @@
 </dgm:styleDef>
 </file>
 
+<file path=ppt/notesMasters/notesMaster1.xml><?xml version="1.0" encoding="utf-8"?>
+<p:notesMaster xmlns:a="http://schemas.openxmlformats.org/drawingml/2006/main" xmlns:r="http://schemas.openxmlformats.org/officeDocument/2006/relationships" xmlns:p="http://schemas.openxmlformats.org/presentationml/2006/main">
+  <p:cSld>
+    <p:bg>
+      <p:bgRef idx="1001">
+        <a:schemeClr val="bg1"/>
+      </p:bgRef>
+    </p:bg>
+    <p:spTree>
+      <p:nvGrpSpPr>
+        <p:cNvPr id="1" name=""/>
+        <p:cNvGrpSpPr/>
+        <p:nvPr/>
+      </p:nvGrpSpPr>
+      <p:grpSpPr>
+        <a:xfrm>
+          <a:off x="0" y="0"/>
+          <a:ext cx="0" cy="0"/>
+          <a:chOff x="0" y="0"/>
+          <a:chExt cx="0" cy="0"/>
+        </a:xfrm>
+      </p:grpSpPr>
+      <p:sp>
+        <p:nvSpPr>
+          <p:cNvPr id="2" name="Header Placeholder 1"/>
+          <p:cNvSpPr>
+            <a:spLocks noGrp="1"/>
+          </p:cNvSpPr>
+          <p:nvPr>
+            <p:ph type="hdr" sz="quarter"/>
+          </p:nvPr>
+        </p:nvSpPr>
+        <p:spPr>
+          <a:xfrm>
+            <a:off x="0" y="0"/>
+            <a:ext cx="2971800" cy="458788"/>
+          </a:xfrm>
+          <a:prstGeom prst="rect">
+            <a:avLst/>
+          </a:prstGeom>
+        </p:spPr>
+        <p:txBody>
+          <a:bodyPr vert="horz" lIns="91440" tIns="45720" rIns="91440" bIns="45720" rtlCol="0"/>
+          <a:lstStyle>
+            <a:lvl1pPr algn="l">
+              <a:defRPr sz="1200"/>
+            </a:lvl1pPr>
+          </a:lstStyle>
+          <a:p>
+            <a:endParaRPr lang="en-GB"/>
+          </a:p>
+        </p:txBody>
+      </p:sp>
+      <p:sp>
+        <p:nvSpPr>
+          <p:cNvPr id="3" name="Date Placeholder 2"/>
+          <p:cNvSpPr>
+            <a:spLocks noGrp="1"/>
+          </p:cNvSpPr>
+          <p:nvPr>
+            <p:ph type="dt" idx="1"/>
+          </p:nvPr>
+        </p:nvSpPr>
+        <p:spPr>
+          <a:xfrm>
+            <a:off x="3884613" y="0"/>
+            <a:ext cx="2971800" cy="458788"/>
+          </a:xfrm>
+          <a:prstGeom prst="rect">
+            <a:avLst/>
+          </a:prstGeom>
+        </p:spPr>
+        <p:txBody>
+          <a:bodyPr vert="horz" lIns="91440" tIns="45720" rIns="91440" bIns="45720" rtlCol="0"/>
+          <a:lstStyle>
+            <a:lvl1pPr algn="r">
+              <a:defRPr sz="1200"/>
+            </a:lvl1pPr>
+          </a:lstStyle>
+          <a:p>
+            <a:fld id="{C3FE8573-CC5D-4F9E-86D8-CD3FEE7AF929}" type="datetimeFigureOut">
+              <a:rPr lang="en-GB" smtClean="0"/>
+              <a:t>29/11/2019</a:t>
+            </a:fld>
+            <a:endParaRPr lang="en-GB"/>
+          </a:p>
+        </p:txBody>
+      </p:sp>
+      <p:sp>
+        <p:nvSpPr>
+          <p:cNvPr id="4" name="Slide Image Placeholder 3"/>
+          <p:cNvSpPr>
+            <a:spLocks noGrp="1" noRot="1" noChangeAspect="1"/>
+          </p:cNvSpPr>
+          <p:nvPr>
+            <p:ph type="sldImg" idx="2"/>
+          </p:nvPr>
+        </p:nvSpPr>
+        <p:spPr>
+          <a:xfrm>
+            <a:off x="685800" y="1143000"/>
+            <a:ext cx="5486400" cy="3086100"/>
+          </a:xfrm>
+          <a:prstGeom prst="rect">
+            <a:avLst/>
+          </a:prstGeom>
+          <a:noFill/>
+          <a:ln w="12700">
+            <a:solidFill>
+              <a:prstClr val="black"/>
+            </a:solidFill>
+          </a:ln>
+        </p:spPr>
+        <p:txBody>
+          <a:bodyPr vert="horz" lIns="91440" tIns="45720" rIns="91440" bIns="45720" rtlCol="0" anchor="ctr"/>
+          <a:lstStyle/>
+          <a:p>
+            <a:endParaRPr lang="en-GB"/>
+          </a:p>
+        </p:txBody>
+      </p:sp>
+      <p:sp>
+        <p:nvSpPr>
+          <p:cNvPr id="5" name="Notes Placeholder 4"/>
+          <p:cNvSpPr>
+            <a:spLocks noGrp="1"/>
+          </p:cNvSpPr>
+          <p:nvPr>
+            <p:ph type="body" sz="quarter" idx="3"/>
+          </p:nvPr>
+        </p:nvSpPr>
+        <p:spPr>
+          <a:xfrm>
+            <a:off x="685800" y="4400550"/>
+            <a:ext cx="5486400" cy="3600450"/>
+          </a:xfrm>
+          <a:prstGeom prst="rect">
+            <a:avLst/>
+          </a:prstGeom>
+        </p:spPr>
+        <p:txBody>
+          <a:bodyPr vert="horz" lIns="91440" tIns="45720" rIns="91440" bIns="45720" rtlCol="0"/>
+          <a:lstStyle/>
+          <a:p>
+            <a:pPr lvl="0"/>
+            <a:r>
+              <a:rPr lang="en-US"/>
+              <a:t>Click to edit Master text styles</a:t>
+            </a:r>
+          </a:p>
+          <a:p>
+            <a:pPr lvl="1"/>
+            <a:r>
+              <a:rPr lang="en-US"/>
+              <a:t>Second level</a:t>
+            </a:r>
+          </a:p>
+          <a:p>
+            <a:pPr lvl="2"/>
+            <a:r>
+              <a:rPr lang="en-US"/>
+              <a:t>Third level</a:t>
+            </a:r>
+          </a:p>
+          <a:p>
+            <a:pPr lvl="3"/>
+            <a:r>
+              <a:rPr lang="en-US"/>
+              <a:t>Fourth level</a:t>
+            </a:r>
+          </a:p>
+          <a:p>
+            <a:pPr lvl="4"/>
+            <a:r>
+              <a:rPr lang="en-US"/>
+              <a:t>Fifth level</a:t>
+            </a:r>
+            <a:endParaRPr lang="en-GB"/>
+          </a:p>
+        </p:txBody>
+      </p:sp>
+      <p:sp>
+        <p:nvSpPr>
+          <p:cNvPr id="6" name="Footer Placeholder 5"/>
+          <p:cNvSpPr>
+            <a:spLocks noGrp="1"/>
+          </p:cNvSpPr>
+          <p:nvPr>
+            <p:ph type="ftr" sz="quarter" idx="4"/>
+          </p:nvPr>
+        </p:nvSpPr>
+        <p:spPr>
+          <a:xfrm>
+            <a:off x="0" y="8685213"/>
+            <a:ext cx="2971800" cy="458787"/>
+          </a:xfrm>
+          <a:prstGeom prst="rect">
+            <a:avLst/>
+          </a:prstGeom>
+        </p:spPr>
+        <p:txBody>
+          <a:bodyPr vert="horz" lIns="91440" tIns="45720" rIns="91440" bIns="45720" rtlCol="0" anchor="b"/>
+          <a:lstStyle>
+            <a:lvl1pPr algn="l">
+              <a:defRPr sz="1200"/>
+            </a:lvl1pPr>
+          </a:lstStyle>
+          <a:p>
+            <a:endParaRPr lang="en-GB"/>
+          </a:p>
+        </p:txBody>
+      </p:sp>
+      <p:sp>
+        <p:nvSpPr>
+          <p:cNvPr id="7" name="Slide Number Placeholder 6"/>
+          <p:cNvSpPr>
+            <a:spLocks noGrp="1"/>
+          </p:cNvSpPr>
+          <p:nvPr>
+            <p:ph type="sldNum" sz="quarter" idx="5"/>
+          </p:nvPr>
+        </p:nvSpPr>
+        <p:spPr>
+          <a:xfrm>
+            <a:off x="3884613" y="8685213"/>
+            <a:ext cx="2971800" cy="458787"/>
+          </a:xfrm>
+          <a:prstGeom prst="rect">
+            <a:avLst/>
+          </a:prstGeom>
+        </p:spPr>
+        <p:txBody>
+          <a:bodyPr vert="horz" lIns="91440" tIns="45720" rIns="91440" bIns="45720" rtlCol="0" anchor="b"/>
+          <a:lstStyle>
+            <a:lvl1pPr algn="r">
+              <a:defRPr sz="1200"/>
+            </a:lvl1pPr>
+          </a:lstStyle>
+          <a:p>
+            <a:fld id="{7C07CE78-5DA9-4CA9-8B72-0FAF356795B0}" type="slidenum">
+              <a:rPr lang="en-GB" smtClean="0"/>
+              <a:t>‹#›</a:t>
+            </a:fld>
+            <a:endParaRPr lang="en-GB"/>
+          </a:p>
+        </p:txBody>
+      </p:sp>
+    </p:spTree>
+    <p:extLst>
+      <p:ext uri="{BB962C8B-B14F-4D97-AF65-F5344CB8AC3E}">
+        <p14:creationId xmlns:p14="http://schemas.microsoft.com/office/powerpoint/2010/main" val="135613276"/>
+      </p:ext>
+    </p:extLst>
+  </p:cSld>
+  <p:clrMap bg1="lt1" tx1="dk1" bg2="lt2" tx2="dk2" accent1="accent1" accent2="accent2" accent3="accent3" accent4="accent4" accent5="accent5" accent6="accent6" hlink="hlink" folHlink="folHlink"/>
+  <p:notesStyle>
+    <a:lvl1pPr marL="0" algn="l" defTabSz="914400" rtl="0" eaLnBrk="1" latinLnBrk="0" hangingPunct="1">
+      <a:defRPr sz="1200" kern="1200">
+        <a:solidFill>
+          <a:schemeClr val="tx1"/>
+        </a:solidFill>
+        <a:latin typeface="+mn-lt"/>
+        <a:ea typeface="+mn-ea"/>
+        <a:cs typeface="+mn-cs"/>
+      </a:defRPr>
+    </a:lvl1pPr>
+    <a:lvl2pPr marL="457200" algn="l" defTabSz="914400" rtl="0" eaLnBrk="1" latinLnBrk="0" hangingPunct="1">
+      <a:defRPr sz="1200" kern="1200">
+        <a:solidFill>
+          <a:schemeClr val="tx1"/>
+        </a:solidFill>
+        <a:latin typeface="+mn-lt"/>
+        <a:ea typeface="+mn-ea"/>
+        <a:cs typeface="+mn-cs"/>
+      </a:defRPr>
+    </a:lvl2pPr>
+    <a:lvl3pPr marL="914400" algn="l" defTabSz="914400" rtl="0" eaLnBrk="1" latinLnBrk="0" hangingPunct="1">
+      <a:defRPr sz="1200" kern="1200">
+        <a:solidFill>
+          <a:schemeClr val="tx1"/>
+        </a:solidFill>
+        <a:latin typeface="+mn-lt"/>
+        <a:ea typeface="+mn-ea"/>
+        <a:cs typeface="+mn-cs"/>
+      </a:defRPr>
+    </a:lvl3pPr>
+    <a:lvl4pPr marL="1371600" algn="l" defTabSz="914400" rtl="0" eaLnBrk="1" latinLnBrk="0" hangingPunct="1">
+      <a:defRPr sz="1200" kern="1200">
+        <a:solidFill>
+          <a:schemeClr val="tx1"/>
+        </a:solidFill>
+        <a:latin typeface="+mn-lt"/>
+        <a:ea typeface="+mn-ea"/>
+        <a:cs typeface="+mn-cs"/>
+      </a:defRPr>
+    </a:lvl4pPr>
+    <a:lvl5pPr marL="1828800" algn="l" defTabSz="914400" rtl="0" eaLnBrk="1" latinLnBrk="0" hangingPunct="1">
+      <a:defRPr sz="1200" kern="1200">
+        <a:solidFill>
+          <a:schemeClr val="tx1"/>
+        </a:solidFill>
+        <a:latin typeface="+mn-lt"/>
+        <a:ea typeface="+mn-ea"/>
+        <a:cs typeface="+mn-cs"/>
+      </a:defRPr>
+    </a:lvl5pPr>
+    <a:lvl6pPr marL="2286000" algn="l" defTabSz="914400" rtl="0" eaLnBrk="1" latinLnBrk="0" hangingPunct="1">
+      <a:defRPr sz="1200" kern="1200">
+        <a:solidFill>
+          <a:schemeClr val="tx1"/>
+        </a:solidFill>
+        <a:latin typeface="+mn-lt"/>
+        <a:ea typeface="+mn-ea"/>
+        <a:cs typeface="+mn-cs"/>
+      </a:defRPr>
+    </a:lvl6pPr>
+    <a:lvl7pPr marL="2743200" algn="l" defTabSz="914400" rtl="0" eaLnBrk="1" latinLnBrk="0" hangingPunct="1">
+      <a:defRPr sz="1200" kern="1200">
+        <a:solidFill>
+          <a:schemeClr val="tx1"/>
+        </a:solidFill>
+        <a:latin typeface="+mn-lt"/>
+        <a:ea typeface="+mn-ea"/>
+        <a:cs typeface="+mn-cs"/>
+      </a:defRPr>
+    </a:lvl7pPr>
+    <a:lvl8pPr marL="3200400" algn="l" defTabSz="914400" rtl="0" eaLnBrk="1" latinLnBrk="0" hangingPunct="1">
+      <a:defRPr sz="1200" kern="1200">
+        <a:solidFill>
+          <a:schemeClr val="tx1"/>
+        </a:solidFill>
+        <a:latin typeface="+mn-lt"/>
+        <a:ea typeface="+mn-ea"/>
+        <a:cs typeface="+mn-cs"/>
+      </a:defRPr>
+    </a:lvl8pPr>
+    <a:lvl9pPr marL="3657600" algn="l" defTabSz="914400" rtl="0" eaLnBrk="1" latinLnBrk="0" hangingPunct="1">
+      <a:defRPr sz="1200" kern="1200">
+        <a:solidFill>
+          <a:schemeClr val="tx1"/>
+        </a:solidFill>
+        <a:latin typeface="+mn-lt"/>
+        <a:ea typeface="+mn-ea"/>
+        <a:cs typeface="+mn-cs"/>
+      </a:defRPr>
+    </a:lvl9pPr>
+  </p:notesStyle>
+</p:notesMaster>
+</file>
+
 <file path=ppt/slideLayouts/slideLayout1.xml><?xml version="1.0" encoding="utf-8"?>
 <p:sldLayout xmlns:a="http://schemas.openxmlformats.org/drawingml/2006/main" xmlns:r="http://schemas.openxmlformats.org/officeDocument/2006/relationships" xmlns:p="http://schemas.openxmlformats.org/presentationml/2006/main" type="title" preserve="1">
   <p:cSld name="Title Slide">
@@ -6104,8 +6457,8 @@
           <a:bodyPr/>
           <a:lstStyle/>
           <a:p>
-            <a:fld id="{4AAD347D-5ACD-4C99-B74B-A9C85AD731AF}" type="datetimeFigureOut">
-              <a:rPr lang="en-US" dirty="0"/>
+            <a:fld id="{505B1CA0-1837-4889-9F3C-35653AA78F24}" type="datetime1">
+              <a:rPr lang="en-US" smtClean="0"/>
               <a:t>11/29/2019</a:t>
             </a:fld>
             <a:endParaRPr lang="en-US"/>
@@ -6374,8 +6727,8 @@
           <a:bodyPr/>
           <a:lstStyle/>
           <a:p>
-            <a:fld id="{4509A250-FF31-4206-8172-F9D3106AACB1}" type="datetimeFigureOut">
-              <a:rPr lang="en-US" dirty="0"/>
+            <a:fld id="{4EB42245-A527-4680-A94D-7DF79D60D1E2}" type="datetime1">
+              <a:rPr lang="en-US" smtClean="0"/>
               <a:t>11/29/2019</a:t>
             </a:fld>
             <a:endParaRPr lang="en-US"/>
@@ -6567,8 +6920,8 @@
           <a:bodyPr/>
           <a:lstStyle/>
           <a:p>
-            <a:fld id="{4509A250-FF31-4206-8172-F9D3106AACB1}" type="datetimeFigureOut">
-              <a:rPr lang="en-US" dirty="0"/>
+            <a:fld id="{99C884BC-1D21-44B6-9059-FCE8758087F0}" type="datetime1">
+              <a:rPr lang="en-US" smtClean="0"/>
               <a:t>11/29/2019</a:t>
             </a:fld>
             <a:endParaRPr lang="en-US"/>
@@ -6839,8 +7192,8 @@
           <a:bodyPr/>
           <a:lstStyle/>
           <a:p>
-            <a:fld id="{4509A250-FF31-4206-8172-F9D3106AACB1}" type="datetimeFigureOut">
-              <a:rPr lang="en-US" dirty="0"/>
+            <a:fld id="{BBBB4CDD-DC99-4C4D-A669-7DDBF6AAB3A4}" type="datetime1">
+              <a:rPr lang="en-US" smtClean="0"/>
               <a:t>11/29/2019</a:t>
             </a:fld>
             <a:endParaRPr lang="en-US"/>
@@ -7179,8 +7532,8 @@
           <a:bodyPr/>
           <a:lstStyle/>
           <a:p>
-            <a:fld id="{4509A250-FF31-4206-8172-F9D3106AACB1}" type="datetimeFigureOut">
-              <a:rPr lang="en-US" dirty="0"/>
+            <a:fld id="{D7128541-6096-4994-B1C8-2344FB8140F4}" type="datetime1">
+              <a:rPr lang="en-US" smtClean="0"/>
               <a:t>11/29/2019</a:t>
             </a:fld>
             <a:endParaRPr lang="en-US"/>
@@ -7801,8 +8154,8 @@
           <a:bodyPr/>
           <a:lstStyle/>
           <a:p>
-            <a:fld id="{4509A250-FF31-4206-8172-F9D3106AACB1}" type="datetimeFigureOut">
-              <a:rPr lang="en-US" dirty="0"/>
+            <a:fld id="{BDBC0253-0ACA-4B0A-BE12-1955CE15DA5C}" type="datetime1">
+              <a:rPr lang="en-US" smtClean="0"/>
               <a:t>11/29/2019</a:t>
             </a:fld>
             <a:endParaRPr lang="en-US"/>
@@ -8648,8 +9001,8 @@
           <a:bodyPr/>
           <a:lstStyle/>
           <a:p>
-            <a:fld id="{4509A250-FF31-4206-8172-F9D3106AACB1}" type="datetimeFigureOut">
-              <a:rPr lang="en-US" dirty="0"/>
+            <a:fld id="{C6C30722-0B28-4B74-9998-4454A31D378B}" type="datetime1">
+              <a:rPr lang="en-US" smtClean="0"/>
               <a:t>11/29/2019</a:t>
             </a:fld>
             <a:endParaRPr lang="en-US"/>
@@ -8816,8 +9169,8 @@
           <a:bodyPr/>
           <a:lstStyle/>
           <a:p>
-            <a:fld id="{4509A250-FF31-4206-8172-F9D3106AACB1}" type="datetimeFigureOut">
-              <a:rPr lang="en-US" dirty="0"/>
+            <a:fld id="{471DB98E-E15F-426A-BD0B-843BDAE71A99}" type="datetime1">
+              <a:rPr lang="en-US" smtClean="0"/>
               <a:t>11/29/2019</a:t>
             </a:fld>
             <a:endParaRPr lang="en-US"/>
@@ -8994,8 +9347,8 @@
           <a:bodyPr/>
           <a:lstStyle/>
           <a:p>
-            <a:fld id="{4509A250-FF31-4206-8172-F9D3106AACB1}" type="datetimeFigureOut">
-              <a:rPr lang="en-US" dirty="0"/>
+            <a:fld id="{DDA9EA9C-51C8-4867-BC35-2BA1FE76CE02}" type="datetime1">
+              <a:rPr lang="en-US" smtClean="0"/>
               <a:t>11/29/2019</a:t>
             </a:fld>
             <a:endParaRPr lang="en-US"/>
@@ -9162,8 +9515,8 @@
           <a:bodyPr/>
           <a:lstStyle/>
           <a:p>
-            <a:fld id="{4509A250-FF31-4206-8172-F9D3106AACB1}" type="datetimeFigureOut">
-              <a:rPr lang="en-US" dirty="0"/>
+            <a:fld id="{5837E239-B74F-4389-8B67-FD249E34F3E0}" type="datetime1">
+              <a:rPr lang="en-US" smtClean="0"/>
               <a:t>11/29/2019</a:t>
             </a:fld>
             <a:endParaRPr lang="en-US"/>
@@ -9408,8 +9761,8 @@
           <a:bodyPr/>
           <a:lstStyle/>
           <a:p>
-            <a:fld id="{9796027F-7875-4030-9381-8BD8C4F21935}" type="datetimeFigureOut">
-              <a:rPr lang="en-US" dirty="0"/>
+            <a:fld id="{28C32065-9C89-4E41-A264-8119DDCB740C}" type="datetime1">
+              <a:rPr lang="en-US" smtClean="0"/>
               <a:t>11/29/2019</a:t>
             </a:fld>
             <a:endParaRPr lang="en-US"/>
@@ -9697,8 +10050,8 @@
           <a:bodyPr/>
           <a:lstStyle/>
           <a:p>
-            <a:fld id="{9796027F-7875-4030-9381-8BD8C4F21935}" type="datetimeFigureOut">
-              <a:rPr lang="en-US" dirty="0"/>
+            <a:fld id="{0C2E3015-E4B8-41F4-A3F6-21E259A84EC6}" type="datetime1">
+              <a:rPr lang="en-US" smtClean="0"/>
               <a:t>11/29/2019</a:t>
             </a:fld>
             <a:endParaRPr lang="en-US"/>
@@ -10138,8 +10491,8 @@
           <a:bodyPr/>
           <a:lstStyle/>
           <a:p>
-            <a:fld id="{9796027F-7875-4030-9381-8BD8C4F21935}" type="datetimeFigureOut">
-              <a:rPr lang="en-US" dirty="0"/>
+            <a:fld id="{417B612C-17E2-4BE2-A7AE-32F77D9ECDF2}" type="datetime1">
+              <a:rPr lang="en-US" smtClean="0"/>
               <a:t>11/29/2019</a:t>
             </a:fld>
             <a:endParaRPr lang="en-US"/>
@@ -10255,8 +10608,8 @@
           <a:bodyPr/>
           <a:lstStyle/>
           <a:p>
-            <a:fld id="{4509A250-FF31-4206-8172-F9D3106AACB1}" type="datetimeFigureOut">
-              <a:rPr lang="en-US" dirty="0"/>
+            <a:fld id="{3143749A-FA5E-4111-B585-33239D472B52}" type="datetime1">
+              <a:rPr lang="en-US" smtClean="0"/>
               <a:t>11/29/2019</a:t>
             </a:fld>
             <a:endParaRPr lang="en-US"/>
@@ -10350,8 +10703,8 @@
           <a:bodyPr/>
           <a:lstStyle/>
           <a:p>
-            <a:fld id="{4509A250-FF31-4206-8172-F9D3106AACB1}" type="datetimeFigureOut">
-              <a:rPr lang="en-US" dirty="0"/>
+            <a:fld id="{D5A7BB8D-A9E7-48A3-A9D1-2CE594D375F5}" type="datetime1">
+              <a:rPr lang="en-US" smtClean="0"/>
               <a:t>11/29/2019</a:t>
             </a:fld>
             <a:endParaRPr lang="en-US"/>
@@ -10627,8 +10980,8 @@
           <a:bodyPr/>
           <a:lstStyle/>
           <a:p>
-            <a:fld id="{4509A250-FF31-4206-8172-F9D3106AACB1}" type="datetimeFigureOut">
-              <a:rPr lang="en-US" dirty="0"/>
+            <a:fld id="{E098D6DA-AC69-4D63-B8D2-DFE19A6A7798}" type="datetime1">
+              <a:rPr lang="en-US" smtClean="0"/>
               <a:t>11/29/2019</a:t>
             </a:fld>
             <a:endParaRPr lang="en-US"/>
@@ -10897,8 +11250,8 @@
           <a:bodyPr/>
           <a:lstStyle/>
           <a:p>
-            <a:fld id="{4509A250-FF31-4206-8172-F9D3106AACB1}" type="datetimeFigureOut">
-              <a:rPr lang="en-US" dirty="0"/>
+            <a:fld id="{35B84D39-25AA-48CF-B594-FDDF69F82422}" type="datetime1">
+              <a:rPr lang="en-US" smtClean="0"/>
               <a:t>11/29/2019</a:t>
             </a:fld>
             <a:endParaRPr lang="en-US"/>
@@ -11324,8 +11677,8 @@
             </a:lvl1pPr>
           </a:lstStyle>
           <a:p>
-            <a:fld id="{4AAD347D-5ACD-4C99-B74B-A9C85AD731AF}" type="datetimeFigureOut">
-              <a:rPr lang="en-US" dirty="0"/>
+            <a:fld id="{DCE9FA47-455E-4F36-87A2-973839168A3E}" type="datetime1">
+              <a:rPr lang="en-US" smtClean="0"/>
               <a:t>11/29/2019</a:t>
             </a:fld>
             <a:endParaRPr lang="en-US"/>
@@ -11438,7 +11791,7 @@
     <p:sldLayoutId id="2147483676" r:id="rId16"/>
     <p:sldLayoutId id="2147483677" r:id="rId17"/>
   </p:sldLayoutIdLst>
-  <p:hf sldNum="0" hdr="0" ftr="0" dt="0"/>
+  <p:hf hdr="0" ftr="0" dt="0"/>
   <p:txStyles>
     <p:titleStyle>
       <a:lvl1pPr algn="l" defTabSz="457200" rtl="0" eaLnBrk="1" latinLnBrk="0" hangingPunct="1">
@@ -13185,6 +13538,35 @@
           </a:p>
         </p:txBody>
       </p:sp>
+      <p:sp>
+        <p:nvSpPr>
+          <p:cNvPr id="3" name="Slide Number Placeholder 2">
+            <a:extLst>
+              <a:ext uri="{FF2B5EF4-FFF2-40B4-BE49-F238E27FC236}">
+                <a16:creationId xmlns:a16="http://schemas.microsoft.com/office/drawing/2014/main" id="{7F22ED3D-057A-4D3D-A767-3EE493A035DF}"/>
+              </a:ext>
+            </a:extLst>
+          </p:cNvPr>
+          <p:cNvSpPr>
+            <a:spLocks noGrp="1"/>
+          </p:cNvSpPr>
+          <p:nvPr>
+            <p:ph type="sldNum" sz="quarter" idx="12"/>
+          </p:nvPr>
+        </p:nvSpPr>
+        <p:spPr/>
+        <p:txBody>
+          <a:bodyPr/>
+          <a:lstStyle/>
+          <a:p>
+            <a:fld id="{D57F1E4F-1CFF-5643-939E-02111984F565}" type="slidenum">
+              <a:rPr lang="en-US" smtClean="0"/>
+              <a:t>9</a:t>
+            </a:fld>
+            <a:endParaRPr lang="en-US"/>
+          </a:p>
+        </p:txBody>
+      </p:sp>
     </p:spTree>
     <p:extLst>
       <p:ext uri="{BB962C8B-B14F-4D97-AF65-F5344CB8AC3E}">
@@ -13472,6 +13854,35 @@
               <a:t> effectively wastes evaluations, as the packing status change of an item is not enforced</a:t>
             </a:r>
             <a:endParaRPr lang="pl-PL" dirty="0"/>
+          </a:p>
+        </p:txBody>
+      </p:sp>
+      <p:sp>
+        <p:nvSpPr>
+          <p:cNvPr id="3" name="Slide Number Placeholder 2">
+            <a:extLst>
+              <a:ext uri="{FF2B5EF4-FFF2-40B4-BE49-F238E27FC236}">
+                <a16:creationId xmlns:a16="http://schemas.microsoft.com/office/drawing/2014/main" id="{740DCA00-1751-4144-96A6-5EC190AF6859}"/>
+              </a:ext>
+            </a:extLst>
+          </p:cNvPr>
+          <p:cNvSpPr>
+            <a:spLocks noGrp="1"/>
+          </p:cNvSpPr>
+          <p:nvPr>
+            <p:ph type="sldNum" sz="quarter" idx="12"/>
+          </p:nvPr>
+        </p:nvSpPr>
+        <p:spPr/>
+        <p:txBody>
+          <a:bodyPr/>
+          <a:lstStyle/>
+          <a:p>
+            <a:fld id="{D57F1E4F-1CFF-5643-939E-02111984F565}" type="slidenum">
+              <a:rPr lang="en-US" smtClean="0"/>
+              <a:t>10</a:t>
+            </a:fld>
+            <a:endParaRPr lang="en-US"/>
           </a:p>
         </p:txBody>
       </p:sp>
@@ -14079,6 +14490,35 @@
           </a:fontRef>
         </p:style>
       </p:sp>
+      <p:sp>
+        <p:nvSpPr>
+          <p:cNvPr id="3" name="Slide Number Placeholder 2">
+            <a:extLst>
+              <a:ext uri="{FF2B5EF4-FFF2-40B4-BE49-F238E27FC236}">
+                <a16:creationId xmlns:a16="http://schemas.microsoft.com/office/drawing/2014/main" id="{7AB94B4A-3E75-4A24-836C-8C6DBF1739B2}"/>
+              </a:ext>
+            </a:extLst>
+          </p:cNvPr>
+          <p:cNvSpPr>
+            <a:spLocks noGrp="1"/>
+          </p:cNvSpPr>
+          <p:nvPr>
+            <p:ph type="sldNum" sz="quarter" idx="12"/>
+          </p:nvPr>
+        </p:nvSpPr>
+        <p:spPr/>
+        <p:txBody>
+          <a:bodyPr/>
+          <a:lstStyle/>
+          <a:p>
+            <a:fld id="{D57F1E4F-1CFF-5643-939E-02111984F565}" type="slidenum">
+              <a:rPr lang="en-US" smtClean="0"/>
+              <a:t>11</a:t>
+            </a:fld>
+            <a:endParaRPr lang="en-US"/>
+          </a:p>
+        </p:txBody>
+      </p:sp>
     </p:spTree>
     <p:extLst>
       <p:ext uri="{BB962C8B-B14F-4D97-AF65-F5344CB8AC3E}">
@@ -14392,6 +14832,35 @@
           </a:prstGeom>
         </p:spPr>
       </p:pic>
+      <p:sp>
+        <p:nvSpPr>
+          <p:cNvPr id="5" name="Slide Number Placeholder 4">
+            <a:extLst>
+              <a:ext uri="{FF2B5EF4-FFF2-40B4-BE49-F238E27FC236}">
+                <a16:creationId xmlns:a16="http://schemas.microsoft.com/office/drawing/2014/main" id="{1E6720D7-37BE-45E5-AA45-CD45C25C3033}"/>
+              </a:ext>
+            </a:extLst>
+          </p:cNvPr>
+          <p:cNvSpPr>
+            <a:spLocks noGrp="1"/>
+          </p:cNvSpPr>
+          <p:nvPr>
+            <p:ph type="sldNum" sz="quarter" idx="12"/>
+          </p:nvPr>
+        </p:nvSpPr>
+        <p:spPr/>
+        <p:txBody>
+          <a:bodyPr/>
+          <a:lstStyle/>
+          <a:p>
+            <a:fld id="{D57F1E4F-1CFF-5643-939E-02111984F565}" type="slidenum">
+              <a:rPr lang="en-US" smtClean="0"/>
+              <a:t>12</a:t>
+            </a:fld>
+            <a:endParaRPr lang="en-US"/>
+          </a:p>
+        </p:txBody>
+      </p:sp>
     </p:spTree>
     <p:extLst>
       <p:ext uri="{BB962C8B-B14F-4D97-AF65-F5344CB8AC3E}">
@@ -15241,6 +15710,35 @@
               <a:ea typeface="+mj-ea"/>
               <a:cs typeface="+mj-cs"/>
             </a:endParaRPr>
+          </a:p>
+        </p:txBody>
+      </p:sp>
+      <p:sp>
+        <p:nvSpPr>
+          <p:cNvPr id="2" name="Slide Number Placeholder 1">
+            <a:extLst>
+              <a:ext uri="{FF2B5EF4-FFF2-40B4-BE49-F238E27FC236}">
+                <a16:creationId xmlns:a16="http://schemas.microsoft.com/office/drawing/2014/main" id="{760B4DB1-DE8D-470D-9A2C-9573A49231FC}"/>
+              </a:ext>
+            </a:extLst>
+          </p:cNvPr>
+          <p:cNvSpPr>
+            <a:spLocks noGrp="1"/>
+          </p:cNvSpPr>
+          <p:nvPr>
+            <p:ph type="sldNum" sz="quarter" idx="12"/>
+          </p:nvPr>
+        </p:nvSpPr>
+        <p:spPr/>
+        <p:txBody>
+          <a:bodyPr/>
+          <a:lstStyle/>
+          <a:p>
+            <a:fld id="{D57F1E4F-1CFF-5643-939E-02111984F565}" type="slidenum">
+              <a:rPr lang="en-US" smtClean="0"/>
+              <a:t>13</a:t>
+            </a:fld>
+            <a:endParaRPr lang="en-US"/>
           </a:p>
         </p:txBody>
       </p:sp>
@@ -15629,6 +16127,35 @@
               </a:rPr>
               <a:t>- Solution representation</a:t>
             </a:r>
+          </a:p>
+        </p:txBody>
+      </p:sp>
+      <p:sp>
+        <p:nvSpPr>
+          <p:cNvPr id="3" name="Slide Number Placeholder 2">
+            <a:extLst>
+              <a:ext uri="{FF2B5EF4-FFF2-40B4-BE49-F238E27FC236}">
+                <a16:creationId xmlns:a16="http://schemas.microsoft.com/office/drawing/2014/main" id="{604CAF7F-7D2A-4AA5-98EA-9551E95C659F}"/>
+              </a:ext>
+            </a:extLst>
+          </p:cNvPr>
+          <p:cNvSpPr>
+            <a:spLocks noGrp="1"/>
+          </p:cNvSpPr>
+          <p:nvPr>
+            <p:ph type="sldNum" sz="quarter" idx="12"/>
+          </p:nvPr>
+        </p:nvSpPr>
+        <p:spPr/>
+        <p:txBody>
+          <a:bodyPr/>
+          <a:lstStyle/>
+          <a:p>
+            <a:fld id="{D57F1E4F-1CFF-5643-939E-02111984F565}" type="slidenum">
+              <a:rPr lang="en-US" smtClean="0"/>
+              <a:t>14</a:t>
+            </a:fld>
+            <a:endParaRPr lang="en-US"/>
           </a:p>
         </p:txBody>
       </p:sp>
@@ -17491,6 +18018,35 @@
           </a:p>
         </p:txBody>
       </p:sp>
+      <p:sp>
+        <p:nvSpPr>
+          <p:cNvPr id="2" name="Slide Number Placeholder 1">
+            <a:extLst>
+              <a:ext uri="{FF2B5EF4-FFF2-40B4-BE49-F238E27FC236}">
+                <a16:creationId xmlns:a16="http://schemas.microsoft.com/office/drawing/2014/main" id="{05DCE236-048E-465D-814E-A8BBECE47A15}"/>
+              </a:ext>
+            </a:extLst>
+          </p:cNvPr>
+          <p:cNvSpPr>
+            <a:spLocks noGrp="1"/>
+          </p:cNvSpPr>
+          <p:nvPr>
+            <p:ph type="sldNum" sz="quarter" idx="12"/>
+          </p:nvPr>
+        </p:nvSpPr>
+        <p:spPr/>
+        <p:txBody>
+          <a:bodyPr/>
+          <a:lstStyle/>
+          <a:p>
+            <a:fld id="{D57F1E4F-1CFF-5643-939E-02111984F565}" type="slidenum">
+              <a:rPr lang="en-US" smtClean="0"/>
+              <a:t>15</a:t>
+            </a:fld>
+            <a:endParaRPr lang="en-US"/>
+          </a:p>
+        </p:txBody>
+      </p:sp>
     </p:spTree>
     <p:extLst>
       <p:ext uri="{BB962C8B-B14F-4D97-AF65-F5344CB8AC3E}">
@@ -18926,6 +19482,35 @@
           </a:p>
         </p:txBody>
       </p:sp>
+      <p:sp>
+        <p:nvSpPr>
+          <p:cNvPr id="2" name="Slide Number Placeholder 1">
+            <a:extLst>
+              <a:ext uri="{FF2B5EF4-FFF2-40B4-BE49-F238E27FC236}">
+                <a16:creationId xmlns:a16="http://schemas.microsoft.com/office/drawing/2014/main" id="{94B22217-5447-4920-9295-5B0CE9A19C3C}"/>
+              </a:ext>
+            </a:extLst>
+          </p:cNvPr>
+          <p:cNvSpPr>
+            <a:spLocks noGrp="1"/>
+          </p:cNvSpPr>
+          <p:nvPr>
+            <p:ph type="sldNum" sz="quarter" idx="12"/>
+          </p:nvPr>
+        </p:nvSpPr>
+        <p:spPr/>
+        <p:txBody>
+          <a:bodyPr/>
+          <a:lstStyle/>
+          <a:p>
+            <a:fld id="{D57F1E4F-1CFF-5643-939E-02111984F565}" type="slidenum">
+              <a:rPr lang="en-US" smtClean="0"/>
+              <a:t>16</a:t>
+            </a:fld>
+            <a:endParaRPr lang="en-US"/>
+          </a:p>
+        </p:txBody>
+      </p:sp>
     </p:spTree>
     <p:extLst>
       <p:ext uri="{BB962C8B-B14F-4D97-AF65-F5344CB8AC3E}">
@@ -20277,6 +20862,35 @@
           </a:p>
         </p:txBody>
       </p:sp>
+      <p:sp>
+        <p:nvSpPr>
+          <p:cNvPr id="2" name="Slide Number Placeholder 1">
+            <a:extLst>
+              <a:ext uri="{FF2B5EF4-FFF2-40B4-BE49-F238E27FC236}">
+                <a16:creationId xmlns:a16="http://schemas.microsoft.com/office/drawing/2014/main" id="{93ECB137-B000-46E8-9632-6268BE804494}"/>
+              </a:ext>
+            </a:extLst>
+          </p:cNvPr>
+          <p:cNvSpPr>
+            <a:spLocks noGrp="1"/>
+          </p:cNvSpPr>
+          <p:nvPr>
+            <p:ph type="sldNum" sz="quarter" idx="12"/>
+          </p:nvPr>
+        </p:nvSpPr>
+        <p:spPr/>
+        <p:txBody>
+          <a:bodyPr/>
+          <a:lstStyle/>
+          <a:p>
+            <a:fld id="{D57F1E4F-1CFF-5643-939E-02111984F565}" type="slidenum">
+              <a:rPr lang="en-US" smtClean="0"/>
+              <a:t>17</a:t>
+            </a:fld>
+            <a:endParaRPr lang="en-US"/>
+          </a:p>
+        </p:txBody>
+      </p:sp>
     </p:spTree>
     <p:extLst>
       <p:ext uri="{BB962C8B-B14F-4D97-AF65-F5344CB8AC3E}">
@@ -21621,6 +22235,35 @@
           </a:p>
         </p:txBody>
       </p:sp>
+      <p:sp>
+        <p:nvSpPr>
+          <p:cNvPr id="4" name="Slide Number Placeholder 3">
+            <a:extLst>
+              <a:ext uri="{FF2B5EF4-FFF2-40B4-BE49-F238E27FC236}">
+                <a16:creationId xmlns:a16="http://schemas.microsoft.com/office/drawing/2014/main" id="{977FDC73-CEF5-49FC-BC51-B07CC95D3AB8}"/>
+              </a:ext>
+            </a:extLst>
+          </p:cNvPr>
+          <p:cNvSpPr>
+            <a:spLocks noGrp="1"/>
+          </p:cNvSpPr>
+          <p:nvPr>
+            <p:ph type="sldNum" sz="quarter" idx="12"/>
+          </p:nvPr>
+        </p:nvSpPr>
+        <p:spPr/>
+        <p:txBody>
+          <a:bodyPr/>
+          <a:lstStyle/>
+          <a:p>
+            <a:fld id="{D57F1E4F-1CFF-5643-939E-02111984F565}" type="slidenum">
+              <a:rPr lang="en-US" smtClean="0"/>
+              <a:t>18</a:t>
+            </a:fld>
+            <a:endParaRPr lang="en-US"/>
+          </a:p>
+        </p:txBody>
+      </p:sp>
     </p:spTree>
     <p:extLst>
       <p:ext uri="{BB962C8B-B14F-4D97-AF65-F5344CB8AC3E}">
@@ -22691,6 +23334,35 @@
           </a:graphicData>
         </a:graphic>
       </p:graphicFrame>
+      <p:sp>
+        <p:nvSpPr>
+          <p:cNvPr id="3" name="Slide Number Placeholder 2">
+            <a:extLst>
+              <a:ext uri="{FF2B5EF4-FFF2-40B4-BE49-F238E27FC236}">
+                <a16:creationId xmlns:a16="http://schemas.microsoft.com/office/drawing/2014/main" id="{2B94B8B1-129C-4BC7-B436-F10C2EFBCE06}"/>
+              </a:ext>
+            </a:extLst>
+          </p:cNvPr>
+          <p:cNvSpPr>
+            <a:spLocks noGrp="1"/>
+          </p:cNvSpPr>
+          <p:nvPr>
+            <p:ph type="sldNum" sz="quarter" idx="12"/>
+          </p:nvPr>
+        </p:nvSpPr>
+        <p:spPr/>
+        <p:txBody>
+          <a:bodyPr/>
+          <a:lstStyle/>
+          <a:p>
+            <a:fld id="{D57F1E4F-1CFF-5643-939E-02111984F565}" type="slidenum">
+              <a:rPr lang="en-US" smtClean="0"/>
+              <a:t>1</a:t>
+            </a:fld>
+            <a:endParaRPr lang="en-US"/>
+          </a:p>
+        </p:txBody>
+      </p:sp>
     </p:spTree>
     <p:extLst>
       <p:ext uri="{BB962C8B-B14F-4D97-AF65-F5344CB8AC3E}">
@@ -23232,6 +23904,35 @@
               </a:rPr>
               <a:t>Carry out our experiment</a:t>
             </a:r>
+          </a:p>
+        </p:txBody>
+      </p:sp>
+      <p:sp>
+        <p:nvSpPr>
+          <p:cNvPr id="3" name="Slide Number Placeholder 2">
+            <a:extLst>
+              <a:ext uri="{FF2B5EF4-FFF2-40B4-BE49-F238E27FC236}">
+                <a16:creationId xmlns:a16="http://schemas.microsoft.com/office/drawing/2014/main" id="{0221C597-A7B2-4E86-9497-9F7F3A23964A}"/>
+              </a:ext>
+            </a:extLst>
+          </p:cNvPr>
+          <p:cNvSpPr>
+            <a:spLocks noGrp="1"/>
+          </p:cNvSpPr>
+          <p:nvPr>
+            <p:ph type="sldNum" sz="quarter" idx="12"/>
+          </p:nvPr>
+        </p:nvSpPr>
+        <p:spPr/>
+        <p:txBody>
+          <a:bodyPr/>
+          <a:lstStyle/>
+          <a:p>
+            <a:fld id="{D57F1E4F-1CFF-5643-939E-02111984F565}" type="slidenum">
+              <a:rPr lang="en-US" smtClean="0"/>
+              <a:t>19</a:t>
+            </a:fld>
+            <a:endParaRPr lang="en-US"/>
           </a:p>
         </p:txBody>
       </p:sp>
@@ -24504,6 +25205,35 @@
           </a:p>
         </p:txBody>
       </p:sp>
+      <p:sp>
+        <p:nvSpPr>
+          <p:cNvPr id="4" name="Slide Number Placeholder 3">
+            <a:extLst>
+              <a:ext uri="{FF2B5EF4-FFF2-40B4-BE49-F238E27FC236}">
+                <a16:creationId xmlns:a16="http://schemas.microsoft.com/office/drawing/2014/main" id="{6BB48615-78A2-4939-950F-2D0EA51D2825}"/>
+              </a:ext>
+            </a:extLst>
+          </p:cNvPr>
+          <p:cNvSpPr>
+            <a:spLocks noGrp="1"/>
+          </p:cNvSpPr>
+          <p:nvPr>
+            <p:ph type="sldNum" sz="quarter" idx="12"/>
+          </p:nvPr>
+        </p:nvSpPr>
+        <p:spPr/>
+        <p:txBody>
+          <a:bodyPr/>
+          <a:lstStyle/>
+          <a:p>
+            <a:fld id="{D57F1E4F-1CFF-5643-939E-02111984F565}" type="slidenum">
+              <a:rPr lang="en-US" smtClean="0"/>
+              <a:t>21</a:t>
+            </a:fld>
+            <a:endParaRPr lang="en-US"/>
+          </a:p>
+        </p:txBody>
+      </p:sp>
     </p:spTree>
     <p:extLst>
       <p:ext uri="{BB962C8B-B14F-4D97-AF65-F5344CB8AC3E}">
@@ -24804,6 +25534,35 @@
           </a:p>
         </p:txBody>
       </p:sp>
+      <p:sp>
+        <p:nvSpPr>
+          <p:cNvPr id="3" name="Slide Number Placeholder 2">
+            <a:extLst>
+              <a:ext uri="{FF2B5EF4-FFF2-40B4-BE49-F238E27FC236}">
+                <a16:creationId xmlns:a16="http://schemas.microsoft.com/office/drawing/2014/main" id="{54DE370E-8BD3-48CF-8C26-29BB4B118A8F}"/>
+              </a:ext>
+            </a:extLst>
+          </p:cNvPr>
+          <p:cNvSpPr>
+            <a:spLocks noGrp="1"/>
+          </p:cNvSpPr>
+          <p:nvPr>
+            <p:ph type="sldNum" sz="quarter" idx="12"/>
+          </p:nvPr>
+        </p:nvSpPr>
+        <p:spPr/>
+        <p:txBody>
+          <a:bodyPr/>
+          <a:lstStyle/>
+          <a:p>
+            <a:fld id="{D57F1E4F-1CFF-5643-939E-02111984F565}" type="slidenum">
+              <a:rPr lang="en-US" smtClean="0"/>
+              <a:t>2</a:t>
+            </a:fld>
+            <a:endParaRPr lang="en-US"/>
+          </a:p>
+        </p:txBody>
+      </p:sp>
     </p:spTree>
     <p:extLst>
       <p:ext uri="{BB962C8B-B14F-4D97-AF65-F5344CB8AC3E}">
@@ -24911,6 +25670,35 @@
               <a:t>Interdependence – in real-world problems these subproblems are interdependent in the sense that a solution for one sub-problem influences the quality of the solutions for other sub-problems. </a:t>
             </a:r>
             <a:endParaRPr lang="pl-PL" dirty="0"/>
+          </a:p>
+        </p:txBody>
+      </p:sp>
+      <p:sp>
+        <p:nvSpPr>
+          <p:cNvPr id="4" name="Slide Number Placeholder 3">
+            <a:extLst>
+              <a:ext uri="{FF2B5EF4-FFF2-40B4-BE49-F238E27FC236}">
+                <a16:creationId xmlns:a16="http://schemas.microsoft.com/office/drawing/2014/main" id="{4AE3F9A5-4A15-4C4C-BCA7-9746D07B05DE}"/>
+              </a:ext>
+            </a:extLst>
+          </p:cNvPr>
+          <p:cNvSpPr>
+            <a:spLocks noGrp="1"/>
+          </p:cNvSpPr>
+          <p:nvPr>
+            <p:ph type="sldNum" sz="quarter" idx="12"/>
+          </p:nvPr>
+        </p:nvSpPr>
+        <p:spPr/>
+        <p:txBody>
+          <a:bodyPr/>
+          <a:lstStyle/>
+          <a:p>
+            <a:fld id="{D57F1E4F-1CFF-5643-939E-02111984F565}" type="slidenum">
+              <a:rPr lang="en-US" smtClean="0"/>
+              <a:t>3</a:t>
+            </a:fld>
+            <a:endParaRPr lang="en-US"/>
           </a:p>
         </p:txBody>
       </p:sp>
@@ -25193,6 +25981,35 @@
           </a:p>
         </p:txBody>
       </p:sp>
+      <p:sp>
+        <p:nvSpPr>
+          <p:cNvPr id="3" name="Slide Number Placeholder 2">
+            <a:extLst>
+              <a:ext uri="{FF2B5EF4-FFF2-40B4-BE49-F238E27FC236}">
+                <a16:creationId xmlns:a16="http://schemas.microsoft.com/office/drawing/2014/main" id="{30EFC813-8ECD-4280-BD60-694AE269E1C3}"/>
+              </a:ext>
+            </a:extLst>
+          </p:cNvPr>
+          <p:cNvSpPr>
+            <a:spLocks noGrp="1"/>
+          </p:cNvSpPr>
+          <p:nvPr>
+            <p:ph type="sldNum" sz="quarter" idx="12"/>
+          </p:nvPr>
+        </p:nvSpPr>
+        <p:spPr/>
+        <p:txBody>
+          <a:bodyPr/>
+          <a:lstStyle/>
+          <a:p>
+            <a:fld id="{D57F1E4F-1CFF-5643-939E-02111984F565}" type="slidenum">
+              <a:rPr lang="en-US" smtClean="0"/>
+              <a:t>4</a:t>
+            </a:fld>
+            <a:endParaRPr lang="en-US"/>
+          </a:p>
+        </p:txBody>
+      </p:sp>
     </p:spTree>
     <p:extLst>
       <p:ext uri="{BB962C8B-B14F-4D97-AF65-F5344CB8AC3E}">
@@ -25408,6 +26225,35 @@
               <a:ea typeface="+mj-ea"/>
               <a:cs typeface="+mj-cs"/>
             </a:endParaRPr>
+          </a:p>
+        </p:txBody>
+      </p:sp>
+      <p:sp>
+        <p:nvSpPr>
+          <p:cNvPr id="3" name="Slide Number Placeholder 2">
+            <a:extLst>
+              <a:ext uri="{FF2B5EF4-FFF2-40B4-BE49-F238E27FC236}">
+                <a16:creationId xmlns:a16="http://schemas.microsoft.com/office/drawing/2014/main" id="{FEDF3ABA-8B78-4F62-90AD-B3C4813F1511}"/>
+              </a:ext>
+            </a:extLst>
+          </p:cNvPr>
+          <p:cNvSpPr>
+            <a:spLocks noGrp="1"/>
+          </p:cNvSpPr>
+          <p:nvPr>
+            <p:ph type="sldNum" sz="quarter" idx="12"/>
+          </p:nvPr>
+        </p:nvSpPr>
+        <p:spPr/>
+        <p:txBody>
+          <a:bodyPr/>
+          <a:lstStyle/>
+          <a:p>
+            <a:fld id="{D57F1E4F-1CFF-5643-939E-02111984F565}" type="slidenum">
+              <a:rPr lang="en-US" smtClean="0"/>
+              <a:t>5</a:t>
+            </a:fld>
+            <a:endParaRPr lang="en-US"/>
           </a:p>
         </p:txBody>
       </p:sp>
@@ -25611,6 +26457,35 @@
           </a:p>
         </p:txBody>
       </p:sp>
+      <p:sp>
+        <p:nvSpPr>
+          <p:cNvPr id="3" name="Slide Number Placeholder 2">
+            <a:extLst>
+              <a:ext uri="{FF2B5EF4-FFF2-40B4-BE49-F238E27FC236}">
+                <a16:creationId xmlns:a16="http://schemas.microsoft.com/office/drawing/2014/main" id="{57BA02D7-BDD2-49C1-B45D-B62865D05B4D}"/>
+              </a:ext>
+            </a:extLst>
+          </p:cNvPr>
+          <p:cNvSpPr>
+            <a:spLocks noGrp="1"/>
+          </p:cNvSpPr>
+          <p:nvPr>
+            <p:ph type="sldNum" sz="quarter" idx="12"/>
+          </p:nvPr>
+        </p:nvSpPr>
+        <p:spPr/>
+        <p:txBody>
+          <a:bodyPr/>
+          <a:lstStyle/>
+          <a:p>
+            <a:fld id="{D57F1E4F-1CFF-5643-939E-02111984F565}" type="slidenum">
+              <a:rPr lang="en-US" smtClean="0"/>
+              <a:t>6</a:t>
+            </a:fld>
+            <a:endParaRPr lang="en-US"/>
+          </a:p>
+        </p:txBody>
+      </p:sp>
     </p:spTree>
     <p:extLst>
       <p:ext uri="{BB962C8B-B14F-4D97-AF65-F5344CB8AC3E}">
@@ -25830,6 +26705,35 @@
               </a:rPr>
               <a:t> </a:t>
             </a:r>
+          </a:p>
+        </p:txBody>
+      </p:sp>
+      <p:sp>
+        <p:nvSpPr>
+          <p:cNvPr id="3" name="Slide Number Placeholder 2">
+            <a:extLst>
+              <a:ext uri="{FF2B5EF4-FFF2-40B4-BE49-F238E27FC236}">
+                <a16:creationId xmlns:a16="http://schemas.microsoft.com/office/drawing/2014/main" id="{F4D0ACAB-B52F-45AA-B9F0-20E6A2E93579}"/>
+              </a:ext>
+            </a:extLst>
+          </p:cNvPr>
+          <p:cNvSpPr>
+            <a:spLocks noGrp="1"/>
+          </p:cNvSpPr>
+          <p:nvPr>
+            <p:ph type="sldNum" sz="quarter" idx="12"/>
+          </p:nvPr>
+        </p:nvSpPr>
+        <p:spPr/>
+        <p:txBody>
+          <a:bodyPr/>
+          <a:lstStyle/>
+          <a:p>
+            <a:fld id="{D57F1E4F-1CFF-5643-939E-02111984F565}" type="slidenum">
+              <a:rPr lang="en-US" smtClean="0"/>
+              <a:t>7</a:t>
+            </a:fld>
+            <a:endParaRPr lang="en-US"/>
           </a:p>
         </p:txBody>
       </p:sp>
@@ -26072,6 +26976,35 @@
               <a:ea typeface="+mj-ea"/>
               <a:cs typeface="+mj-cs"/>
             </a:endParaRPr>
+          </a:p>
+        </p:txBody>
+      </p:sp>
+      <p:sp>
+        <p:nvSpPr>
+          <p:cNvPr id="3" name="Slide Number Placeholder 2">
+            <a:extLst>
+              <a:ext uri="{FF2B5EF4-FFF2-40B4-BE49-F238E27FC236}">
+                <a16:creationId xmlns:a16="http://schemas.microsoft.com/office/drawing/2014/main" id="{3DE3E554-5141-404A-9035-C5AEFF00AE6A}"/>
+              </a:ext>
+            </a:extLst>
+          </p:cNvPr>
+          <p:cNvSpPr>
+            <a:spLocks noGrp="1"/>
+          </p:cNvSpPr>
+          <p:nvPr>
+            <p:ph type="sldNum" sz="quarter" idx="12"/>
+          </p:nvPr>
+        </p:nvSpPr>
+        <p:spPr/>
+        <p:txBody>
+          <a:bodyPr/>
+          <a:lstStyle/>
+          <a:p>
+            <a:fld id="{D57F1E4F-1CFF-5643-939E-02111984F565}" type="slidenum">
+              <a:rPr lang="en-US" smtClean="0"/>
+              <a:t>8</a:t>
+            </a:fld>
+            <a:endParaRPr lang="en-US"/>
           </a:p>
         </p:txBody>
       </p:sp>
@@ -26352,4 +27285,299 @@
     </a:ext>
   </a:extLst>
 </a:theme>
+</file>
+
+<file path=ppt/theme/theme2.xml><?xml version="1.0" encoding="utf-8"?>
+<a:theme xmlns:a="http://schemas.openxmlformats.org/drawingml/2006/main" name="Office Theme">
+  <a:themeElements>
+    <a:clrScheme name="Office">
+      <a:dk1>
+        <a:sysClr val="windowText" lastClr="000000"/>
+      </a:dk1>
+      <a:lt1>
+        <a:sysClr val="window" lastClr="FFFFFF"/>
+      </a:lt1>
+      <a:dk2>
+        <a:srgbClr val="44546A"/>
+      </a:dk2>
+      <a:lt2>
+        <a:srgbClr val="E7E6E6"/>
+      </a:lt2>
+      <a:accent1>
+        <a:srgbClr val="4472C4"/>
+      </a:accent1>
+      <a:accent2>
+        <a:srgbClr val="ED7D31"/>
+      </a:accent2>
+      <a:accent3>
+        <a:srgbClr val="A5A5A5"/>
+      </a:accent3>
+      <a:accent4>
+        <a:srgbClr val="FFC000"/>
+      </a:accent4>
+      <a:accent5>
+        <a:srgbClr val="5B9BD5"/>
+      </a:accent5>
+      <a:accent6>
+        <a:srgbClr val="70AD47"/>
+      </a:accent6>
+      <a:hlink>
+        <a:srgbClr val="0563C1"/>
+      </a:hlink>
+      <a:folHlink>
+        <a:srgbClr val="954F72"/>
+      </a:folHlink>
+    </a:clrScheme>
+    <a:fontScheme name="Office">
+      <a:majorFont>
+        <a:latin typeface="Calibri Light" panose="020F0302020204030204"/>
+        <a:ea typeface=""/>
+        <a:cs typeface=""/>
+        <a:font script="Jpan" typeface="游ゴシック Light"/>
+        <a:font script="Hang" typeface="맑은 고딕"/>
+        <a:font script="Hans" typeface="等线 Light"/>
+        <a:font script="Hant" typeface="新細明體"/>
+        <a:font script="Arab" typeface="Times New Roman"/>
+        <a:font script="Hebr" typeface="Times New Roman"/>
+        <a:font script="Thai" typeface="Angsana New"/>
+        <a:font script="Ethi" typeface="Nyala"/>
+        <a:font script="Beng" typeface="Vrinda"/>
+        <a:font script="Gujr" typeface="Shruti"/>
+        <a:font script="Khmr" typeface="MoolBoran"/>
+        <a:font script="Knda" typeface="Tunga"/>
+        <a:font script="Guru" typeface="Raavi"/>
+        <a:font script="Cans" typeface="Euphemia"/>
+        <a:font script="Cher" typeface="Plantagenet Cherokee"/>
+        <a:font script="Yiii" typeface="Microsoft Yi Baiti"/>
+        <a:font script="Tibt" typeface="Microsoft Himalaya"/>
+        <a:font script="Thaa" typeface="MV Boli"/>
+        <a:font script="Deva" typeface="Mangal"/>
+        <a:font script="Telu" typeface="Gautami"/>
+        <a:font script="Taml" typeface="Latha"/>
+        <a:font script="Syrc" typeface="Estrangelo Edessa"/>
+        <a:font script="Orya" typeface="Kalinga"/>
+        <a:font script="Mlym" typeface="Kartika"/>
+        <a:font script="Laoo" typeface="DokChampa"/>
+        <a:font script="Sinh" typeface="Iskoola Pota"/>
+        <a:font script="Mong" typeface="Mongolian Baiti"/>
+        <a:font script="Viet" typeface="Times New Roman"/>
+        <a:font script="Uigh" typeface="Microsoft Uighur"/>
+        <a:font script="Geor" typeface="Sylfaen"/>
+        <a:font script="Armn" typeface="Arial"/>
+        <a:font script="Bugi" typeface="Leelawadee UI"/>
+        <a:font script="Bopo" typeface="Microsoft JhengHei"/>
+        <a:font script="Java" typeface="Javanese Text"/>
+        <a:font script="Lisu" typeface="Segoe UI"/>
+        <a:font script="Mymr" typeface="Myanmar Text"/>
+        <a:font script="Nkoo" typeface="Ebrima"/>
+        <a:font script="Olck" typeface="Nirmala UI"/>
+        <a:font script="Osma" typeface="Ebrima"/>
+        <a:font script="Phag" typeface="Phagspa"/>
+        <a:font script="Syrn" typeface="Estrangelo Edessa"/>
+        <a:font script="Syrj" typeface="Estrangelo Edessa"/>
+        <a:font script="Syre" typeface="Estrangelo Edessa"/>
+        <a:font script="Sora" typeface="Nirmala UI"/>
+        <a:font script="Tale" typeface="Microsoft Tai Le"/>
+        <a:font script="Talu" typeface="Microsoft New Tai Lue"/>
+        <a:font script="Tfng" typeface="Ebrima"/>
+      </a:majorFont>
+      <a:minorFont>
+        <a:latin typeface="Calibri" panose="020F0502020204030204"/>
+        <a:ea typeface=""/>
+        <a:cs typeface=""/>
+        <a:font script="Jpan" typeface="游ゴシック"/>
+        <a:font script="Hang" typeface="맑은 고딕"/>
+        <a:font script="Hans" typeface="等线"/>
+        <a:font script="Hant" typeface="新細明體"/>
+        <a:font script="Arab" typeface="Arial"/>
+        <a:font script="Hebr" typeface="Arial"/>
+        <a:font script="Thai" typeface="Cordia New"/>
+        <a:font script="Ethi" typeface="Nyala"/>
+        <a:font script="Beng" typeface="Vrinda"/>
+        <a:font script="Gujr" typeface="Shruti"/>
+        <a:font script="Khmr" typeface="DaunPenh"/>
+        <a:font script="Knda" typeface="Tunga"/>
+        <a:font script="Guru" typeface="Raavi"/>
+        <a:font script="Cans" typeface="Euphemia"/>
+        <a:font script="Cher" typeface="Plantagenet Cherokee"/>
+        <a:font script="Yiii" typeface="Microsoft Yi Baiti"/>
+        <a:font script="Tibt" typeface="Microsoft Himalaya"/>
+        <a:font script="Thaa" typeface="MV Boli"/>
+        <a:font script="Deva" typeface="Mangal"/>
+        <a:font script="Telu" typeface="Gautami"/>
+        <a:font script="Taml" typeface="Latha"/>
+        <a:font script="Syrc" typeface="Estrangelo Edessa"/>
+        <a:font script="Orya" typeface="Kalinga"/>
+        <a:font script="Mlym" typeface="Kartika"/>
+        <a:font script="Laoo" typeface="DokChampa"/>
+        <a:font script="Sinh" typeface="Iskoola Pota"/>
+        <a:font script="Mong" typeface="Mongolian Baiti"/>
+        <a:font script="Viet" typeface="Arial"/>
+        <a:font script="Uigh" typeface="Microsoft Uighur"/>
+        <a:font script="Geor" typeface="Sylfaen"/>
+        <a:font script="Armn" typeface="Arial"/>
+        <a:font script="Bugi" typeface="Leelawadee UI"/>
+        <a:font script="Bopo" typeface="Microsoft JhengHei"/>
+        <a:font script="Java" typeface="Javanese Text"/>
+        <a:font script="Lisu" typeface="Segoe UI"/>
+        <a:font script="Mymr" typeface="Myanmar Text"/>
+        <a:font script="Nkoo" typeface="Ebrima"/>
+        <a:font script="Olck" typeface="Nirmala UI"/>
+        <a:font script="Osma" typeface="Ebrima"/>
+        <a:font script="Phag" typeface="Phagspa"/>
+        <a:font script="Syrn" typeface="Estrangelo Edessa"/>
+        <a:font script="Syrj" typeface="Estrangelo Edessa"/>
+        <a:font script="Syre" typeface="Estrangelo Edessa"/>
+        <a:font script="Sora" typeface="Nirmala UI"/>
+        <a:font script="Tale" typeface="Microsoft Tai Le"/>
+        <a:font script="Talu" typeface="Microsoft New Tai Lue"/>
+        <a:font script="Tfng" typeface="Ebrima"/>
+      </a:minorFont>
+    </a:fontScheme>
+    <a:fmtScheme name="Office">
+      <a:fillStyleLst>
+        <a:solidFill>
+          <a:schemeClr val="phClr"/>
+        </a:solidFill>
+        <a:gradFill rotWithShape="1">
+          <a:gsLst>
+            <a:gs pos="0">
+              <a:schemeClr val="phClr">
+                <a:lumMod val="110000"/>
+                <a:satMod val="105000"/>
+                <a:tint val="67000"/>
+              </a:schemeClr>
+            </a:gs>
+            <a:gs pos="50000">
+              <a:schemeClr val="phClr">
+                <a:lumMod val="105000"/>
+                <a:satMod val="103000"/>
+                <a:tint val="73000"/>
+              </a:schemeClr>
+            </a:gs>
+            <a:gs pos="100000">
+              <a:schemeClr val="phClr">
+                <a:lumMod val="105000"/>
+                <a:satMod val="109000"/>
+                <a:tint val="81000"/>
+              </a:schemeClr>
+            </a:gs>
+          </a:gsLst>
+          <a:lin ang="5400000" scaled="0"/>
+        </a:gradFill>
+        <a:gradFill rotWithShape="1">
+          <a:gsLst>
+            <a:gs pos="0">
+              <a:schemeClr val="phClr">
+                <a:satMod val="103000"/>
+                <a:lumMod val="102000"/>
+                <a:tint val="94000"/>
+              </a:schemeClr>
+            </a:gs>
+            <a:gs pos="50000">
+              <a:schemeClr val="phClr">
+                <a:satMod val="110000"/>
+                <a:lumMod val="100000"/>
+                <a:shade val="100000"/>
+              </a:schemeClr>
+            </a:gs>
+            <a:gs pos="100000">
+              <a:schemeClr val="phClr">
+                <a:lumMod val="99000"/>
+                <a:satMod val="120000"/>
+                <a:shade val="78000"/>
+              </a:schemeClr>
+            </a:gs>
+          </a:gsLst>
+          <a:lin ang="5400000" scaled="0"/>
+        </a:gradFill>
+      </a:fillStyleLst>
+      <a:lnStyleLst>
+        <a:ln w="6350" cap="flat" cmpd="sng" algn="ctr">
+          <a:solidFill>
+            <a:schemeClr val="phClr"/>
+          </a:solidFill>
+          <a:prstDash val="solid"/>
+          <a:miter lim="800000"/>
+        </a:ln>
+        <a:ln w="12700" cap="flat" cmpd="sng" algn="ctr">
+          <a:solidFill>
+            <a:schemeClr val="phClr"/>
+          </a:solidFill>
+          <a:prstDash val="solid"/>
+          <a:miter lim="800000"/>
+        </a:ln>
+        <a:ln w="19050" cap="flat" cmpd="sng" algn="ctr">
+          <a:solidFill>
+            <a:schemeClr val="phClr"/>
+          </a:solidFill>
+          <a:prstDash val="solid"/>
+          <a:miter lim="800000"/>
+        </a:ln>
+      </a:lnStyleLst>
+      <a:effectStyleLst>
+        <a:effectStyle>
+          <a:effectLst/>
+        </a:effectStyle>
+        <a:effectStyle>
+          <a:effectLst/>
+        </a:effectStyle>
+        <a:effectStyle>
+          <a:effectLst>
+            <a:outerShdw blurRad="57150" dist="19050" dir="5400000" algn="ctr" rotWithShape="0">
+              <a:srgbClr val="000000">
+                <a:alpha val="63000"/>
+              </a:srgbClr>
+            </a:outerShdw>
+          </a:effectLst>
+        </a:effectStyle>
+      </a:effectStyleLst>
+      <a:bgFillStyleLst>
+        <a:solidFill>
+          <a:schemeClr val="phClr"/>
+        </a:solidFill>
+        <a:solidFill>
+          <a:schemeClr val="phClr">
+            <a:tint val="95000"/>
+            <a:satMod val="170000"/>
+          </a:schemeClr>
+        </a:solidFill>
+        <a:gradFill rotWithShape="1">
+          <a:gsLst>
+            <a:gs pos="0">
+              <a:schemeClr val="phClr">
+                <a:tint val="93000"/>
+                <a:satMod val="150000"/>
+                <a:shade val="98000"/>
+                <a:lumMod val="102000"/>
+              </a:schemeClr>
+            </a:gs>
+            <a:gs pos="50000">
+              <a:schemeClr val="phClr">
+                <a:tint val="98000"/>
+                <a:satMod val="130000"/>
+                <a:shade val="90000"/>
+                <a:lumMod val="103000"/>
+              </a:schemeClr>
+            </a:gs>
+            <a:gs pos="100000">
+              <a:schemeClr val="phClr">
+                <a:shade val="63000"/>
+                <a:satMod val="120000"/>
+              </a:schemeClr>
+            </a:gs>
+          </a:gsLst>
+          <a:lin ang="5400000" scaled="0"/>
+        </a:gradFill>
+      </a:bgFillStyleLst>
+    </a:fmtScheme>
+  </a:themeElements>
+  <a:objectDefaults/>
+  <a:extraClrSchemeLst/>
+  <a:extLst>
+    <a:ext uri="{05A4C25C-085E-4340-85A3-A5531E510DB2}">
+      <thm15:themeFamily xmlns:thm15="http://schemas.microsoft.com/office/thememl/2012/main" name="Office Theme" id="{62F939B6-93AF-4DB8-9C6B-D6C7DFDC589F}" vid="{4A3C46E8-61CC-4603-A589-7422A47A8E4A}"/>
+    </a:ext>
+  </a:extLst>
+</a:theme>
 </file>
--- a/AI-midterm-presentation_3.pptx
+++ b/AI-midterm-presentation_3.pptx
@@ -5,31 +5,33 @@
     <p:sldMasterId id="2147483660" r:id="rId1"/>
   </p:sldMasterIdLst>
   <p:notesMasterIdLst>
-    <p:notesMasterId r:id="rId24"/>
+    <p:notesMasterId r:id="rId26"/>
   </p:notesMasterIdLst>
   <p:sldIdLst>
     <p:sldId id="256" r:id="rId2"/>
     <p:sldId id="261" r:id="rId3"/>
-    <p:sldId id="279" r:id="rId4"/>
-    <p:sldId id="282" r:id="rId5"/>
-    <p:sldId id="280" r:id="rId6"/>
-    <p:sldId id="281" r:id="rId7"/>
-    <p:sldId id="284" r:id="rId8"/>
-    <p:sldId id="285" r:id="rId9"/>
-    <p:sldId id="286" r:id="rId10"/>
-    <p:sldId id="287" r:id="rId11"/>
-    <p:sldId id="288" r:id="rId12"/>
-    <p:sldId id="262" r:id="rId13"/>
-    <p:sldId id="275" r:id="rId14"/>
-    <p:sldId id="263" r:id="rId15"/>
-    <p:sldId id="273" r:id="rId16"/>
-    <p:sldId id="289" r:id="rId17"/>
-    <p:sldId id="274" r:id="rId18"/>
-    <p:sldId id="277" r:id="rId19"/>
-    <p:sldId id="278" r:id="rId20"/>
-    <p:sldId id="276" r:id="rId21"/>
-    <p:sldId id="270" r:id="rId22"/>
-    <p:sldId id="283" r:id="rId23"/>
+    <p:sldId id="257" r:id="rId4"/>
+    <p:sldId id="291" r:id="rId5"/>
+    <p:sldId id="279" r:id="rId6"/>
+    <p:sldId id="282" r:id="rId7"/>
+    <p:sldId id="280" r:id="rId8"/>
+    <p:sldId id="281" r:id="rId9"/>
+    <p:sldId id="284" r:id="rId10"/>
+    <p:sldId id="285" r:id="rId11"/>
+    <p:sldId id="286" r:id="rId12"/>
+    <p:sldId id="287" r:id="rId13"/>
+    <p:sldId id="288" r:id="rId14"/>
+    <p:sldId id="262" r:id="rId15"/>
+    <p:sldId id="275" r:id="rId16"/>
+    <p:sldId id="263" r:id="rId17"/>
+    <p:sldId id="273" r:id="rId18"/>
+    <p:sldId id="289" r:id="rId19"/>
+    <p:sldId id="274" r:id="rId20"/>
+    <p:sldId id="277" r:id="rId21"/>
+    <p:sldId id="278" r:id="rId22"/>
+    <p:sldId id="276" r:id="rId23"/>
+    <p:sldId id="270" r:id="rId24"/>
+    <p:sldId id="283" r:id="rId25"/>
   </p:sldIdLst>
   <p:sldSz cx="12192000" cy="6858000"/>
   <p:notesSz cx="6858000" cy="9144000"/>
@@ -1829,34 +1831,22 @@
         <a:p>
           <a:pPr rtl="0"/>
           <a:r>
+            <a:rPr lang="pl-PL" dirty="0">
+              <a:latin typeface="Century Gothic" panose="020B0502020202020204"/>
+            </a:rPr>
+            <a:t>Travelling </a:t>
+          </a:r>
+          <a:r>
             <a:rPr lang="pl-PL" dirty="0" err="1">
               <a:latin typeface="Century Gothic" panose="020B0502020202020204"/>
             </a:rPr>
-            <a:t>Our</a:t>
+            <a:t>thief</a:t>
           </a:r>
           <a:r>
-            <a:rPr lang="pl-PL" b="0" i="0" u="none" strike="noStrike" cap="none" baseline="0" noProof="0" dirty="0">
-              <a:latin typeface="Century Gothic"/>
+            <a:rPr lang="pl-PL">
+              <a:latin typeface="Century Gothic" panose="020B0502020202020204"/>
             </a:rPr>
-            <a:t> </a:t>
-          </a:r>
-          <a:r>
-            <a:rPr lang="pl-PL" b="0" i="0" u="none" strike="noStrike" cap="none" baseline="0" noProof="0" dirty="0" err="1">
-              <a:latin typeface="Century Gothic"/>
-            </a:rPr>
-            <a:t>goals</a:t>
-          </a:r>
-          <a:r>
-            <a:rPr lang="pl-PL" b="0" i="0" u="none" strike="noStrike" cap="none" baseline="0" noProof="0" dirty="0">
-              <a:latin typeface="Century Gothic"/>
-            </a:rPr>
-            <a:t> and </a:t>
-          </a:r>
-          <a:r>
-            <a:rPr lang="pl-PL" b="0" i="0" u="none" strike="noStrike" cap="none" baseline="0" noProof="0" dirty="0" err="1">
-              <a:latin typeface="Century Gothic"/>
-            </a:rPr>
-            <a:t>motivations</a:t>
+            <a:t> problem</a:t>
           </a:r>
           <a:endParaRPr lang="pl-PL" dirty="0"/>
         </a:p>
@@ -2042,6 +2032,70 @@
         </a:p>
       </dgm:t>
     </dgm:pt>
+    <dgm:pt modelId="{4F3C490C-9EA8-4FA0-9EDE-71189DA832B9}">
+      <dgm:prSet phldr="0"/>
+      <dgm:spPr/>
+      <dgm:t>
+        <a:bodyPr/>
+        <a:lstStyle/>
+        <a:p>
+          <a:pPr rtl="0"/>
+          <a:r>
+            <a:rPr lang="pl-PL" dirty="0" err="1">
+              <a:latin typeface="Century Gothic" panose="020B0502020202020204"/>
+            </a:rPr>
+            <a:t>Our</a:t>
+          </a:r>
+          <a:r>
+            <a:rPr lang="pl-PL" b="0" i="0" u="none" strike="noStrike" cap="none" baseline="0" noProof="0" dirty="0">
+              <a:latin typeface="Century Gothic"/>
+            </a:rPr>
+            <a:t> </a:t>
+          </a:r>
+          <a:r>
+            <a:rPr lang="pl-PL" b="0" i="0" u="none" strike="noStrike" cap="none" baseline="0" noProof="0" dirty="0" err="1">
+              <a:latin typeface="Century Gothic"/>
+            </a:rPr>
+            <a:t>goals</a:t>
+          </a:r>
+          <a:r>
+            <a:rPr lang="pl-PL" b="0" i="0" u="none" strike="noStrike" cap="none" baseline="0" noProof="0" dirty="0">
+              <a:latin typeface="Century Gothic"/>
+            </a:rPr>
+            <a:t> and </a:t>
+          </a:r>
+          <a:r>
+            <a:rPr lang="pl-PL" b="0" i="0" u="none" strike="noStrike" cap="none" baseline="0" noProof="0" dirty="0" err="1">
+              <a:latin typeface="Century Gothic"/>
+            </a:rPr>
+            <a:t>motivations</a:t>
+          </a:r>
+          <a:endParaRPr lang="pl-PL" dirty="0"/>
+        </a:p>
+      </dgm:t>
+    </dgm:pt>
+    <dgm:pt modelId="{1C0851D8-7716-4B42-B00E-F9DBB1CEB785}" type="parTrans" cxnId="{409D075F-96B5-4B0A-BA99-5F927AD7BEEE}">
+      <dgm:prSet/>
+      <dgm:spPr/>
+      <dgm:t>
+        <a:bodyPr/>
+        <a:lstStyle/>
+        <a:p>
+          <a:endParaRPr lang="pl-PL"/>
+        </a:p>
+      </dgm:t>
+    </dgm:pt>
+    <dgm:pt modelId="{E101B4EF-3467-4269-B003-ECACA306D8EF}" type="sibTrans" cxnId="{409D075F-96B5-4B0A-BA99-5F927AD7BEEE}">
+      <dgm:prSet/>
+      <dgm:spPr/>
+      <dgm:t>
+        <a:bodyPr/>
+        <a:lstStyle/>
+        <a:p>
+          <a:endParaRPr lang="pl-PL"/>
+        </a:p>
+      </dgm:t>
+    </dgm:pt>
     <dgm:pt modelId="{56C346F9-CEA8-497D-AB87-A453190E7A9E}" type="pres">
       <dgm:prSet presAssocID="{45FFF393-9250-4B0C-B90A-8D937BAA7923}" presName="linear" presStyleCnt="0">
         <dgm:presLayoutVars>
@@ -2052,7 +2106,7 @@
       <dgm:spPr/>
     </dgm:pt>
     <dgm:pt modelId="{30191787-5029-47B2-8E8C-31576577E0F9}" type="pres">
-      <dgm:prSet presAssocID="{7D2A280A-E918-4A9F-860C-59E3963E8EE7}" presName="parentText" presStyleLbl="node1" presStyleIdx="0" presStyleCnt="4">
+      <dgm:prSet presAssocID="{7D2A280A-E918-4A9F-860C-59E3963E8EE7}" presName="parentText" presStyleLbl="node1" presStyleIdx="0" presStyleCnt="5">
         <dgm:presLayoutVars>
           <dgm:chMax val="0"/>
           <dgm:bulletEnabled val="1"/>
@@ -2064,8 +2118,21 @@
       <dgm:prSet presAssocID="{2820F8BA-A320-455F-B3FF-98512F2AA4EF}" presName="spacer" presStyleCnt="0"/>
       <dgm:spPr/>
     </dgm:pt>
+    <dgm:pt modelId="{1BF50D45-7ED4-4260-8500-AF94677C27EA}" type="pres">
+      <dgm:prSet presAssocID="{4F3C490C-9EA8-4FA0-9EDE-71189DA832B9}" presName="parentText" presStyleLbl="node1" presStyleIdx="1" presStyleCnt="5">
+        <dgm:presLayoutVars>
+          <dgm:chMax val="0"/>
+          <dgm:bulletEnabled val="1"/>
+        </dgm:presLayoutVars>
+      </dgm:prSet>
+      <dgm:spPr/>
+    </dgm:pt>
+    <dgm:pt modelId="{F35EFE88-79DE-469C-82FA-5E2667D35BB9}" type="pres">
+      <dgm:prSet presAssocID="{E101B4EF-3467-4269-B003-ECACA306D8EF}" presName="spacer" presStyleCnt="0"/>
+      <dgm:spPr/>
+    </dgm:pt>
     <dgm:pt modelId="{20A9EAA1-7525-4E39-95A6-793F9FE320B5}" type="pres">
-      <dgm:prSet presAssocID="{3E02DDF3-39B5-47F8-BD74-67191E614CEE}" presName="parentText" presStyleLbl="node1" presStyleIdx="1" presStyleCnt="4">
+      <dgm:prSet presAssocID="{3E02DDF3-39B5-47F8-BD74-67191E614CEE}" presName="parentText" presStyleLbl="node1" presStyleIdx="2" presStyleCnt="5">
         <dgm:presLayoutVars>
           <dgm:chMax val="0"/>
           <dgm:bulletEnabled val="1"/>
@@ -2078,7 +2145,7 @@
       <dgm:spPr/>
     </dgm:pt>
     <dgm:pt modelId="{0C699406-0CDB-4E6E-BC4E-BF0CADD7B4AB}" type="pres">
-      <dgm:prSet presAssocID="{83DDBF78-B163-4298-BA61-018C621A0B84}" presName="parentText" presStyleLbl="node1" presStyleIdx="2" presStyleCnt="4">
+      <dgm:prSet presAssocID="{83DDBF78-B163-4298-BA61-018C621A0B84}" presName="parentText" presStyleLbl="node1" presStyleIdx="3" presStyleCnt="5">
         <dgm:presLayoutVars>
           <dgm:chMax val="0"/>
           <dgm:bulletEnabled val="1"/>
@@ -2091,7 +2158,7 @@
       <dgm:spPr/>
     </dgm:pt>
     <dgm:pt modelId="{C739A77E-6567-4F79-A208-0037C6B24BB1}" type="pres">
-      <dgm:prSet presAssocID="{B903C7F3-ECF0-4EED-9C4D-4E11B632B6E0}" presName="parentText" presStyleLbl="node1" presStyleIdx="3" presStyleCnt="4">
+      <dgm:prSet presAssocID="{B903C7F3-ECF0-4EED-9C4D-4E11B632B6E0}" presName="parentText" presStyleLbl="node1" presStyleIdx="4" presStyleCnt="5">
         <dgm:presLayoutVars>
           <dgm:chMax val="0"/>
           <dgm:bulletEnabled val="1"/>
@@ -2103,20 +2170,24 @@
   <dgm:cxnLst>
     <dgm:cxn modelId="{5F0A9D0D-5E86-4500-B56B-473F547E36D4}" type="presOf" srcId="{B903C7F3-ECF0-4EED-9C4D-4E11B632B6E0}" destId="{C739A77E-6567-4F79-A208-0037C6B24BB1}" srcOrd="0" destOrd="0" presId="urn:microsoft.com/office/officeart/2005/8/layout/vList2"/>
     <dgm:cxn modelId="{D470D83D-37B7-4465-A08C-D9AEB683A551}" type="presOf" srcId="{45FFF393-9250-4B0C-B90A-8D937BAA7923}" destId="{56C346F9-CEA8-497D-AB87-A453190E7A9E}" srcOrd="0" destOrd="0" presId="urn:microsoft.com/office/officeart/2005/8/layout/vList2"/>
+    <dgm:cxn modelId="{409D075F-96B5-4B0A-BA99-5F927AD7BEEE}" srcId="{45FFF393-9250-4B0C-B90A-8D937BAA7923}" destId="{4F3C490C-9EA8-4FA0-9EDE-71189DA832B9}" srcOrd="1" destOrd="0" parTransId="{1C0851D8-7716-4B42-B00E-F9DBB1CEB785}" sibTransId="{E101B4EF-3467-4269-B003-ECACA306D8EF}"/>
     <dgm:cxn modelId="{17EBE54C-CA49-4339-9700-68DEC5157DD6}" type="presOf" srcId="{3E02DDF3-39B5-47F8-BD74-67191E614CEE}" destId="{20A9EAA1-7525-4E39-95A6-793F9FE320B5}" srcOrd="0" destOrd="0" presId="urn:microsoft.com/office/officeart/2005/8/layout/vList2"/>
-    <dgm:cxn modelId="{0F92A94D-9C30-4BB4-ACE4-05ED96F0505B}" srcId="{45FFF393-9250-4B0C-B90A-8D937BAA7923}" destId="{83DDBF78-B163-4298-BA61-018C621A0B84}" srcOrd="2" destOrd="0" parTransId="{B34ABFC4-90C3-402B-92DA-F770CD970895}" sibTransId="{07CE55D5-8358-4A67-98D6-B8415BB4A829}"/>
+    <dgm:cxn modelId="{0F92A94D-9C30-4BB4-ACE4-05ED96F0505B}" srcId="{45FFF393-9250-4B0C-B90A-8D937BAA7923}" destId="{83DDBF78-B163-4298-BA61-018C621A0B84}" srcOrd="3" destOrd="0" parTransId="{B34ABFC4-90C3-402B-92DA-F770CD970895}" sibTransId="{07CE55D5-8358-4A67-98D6-B8415BB4A829}"/>
     <dgm:cxn modelId="{F5907C54-FB46-4F9C-B91F-756C9AF0D1DB}" type="presOf" srcId="{83DDBF78-B163-4298-BA61-018C621A0B84}" destId="{0C699406-0CDB-4E6E-BC4E-BF0CADD7B4AB}" srcOrd="0" destOrd="0" presId="urn:microsoft.com/office/officeart/2005/8/layout/vList2"/>
     <dgm:cxn modelId="{269565B3-2AAC-4AF4-9F74-2636C5CF67D1}" srcId="{45FFF393-9250-4B0C-B90A-8D937BAA7923}" destId="{7D2A280A-E918-4A9F-860C-59E3963E8EE7}" srcOrd="0" destOrd="0" parTransId="{36929D4B-21B2-4532-B628-65B66688C38C}" sibTransId="{2820F8BA-A320-455F-B3FF-98512F2AA4EF}"/>
-    <dgm:cxn modelId="{5EBAB1D7-7553-49CE-9AAF-DB6F7A120A24}" srcId="{45FFF393-9250-4B0C-B90A-8D937BAA7923}" destId="{3E02DDF3-39B5-47F8-BD74-67191E614CEE}" srcOrd="1" destOrd="0" parTransId="{BA785980-DFF5-49BE-BF58-9A0902899EDE}" sibTransId="{08B84203-A11E-406E-BC6D-81C95AA43A58}"/>
-    <dgm:cxn modelId="{27E989E0-9E99-46B5-BBFB-672D0F453A89}" srcId="{45FFF393-9250-4B0C-B90A-8D937BAA7923}" destId="{B903C7F3-ECF0-4EED-9C4D-4E11B632B6E0}" srcOrd="3" destOrd="0" parTransId="{D0F28E74-232B-4033-A747-CF15106AD38E}" sibTransId="{15834C56-441E-46FD-BB4F-B239F39DB2F7}"/>
+    <dgm:cxn modelId="{5EBAB1D7-7553-49CE-9AAF-DB6F7A120A24}" srcId="{45FFF393-9250-4B0C-B90A-8D937BAA7923}" destId="{3E02DDF3-39B5-47F8-BD74-67191E614CEE}" srcOrd="2" destOrd="0" parTransId="{BA785980-DFF5-49BE-BF58-9A0902899EDE}" sibTransId="{08B84203-A11E-406E-BC6D-81C95AA43A58}"/>
+    <dgm:cxn modelId="{F7D4E3DB-16E4-4B58-A0A8-1088E276296A}" type="presOf" srcId="{4F3C490C-9EA8-4FA0-9EDE-71189DA832B9}" destId="{1BF50D45-7ED4-4260-8500-AF94677C27EA}" srcOrd="0" destOrd="0" presId="urn:microsoft.com/office/officeart/2005/8/layout/vList2"/>
+    <dgm:cxn modelId="{27E989E0-9E99-46B5-BBFB-672D0F453A89}" srcId="{45FFF393-9250-4B0C-B90A-8D937BAA7923}" destId="{B903C7F3-ECF0-4EED-9C4D-4E11B632B6E0}" srcOrd="4" destOrd="0" parTransId="{D0F28E74-232B-4033-A747-CF15106AD38E}" sibTransId="{15834C56-441E-46FD-BB4F-B239F39DB2F7}"/>
     <dgm:cxn modelId="{6C975FFD-6904-4E42-A463-15EC4643FC78}" type="presOf" srcId="{7D2A280A-E918-4A9F-860C-59E3963E8EE7}" destId="{30191787-5029-47B2-8E8C-31576577E0F9}" srcOrd="0" destOrd="0" presId="urn:microsoft.com/office/officeart/2005/8/layout/vList2"/>
     <dgm:cxn modelId="{FC4C6688-7772-4379-983C-2E15A7E5F67E}" type="presParOf" srcId="{56C346F9-CEA8-497D-AB87-A453190E7A9E}" destId="{30191787-5029-47B2-8E8C-31576577E0F9}" srcOrd="0" destOrd="0" presId="urn:microsoft.com/office/officeart/2005/8/layout/vList2"/>
     <dgm:cxn modelId="{1BE2F8B5-B9D6-4CD2-8DE6-518E9F03E045}" type="presParOf" srcId="{56C346F9-CEA8-497D-AB87-A453190E7A9E}" destId="{2AFA1FC1-A677-4508-B4CE-603ACD711706}" srcOrd="1" destOrd="0" presId="urn:microsoft.com/office/officeart/2005/8/layout/vList2"/>
-    <dgm:cxn modelId="{C15DD376-E187-4D6B-B226-3705ED55F0A3}" type="presParOf" srcId="{56C346F9-CEA8-497D-AB87-A453190E7A9E}" destId="{20A9EAA1-7525-4E39-95A6-793F9FE320B5}" srcOrd="2" destOrd="0" presId="urn:microsoft.com/office/officeart/2005/8/layout/vList2"/>
-    <dgm:cxn modelId="{34E249FD-5E8C-4A26-A2E9-E219D171F8AC}" type="presParOf" srcId="{56C346F9-CEA8-497D-AB87-A453190E7A9E}" destId="{6DDEA58B-991D-4584-AF26-F092E3365374}" srcOrd="3" destOrd="0" presId="urn:microsoft.com/office/officeart/2005/8/layout/vList2"/>
-    <dgm:cxn modelId="{3634D20F-204A-4411-8FDF-C2CF2CCAB12E}" type="presParOf" srcId="{56C346F9-CEA8-497D-AB87-A453190E7A9E}" destId="{0C699406-0CDB-4E6E-BC4E-BF0CADD7B4AB}" srcOrd="4" destOrd="0" presId="urn:microsoft.com/office/officeart/2005/8/layout/vList2"/>
-    <dgm:cxn modelId="{F5D51D2E-4733-4431-9428-EEBAD33665C2}" type="presParOf" srcId="{56C346F9-CEA8-497D-AB87-A453190E7A9E}" destId="{8A09A925-77DF-4568-968A-BDE4045A8C8D}" srcOrd="5" destOrd="0" presId="urn:microsoft.com/office/officeart/2005/8/layout/vList2"/>
-    <dgm:cxn modelId="{054F1B17-B6B0-4F30-8F63-259CA337E437}" type="presParOf" srcId="{56C346F9-CEA8-497D-AB87-A453190E7A9E}" destId="{C739A77E-6567-4F79-A208-0037C6B24BB1}" srcOrd="6" destOrd="0" presId="urn:microsoft.com/office/officeart/2005/8/layout/vList2"/>
+    <dgm:cxn modelId="{4C41C84E-5DAD-458D-A6DF-46EAA7243BF6}" type="presParOf" srcId="{56C346F9-CEA8-497D-AB87-A453190E7A9E}" destId="{1BF50D45-7ED4-4260-8500-AF94677C27EA}" srcOrd="2" destOrd="0" presId="urn:microsoft.com/office/officeart/2005/8/layout/vList2"/>
+    <dgm:cxn modelId="{C0D8AFB7-FCE2-42BB-A387-BC0D107AC9AE}" type="presParOf" srcId="{56C346F9-CEA8-497D-AB87-A453190E7A9E}" destId="{F35EFE88-79DE-469C-82FA-5E2667D35BB9}" srcOrd="3" destOrd="0" presId="urn:microsoft.com/office/officeart/2005/8/layout/vList2"/>
+    <dgm:cxn modelId="{C15DD376-E187-4D6B-B226-3705ED55F0A3}" type="presParOf" srcId="{56C346F9-CEA8-497D-AB87-A453190E7A9E}" destId="{20A9EAA1-7525-4E39-95A6-793F9FE320B5}" srcOrd="4" destOrd="0" presId="urn:microsoft.com/office/officeart/2005/8/layout/vList2"/>
+    <dgm:cxn modelId="{34E249FD-5E8C-4A26-A2E9-E219D171F8AC}" type="presParOf" srcId="{56C346F9-CEA8-497D-AB87-A453190E7A9E}" destId="{6DDEA58B-991D-4584-AF26-F092E3365374}" srcOrd="5" destOrd="0" presId="urn:microsoft.com/office/officeart/2005/8/layout/vList2"/>
+    <dgm:cxn modelId="{3634D20F-204A-4411-8FDF-C2CF2CCAB12E}" type="presParOf" srcId="{56C346F9-CEA8-497D-AB87-A453190E7A9E}" destId="{0C699406-0CDB-4E6E-BC4E-BF0CADD7B4AB}" srcOrd="6" destOrd="0" presId="urn:microsoft.com/office/officeart/2005/8/layout/vList2"/>
+    <dgm:cxn modelId="{F5D51D2E-4733-4431-9428-EEBAD33665C2}" type="presParOf" srcId="{56C346F9-CEA8-497D-AB87-A453190E7A9E}" destId="{8A09A925-77DF-4568-968A-BDE4045A8C8D}" srcOrd="7" destOrd="0" presId="urn:microsoft.com/office/officeart/2005/8/layout/vList2"/>
+    <dgm:cxn modelId="{054F1B17-B6B0-4F30-8F63-259CA337E437}" type="presParOf" srcId="{56C346F9-CEA8-497D-AB87-A453190E7A9E}" destId="{C739A77E-6567-4F79-A208-0037C6B24BB1}" srcOrd="8" destOrd="0" presId="urn:microsoft.com/office/officeart/2005/8/layout/vList2"/>
   </dgm:cxnLst>
   <dgm:bg/>
   <dgm:whole/>
@@ -2439,7 +2510,7 @@
       </dsp:nvSpPr>
       <dsp:spPr>
         <a:xfrm>
-          <a:off x="0" y="560429"/>
+          <a:off x="0" y="117157"/>
           <a:ext cx="6496050" cy="791505"/>
         </a:xfrm>
         <a:prstGeom prst="roundRect">
@@ -2459,6 +2530,113 @@
             </a:gs>
             <a:gs pos="100000">
               <a:schemeClr val="accent2">
+                <a:hueOff val="0"/>
+                <a:satOff val="0"/>
+                <a:lumOff val="0"/>
+                <a:alphaOff val="0"/>
+                <a:shade val="90000"/>
+                <a:lumMod val="84000"/>
+              </a:schemeClr>
+            </a:gs>
+          </a:gsLst>
+          <a:lin ang="5400000" scaled="0"/>
+        </a:gradFill>
+        <a:ln>
+          <a:noFill/>
+        </a:ln>
+        <a:effectLst>
+          <a:outerShdw blurRad="38100" dist="25400" dir="5400000" rotWithShape="0">
+            <a:srgbClr val="000000">
+              <a:alpha val="45000"/>
+            </a:srgbClr>
+          </a:outerShdw>
+        </a:effectLst>
+      </dsp:spPr>
+      <dsp:style>
+        <a:lnRef idx="0">
+          <a:scrgbClr r="0" g="0" b="0"/>
+        </a:lnRef>
+        <a:fillRef idx="3">
+          <a:scrgbClr r="0" g="0" b="0"/>
+        </a:fillRef>
+        <a:effectRef idx="2">
+          <a:scrgbClr r="0" g="0" b="0"/>
+        </a:effectRef>
+        <a:fontRef idx="minor">
+          <a:schemeClr val="lt1"/>
+        </a:fontRef>
+      </dsp:style>
+      <dsp:txBody>
+        <a:bodyPr spcFirstLastPara="0" vert="horz" wrap="square" lIns="125730" tIns="125730" rIns="125730" bIns="125730" numCol="1" spcCol="1270" anchor="ctr" anchorCtr="0">
+          <a:noAutofit/>
+        </a:bodyPr>
+        <a:lstStyle/>
+        <a:p>
+          <a:pPr marL="0" lvl="0" indent="0" algn="l" defTabSz="1466850" rtl="0">
+            <a:lnSpc>
+              <a:spcPct val="90000"/>
+            </a:lnSpc>
+            <a:spcBef>
+              <a:spcPct val="0"/>
+            </a:spcBef>
+            <a:spcAft>
+              <a:spcPct val="35000"/>
+            </a:spcAft>
+            <a:buNone/>
+          </a:pPr>
+          <a:r>
+            <a:rPr lang="pl-PL" sz="3300" kern="1200" dirty="0">
+              <a:latin typeface="Century Gothic" panose="020B0502020202020204"/>
+            </a:rPr>
+            <a:t>Travelling </a:t>
+          </a:r>
+          <a:r>
+            <a:rPr lang="pl-PL" sz="3300" kern="1200" dirty="0" err="1">
+              <a:latin typeface="Century Gothic" panose="020B0502020202020204"/>
+            </a:rPr>
+            <a:t>thief</a:t>
+          </a:r>
+          <a:r>
+            <a:rPr lang="pl-PL" sz="3300" kern="1200">
+              <a:latin typeface="Century Gothic" panose="020B0502020202020204"/>
+            </a:rPr>
+            <a:t> problem</a:t>
+          </a:r>
+          <a:endParaRPr lang="pl-PL" sz="3300" kern="1200" dirty="0"/>
+        </a:p>
+      </dsp:txBody>
+      <dsp:txXfrm>
+        <a:off x="38638" y="155795"/>
+        <a:ext cx="6418774" cy="714229"/>
+      </dsp:txXfrm>
+    </dsp:sp>
+    <dsp:sp modelId="{1BF50D45-7ED4-4260-8500-AF94677C27EA}">
+      <dsp:nvSpPr>
+        <dsp:cNvPr id="0" name=""/>
+        <dsp:cNvSpPr/>
+      </dsp:nvSpPr>
+      <dsp:spPr>
+        <a:xfrm>
+          <a:off x="0" y="1003702"/>
+          <a:ext cx="6496050" cy="791505"/>
+        </a:xfrm>
+        <a:prstGeom prst="roundRect">
+          <a:avLst/>
+        </a:prstGeom>
+        <a:gradFill rotWithShape="0">
+          <a:gsLst>
+            <a:gs pos="0">
+              <a:schemeClr val="accent3">
+                <a:hueOff val="0"/>
+                <a:satOff val="0"/>
+                <a:lumOff val="0"/>
+                <a:alphaOff val="0"/>
+                <a:tint val="98000"/>
+                <a:lumMod val="114000"/>
+              </a:schemeClr>
+            </a:gs>
+            <a:gs pos="100000">
+              <a:schemeClr val="accent3">
                 <a:hueOff val="0"/>
                 <a:satOff val="0"/>
                 <a:lumOff val="0"/>
@@ -2547,7 +2725,7 @@
         </a:p>
       </dsp:txBody>
       <dsp:txXfrm>
-        <a:off x="38638" y="599067"/>
+        <a:off x="38638" y="1042340"/>
         <a:ext cx="6418774" cy="714229"/>
       </dsp:txXfrm>
     </dsp:sp>
@@ -2558,7 +2736,7 @@
       </dsp:nvSpPr>
       <dsp:spPr>
         <a:xfrm>
-          <a:off x="0" y="1446974"/>
+          <a:off x="0" y="1890247"/>
           <a:ext cx="6496050" cy="791505"/>
         </a:xfrm>
         <a:prstGeom prst="roundRect">
@@ -2567,7 +2745,7 @@
         <a:gradFill rotWithShape="0">
           <a:gsLst>
             <a:gs pos="0">
-              <a:schemeClr val="accent3">
+              <a:schemeClr val="accent4">
                 <a:hueOff val="0"/>
                 <a:satOff val="0"/>
                 <a:lumOff val="0"/>
@@ -2577,7 +2755,7 @@
               </a:schemeClr>
             </a:gs>
             <a:gs pos="100000">
-              <a:schemeClr val="accent3">
+              <a:schemeClr val="accent4">
                 <a:hueOff val="0"/>
                 <a:satOff val="0"/>
                 <a:lumOff val="0"/>
@@ -2666,7 +2844,7 @@
         </a:p>
       </dsp:txBody>
       <dsp:txXfrm>
-        <a:off x="38638" y="1485612"/>
+        <a:off x="38638" y="1928885"/>
         <a:ext cx="6418774" cy="714229"/>
       </dsp:txXfrm>
     </dsp:sp>
@@ -2677,7 +2855,7 @@
       </dsp:nvSpPr>
       <dsp:spPr>
         <a:xfrm>
-          <a:off x="0" y="2333519"/>
+          <a:off x="0" y="2776792"/>
           <a:ext cx="6496050" cy="791505"/>
         </a:xfrm>
         <a:prstGeom prst="roundRect">
@@ -2686,7 +2864,7 @@
         <a:gradFill rotWithShape="0">
           <a:gsLst>
             <a:gs pos="0">
-              <a:schemeClr val="accent4">
+              <a:schemeClr val="accent5">
                 <a:hueOff val="0"/>
                 <a:satOff val="0"/>
                 <a:lumOff val="0"/>
@@ -2696,7 +2874,7 @@
               </a:schemeClr>
             </a:gs>
             <a:gs pos="100000">
-              <a:schemeClr val="accent4">
+              <a:schemeClr val="accent5">
                 <a:hueOff val="0"/>
                 <a:satOff val="0"/>
                 <a:lumOff val="0"/>
@@ -2773,7 +2951,7 @@
         </a:p>
       </dsp:txBody>
       <dsp:txXfrm>
-        <a:off x="38638" y="2372157"/>
+        <a:off x="38638" y="2815430"/>
         <a:ext cx="6418774" cy="714229"/>
       </dsp:txXfrm>
     </dsp:sp>
@@ -2784,7 +2962,7 @@
       </dsp:nvSpPr>
       <dsp:spPr>
         <a:xfrm>
-          <a:off x="0" y="3220065"/>
+          <a:off x="0" y="3663337"/>
           <a:ext cx="6496050" cy="791505"/>
         </a:xfrm>
         <a:prstGeom prst="roundRect">
@@ -2793,7 +2971,7 @@
         <a:gradFill rotWithShape="0">
           <a:gsLst>
             <a:gs pos="0">
-              <a:schemeClr val="accent5">
+              <a:schemeClr val="accent6">
                 <a:hueOff val="0"/>
                 <a:satOff val="0"/>
                 <a:lumOff val="0"/>
@@ -2803,7 +2981,7 @@
               </a:schemeClr>
             </a:gs>
             <a:gs pos="100000">
-              <a:schemeClr val="accent5">
+              <a:schemeClr val="accent6">
                 <a:hueOff val="0"/>
                 <a:satOff val="0"/>
                 <a:lumOff val="0"/>
@@ -2870,7 +3048,7 @@
         </a:p>
       </dsp:txBody>
       <dsp:txXfrm>
-        <a:off x="38638" y="3258703"/>
+        <a:off x="38638" y="3701975"/>
         <a:ext cx="6418774" cy="714229"/>
       </dsp:txXfrm>
     </dsp:sp>
@@ -6007,7 +6185,7 @@
           <a:p>
             <a:fld id="{C3FE8573-CC5D-4F9E-86D8-CD3FEE7AF929}" type="datetimeFigureOut">
               <a:rPr lang="en-GB" smtClean="0"/>
-              <a:t>29/11/2019</a:t>
+              <a:t>03/12/2019</a:t>
             </a:fld>
             <a:endParaRPr lang="en-GB"/>
           </a:p>
@@ -6273,6 +6451,122 @@
     </a:lvl9pPr>
   </p:notesStyle>
 </p:notesMaster>
+</file>
+
+<file path=ppt/notesSlides/notesSlide1.xml><?xml version="1.0" encoding="utf-8"?>
+<p:notes xmlns:a="http://schemas.openxmlformats.org/drawingml/2006/main" xmlns:r="http://schemas.openxmlformats.org/officeDocument/2006/relationships" xmlns:p="http://schemas.openxmlformats.org/presentationml/2006/main">
+  <p:cSld>
+    <p:spTree>
+      <p:nvGrpSpPr>
+        <p:cNvPr id="1" name=""/>
+        <p:cNvGrpSpPr/>
+        <p:nvPr/>
+      </p:nvGrpSpPr>
+      <p:grpSpPr>
+        <a:xfrm>
+          <a:off x="0" y="0"/>
+          <a:ext cx="0" cy="0"/>
+          <a:chOff x="0" y="0"/>
+          <a:chExt cx="0" cy="0"/>
+        </a:xfrm>
+      </p:grpSpPr>
+      <p:sp>
+        <p:nvSpPr>
+          <p:cNvPr id="2" name="Symbol zastępczy obrazu slajdu 1"/>
+          <p:cNvSpPr>
+            <a:spLocks noGrp="1" noRot="1" noChangeAspect="1"/>
+          </p:cNvSpPr>
+          <p:nvPr>
+            <p:ph type="sldImg"/>
+          </p:nvPr>
+        </p:nvSpPr>
+        <p:spPr/>
+      </p:sp>
+      <p:sp>
+        <p:nvSpPr>
+          <p:cNvPr id="3" name="Symbol zastępczy notatek 2"/>
+          <p:cNvSpPr>
+            <a:spLocks noGrp="1"/>
+          </p:cNvSpPr>
+          <p:nvPr>
+            <p:ph type="body" idx="1"/>
+          </p:nvPr>
+        </p:nvSpPr>
+        <p:spPr/>
+        <p:txBody>
+          <a:bodyPr/>
+          <a:lstStyle/>
+          <a:p>
+            <a:pPr marL="0" marR="0" lvl="0" indent="0" algn="l" defTabSz="914400" rtl="0" eaLnBrk="1" fontAlgn="auto" latinLnBrk="0" hangingPunct="1">
+              <a:lnSpc>
+                <a:spcPct val="100000"/>
+              </a:lnSpc>
+              <a:spcBef>
+                <a:spcPts val="0"/>
+              </a:spcBef>
+              <a:spcAft>
+                <a:spcPts val="0"/>
+              </a:spcAft>
+              <a:buClrTx/>
+              <a:buSzTx/>
+              <a:buFontTx/>
+              <a:buNone/>
+              <a:tabLst/>
+              <a:defRPr/>
+            </a:pPr>
+            <a:r>
+              <a:rPr lang="en-US" dirty="0"/>
+              <a:t>There are n cities, and the distance matrix D</a:t>
+            </a:r>
+            <a:r>
+              <a:rPr lang="pl-PL" dirty="0"/>
+              <a:t> i</a:t>
+            </a:r>
+            <a:r>
+              <a:rPr lang="en-US" dirty="0"/>
+              <a:t>s given. Also, there are m items each of them having a value pk and weight wk. There is a thief who is going to visit these cities exactly once and pick some items from the cities and fill his knapsack. The maximum weight for the knapsack is W. The aim is to find a tour that visits all of the cities exactly once and gets back to the starting city, optimizing objective function(s) while the total weight of the knapsack is not violated. Note that the objective function(s) might be related to the time of the travel and/or the total value the thief gains from picking the items. In the rest of this paper, it is assumed that the thief starts from the first city. Also, the thief can pick the items from the first city only at the beginning. </a:t>
+            </a:r>
+            <a:endParaRPr lang="pl-PL" dirty="0"/>
+          </a:p>
+          <a:p>
+            <a:endParaRPr lang="pl-PL" dirty="0"/>
+          </a:p>
+        </p:txBody>
+      </p:sp>
+      <p:sp>
+        <p:nvSpPr>
+          <p:cNvPr id="4" name="Symbol zastępczy numeru slajdu 3"/>
+          <p:cNvSpPr>
+            <a:spLocks noGrp="1"/>
+          </p:cNvSpPr>
+          <p:nvPr>
+            <p:ph type="sldNum" sz="quarter" idx="5"/>
+          </p:nvPr>
+        </p:nvSpPr>
+        <p:spPr/>
+        <p:txBody>
+          <a:bodyPr/>
+          <a:lstStyle/>
+          <a:p>
+            <a:fld id="{7C07CE78-5DA9-4CA9-8B72-0FAF356795B0}" type="slidenum">
+              <a:rPr lang="en-GB" smtClean="0"/>
+              <a:t>2</a:t>
+            </a:fld>
+            <a:endParaRPr lang="en-GB"/>
+          </a:p>
+        </p:txBody>
+      </p:sp>
+    </p:spTree>
+    <p:extLst>
+      <p:ext uri="{BB962C8B-B14F-4D97-AF65-F5344CB8AC3E}">
+        <p14:creationId xmlns:p14="http://schemas.microsoft.com/office/powerpoint/2010/main" val="177979621"/>
+      </p:ext>
+    </p:extLst>
+  </p:cSld>
+  <p:clrMapOvr>
+    <a:masterClrMapping/>
+  </p:clrMapOvr>
+</p:notes>
 </file>
 
 <file path=ppt/slideLayouts/slideLayout1.xml><?xml version="1.0" encoding="utf-8"?>
@@ -6457,9 +6751,9 @@
           <a:bodyPr/>
           <a:lstStyle/>
           <a:p>
-            <a:fld id="{505B1CA0-1837-4889-9F3C-35653AA78F24}" type="datetime1">
+            <a:fld id="{4FDF3A61-7E1D-49BB-ABAC-D5392D11737B}" type="datetime1">
               <a:rPr lang="en-US" smtClean="0"/>
-              <a:t>11/29/2019</a:t>
+              <a:t>12/4/2019</a:t>
             </a:fld>
             <a:endParaRPr lang="en-US"/>
           </a:p>
@@ -6727,9 +7021,9 @@
           <a:bodyPr/>
           <a:lstStyle/>
           <a:p>
-            <a:fld id="{4EB42245-A527-4680-A94D-7DF79D60D1E2}" type="datetime1">
+            <a:fld id="{A0EA18CD-2DAE-4668-AD72-A457D21BE9D3}" type="datetime1">
               <a:rPr lang="en-US" smtClean="0"/>
-              <a:t>11/29/2019</a:t>
+              <a:t>12/4/2019</a:t>
             </a:fld>
             <a:endParaRPr lang="en-US"/>
           </a:p>
@@ -6920,9 +7214,9 @@
           <a:bodyPr/>
           <a:lstStyle/>
           <a:p>
-            <a:fld id="{99C884BC-1D21-44B6-9059-FCE8758087F0}" type="datetime1">
+            <a:fld id="{E00AF659-E904-4789-94AE-60C354053DB0}" type="datetime1">
               <a:rPr lang="en-US" smtClean="0"/>
-              <a:t>11/29/2019</a:t>
+              <a:t>12/4/2019</a:t>
             </a:fld>
             <a:endParaRPr lang="en-US"/>
           </a:p>
@@ -7192,9 +7486,9 @@
           <a:bodyPr/>
           <a:lstStyle/>
           <a:p>
-            <a:fld id="{BBBB4CDD-DC99-4C4D-A669-7DDBF6AAB3A4}" type="datetime1">
+            <a:fld id="{3F54795F-4A2F-4CB3-BE27-FB812E96988C}" type="datetime1">
               <a:rPr lang="en-US" smtClean="0"/>
-              <a:t>11/29/2019</a:t>
+              <a:t>12/4/2019</a:t>
             </a:fld>
             <a:endParaRPr lang="en-US"/>
           </a:p>
@@ -7532,9 +7826,9 @@
           <a:bodyPr/>
           <a:lstStyle/>
           <a:p>
-            <a:fld id="{D7128541-6096-4994-B1C8-2344FB8140F4}" type="datetime1">
+            <a:fld id="{0459D8DB-68B8-4E5C-8247-748479BA5F0A}" type="datetime1">
               <a:rPr lang="en-US" smtClean="0"/>
-              <a:t>11/29/2019</a:t>
+              <a:t>12/4/2019</a:t>
             </a:fld>
             <a:endParaRPr lang="en-US"/>
           </a:p>
@@ -8154,9 +8448,9 @@
           <a:bodyPr/>
           <a:lstStyle/>
           <a:p>
-            <a:fld id="{BDBC0253-0ACA-4B0A-BE12-1955CE15DA5C}" type="datetime1">
+            <a:fld id="{D6FFDEA9-FFDA-49C5-A2AD-83C74468169F}" type="datetime1">
               <a:rPr lang="en-US" smtClean="0"/>
-              <a:t>11/29/2019</a:t>
+              <a:t>12/4/2019</a:t>
             </a:fld>
             <a:endParaRPr lang="en-US"/>
           </a:p>
@@ -9001,9 +9295,9 @@
           <a:bodyPr/>
           <a:lstStyle/>
           <a:p>
-            <a:fld id="{C6C30722-0B28-4B74-9998-4454A31D378B}" type="datetime1">
+            <a:fld id="{3186EAAC-A277-455C-88D0-1D0F21675548}" type="datetime1">
               <a:rPr lang="en-US" smtClean="0"/>
-              <a:t>11/29/2019</a:t>
+              <a:t>12/4/2019</a:t>
             </a:fld>
             <a:endParaRPr lang="en-US"/>
           </a:p>
@@ -9169,9 +9463,9 @@
           <a:bodyPr/>
           <a:lstStyle/>
           <a:p>
-            <a:fld id="{471DB98E-E15F-426A-BD0B-843BDAE71A99}" type="datetime1">
+            <a:fld id="{9733C130-F4E0-4D20-92B1-21AC513B31FD}" type="datetime1">
               <a:rPr lang="en-US" smtClean="0"/>
-              <a:t>11/29/2019</a:t>
+              <a:t>12/4/2019</a:t>
             </a:fld>
             <a:endParaRPr lang="en-US"/>
           </a:p>
@@ -9347,9 +9641,9 @@
           <a:bodyPr/>
           <a:lstStyle/>
           <a:p>
-            <a:fld id="{DDA9EA9C-51C8-4867-BC35-2BA1FE76CE02}" type="datetime1">
+            <a:fld id="{30689062-4E3D-4C48-AFAA-2D9CD53CF7B6}" type="datetime1">
               <a:rPr lang="en-US" smtClean="0"/>
-              <a:t>11/29/2019</a:t>
+              <a:t>12/4/2019</a:t>
             </a:fld>
             <a:endParaRPr lang="en-US"/>
           </a:p>
@@ -9515,9 +9809,9 @@
           <a:bodyPr/>
           <a:lstStyle/>
           <a:p>
-            <a:fld id="{5837E239-B74F-4389-8B67-FD249E34F3E0}" type="datetime1">
+            <a:fld id="{18245E62-D229-4672-A4AD-837E0A61680E}" type="datetime1">
               <a:rPr lang="en-US" smtClean="0"/>
-              <a:t>11/29/2019</a:t>
+              <a:t>12/4/2019</a:t>
             </a:fld>
             <a:endParaRPr lang="en-US"/>
           </a:p>
@@ -9761,9 +10055,9 @@
           <a:bodyPr/>
           <a:lstStyle/>
           <a:p>
-            <a:fld id="{28C32065-9C89-4E41-A264-8119DDCB740C}" type="datetime1">
+            <a:fld id="{44D6F4C2-7263-496A-BE0C-2761F74B36CE}" type="datetime1">
               <a:rPr lang="en-US" smtClean="0"/>
-              <a:t>11/29/2019</a:t>
+              <a:t>12/4/2019</a:t>
             </a:fld>
             <a:endParaRPr lang="en-US"/>
           </a:p>
@@ -10050,9 +10344,9 @@
           <a:bodyPr/>
           <a:lstStyle/>
           <a:p>
-            <a:fld id="{0C2E3015-E4B8-41F4-A3F6-21E259A84EC6}" type="datetime1">
+            <a:fld id="{4A25D83B-0EEE-4D4F-B8DE-D2C47B1454C5}" type="datetime1">
               <a:rPr lang="en-US" smtClean="0"/>
-              <a:t>11/29/2019</a:t>
+              <a:t>12/4/2019</a:t>
             </a:fld>
             <a:endParaRPr lang="en-US"/>
           </a:p>
@@ -10491,9 +10785,9 @@
           <a:bodyPr/>
           <a:lstStyle/>
           <a:p>
-            <a:fld id="{417B612C-17E2-4BE2-A7AE-32F77D9ECDF2}" type="datetime1">
+            <a:fld id="{3D86010E-DF64-40DC-863F-F40A2159E778}" type="datetime1">
               <a:rPr lang="en-US" smtClean="0"/>
-              <a:t>11/29/2019</a:t>
+              <a:t>12/4/2019</a:t>
             </a:fld>
             <a:endParaRPr lang="en-US"/>
           </a:p>
@@ -10608,9 +10902,9 @@
           <a:bodyPr/>
           <a:lstStyle/>
           <a:p>
-            <a:fld id="{3143749A-FA5E-4111-B585-33239D472B52}" type="datetime1">
+            <a:fld id="{FE9AE93D-76CD-4880-A380-D3FF784EB86C}" type="datetime1">
               <a:rPr lang="en-US" smtClean="0"/>
-              <a:t>11/29/2019</a:t>
+              <a:t>12/4/2019</a:t>
             </a:fld>
             <a:endParaRPr lang="en-US"/>
           </a:p>
@@ -10703,9 +10997,9 @@
           <a:bodyPr/>
           <a:lstStyle/>
           <a:p>
-            <a:fld id="{D5A7BB8D-A9E7-48A3-A9D1-2CE594D375F5}" type="datetime1">
+            <a:fld id="{EFFF6045-6727-4BC9-8782-26AD1404A41C}" type="datetime1">
               <a:rPr lang="en-US" smtClean="0"/>
-              <a:t>11/29/2019</a:t>
+              <a:t>12/4/2019</a:t>
             </a:fld>
             <a:endParaRPr lang="en-US"/>
           </a:p>
@@ -10980,9 +11274,9 @@
           <a:bodyPr/>
           <a:lstStyle/>
           <a:p>
-            <a:fld id="{E098D6DA-AC69-4D63-B8D2-DFE19A6A7798}" type="datetime1">
+            <a:fld id="{F742F165-84B2-4B4F-AACA-4F56A1CD1E75}" type="datetime1">
               <a:rPr lang="en-US" smtClean="0"/>
-              <a:t>11/29/2019</a:t>
+              <a:t>12/4/2019</a:t>
             </a:fld>
             <a:endParaRPr lang="en-US"/>
           </a:p>
@@ -11250,9 +11544,9 @@
           <a:bodyPr/>
           <a:lstStyle/>
           <a:p>
-            <a:fld id="{35B84D39-25AA-48CF-B594-FDDF69F82422}" type="datetime1">
+            <a:fld id="{433099D6-323D-45A2-88DA-08EF7C7F2344}" type="datetime1">
               <a:rPr lang="en-US" smtClean="0"/>
-              <a:t>11/29/2019</a:t>
+              <a:t>12/4/2019</a:t>
             </a:fld>
             <a:endParaRPr lang="en-US"/>
           </a:p>
@@ -11677,9 +11971,9 @@
             </a:lvl1pPr>
           </a:lstStyle>
           <a:p>
-            <a:fld id="{DCE9FA47-455E-4F36-87A2-973839168A3E}" type="datetime1">
+            <a:fld id="{C5775740-D624-480A-BA84-B09DA28B474E}" type="datetime1">
               <a:rPr lang="en-US" smtClean="0"/>
-              <a:t>11/29/2019</a:t>
+              <a:t>12/4/2019</a:t>
             </a:fld>
             <a:endParaRPr lang="en-US"/>
           </a:p>
@@ -13456,15 +13750,7 @@
             </a:r>
             <a:r>
               <a:rPr lang="pl-PL" b="1" cap="all" dirty="0"/>
-              <a:t> „</a:t>
-            </a:r>
-            <a:r>
-              <a:rPr lang="pl-PL" b="1" cap="all" dirty="0" err="1"/>
-              <a:t>Algorithms</a:t>
-            </a:r>
-            <a:r>
-              <a:rPr lang="pl-PL" b="1" cap="all" dirty="0"/>
-              <a:t>”</a:t>
+              <a:t> GOALS</a:t>
             </a:r>
             <a:endParaRPr lang="en-US" cap="all" dirty="0"/>
           </a:p>
@@ -13484,8 +13770,8 @@
               <a:buChar char=""/>
             </a:pPr>
             <a:r>
-              <a:rPr lang="en-US" cap="all" dirty="0"/>
-              <a:t>Simple Heuristic </a:t>
+              <a:rPr lang="en-US" dirty="0"/>
+              <a:t>Study TTP as a combination of TSP and KP</a:t>
             </a:r>
           </a:p>
           <a:p>
@@ -13504,8 +13790,8 @@
               <a:buChar char=""/>
             </a:pPr>
             <a:r>
-              <a:rPr lang="en-US" cap="all" dirty="0"/>
-              <a:t>Random Local Search</a:t>
+              <a:rPr lang="en-US" dirty="0"/>
+              <a:t>Compare the problem instances</a:t>
             </a:r>
           </a:p>
           <a:p>
@@ -13524,9 +13810,23 @@
               <a:buChar char=""/>
             </a:pPr>
             <a:r>
-              <a:rPr lang="en-US" cap="all" dirty="0"/>
-              <a:t>Evolutionary Algorithm</a:t>
-            </a:r>
+              <a:rPr lang="en-US" dirty="0"/>
+              <a:t>Provide algorithms that can effectively solve problems with interdependencies</a:t>
+            </a:r>
+          </a:p>
+          <a:p>
+            <a:pPr defTabSz="457200">
+              <a:spcBef>
+                <a:spcPts val="1000"/>
+              </a:spcBef>
+              <a:buClr>
+                <a:schemeClr val="bg2">
+                  <a:lumMod val="40000"/>
+                  <a:lumOff val="60000"/>
+                </a:schemeClr>
+              </a:buClr>
+              <a:buSzPct val="80000"/>
+            </a:pPr>
             <a:r>
               <a:rPr lang="pl-PL" b="1" cap="all" dirty="0">
                 <a:latin typeface="+mj-lt"/>
@@ -13540,10 +13840,10 @@
       </p:sp>
       <p:sp>
         <p:nvSpPr>
-          <p:cNvPr id="3" name="Slide Number Placeholder 2">
+          <p:cNvPr id="4" name="Symbol zastępczy numeru slajdu 3">
             <a:extLst>
               <a:ext uri="{FF2B5EF4-FFF2-40B4-BE49-F238E27FC236}">
-                <a16:creationId xmlns:a16="http://schemas.microsoft.com/office/drawing/2014/main" id="{7F22ED3D-057A-4D3D-A767-3EE493A035DF}"/>
+                <a16:creationId xmlns:a16="http://schemas.microsoft.com/office/drawing/2014/main" id="{2F98DEF7-8CC6-4250-B036-1EF23DD24B9C}"/>
               </a:ext>
             </a:extLst>
           </p:cNvPr>
@@ -13570,7 +13870,7 @@
     </p:spTree>
     <p:extLst>
       <p:ext uri="{BB962C8B-B14F-4D97-AF65-F5344CB8AC3E}">
-        <p14:creationId xmlns:p14="http://schemas.microsoft.com/office/powerpoint/2010/main" val="3315730838"/>
+        <p14:creationId xmlns:p14="http://schemas.microsoft.com/office/powerpoint/2010/main" val="1827394907"/>
       </p:ext>
     </p:extLst>
   </p:cSld>
@@ -13701,11 +14001,7 @@
             </a:r>
             <a:r>
               <a:rPr lang="pl-PL" b="1" cap="all" dirty="0"/>
-              <a:t> Experiment </a:t>
-            </a:r>
-            <a:r>
-              <a:rPr lang="pl-PL" b="1" cap="all" dirty="0" err="1"/>
-              <a:t>results</a:t>
+              <a:t> Problem</a:t>
             </a:r>
             <a:endParaRPr lang="en-US" cap="all" dirty="0"/>
           </a:p>
@@ -13725,20 +14021,8 @@
               <a:buChar char=""/>
             </a:pPr>
             <a:r>
-              <a:rPr lang="pl-PL" dirty="0"/>
-              <a:t>T</a:t>
-            </a:r>
-            <a:r>
               <a:rPr lang="en-US" dirty="0"/>
-              <a:t>he number of cities plays</a:t>
-            </a:r>
-            <a:r>
-              <a:rPr lang="pl-PL" dirty="0"/>
-              <a:t> </a:t>
-            </a:r>
-            <a:r>
-              <a:rPr lang="en-US" dirty="0"/>
-              <a:t>no role in this particular decision tree</a:t>
+              <a:t>Keep a balance between two components of the problem</a:t>
             </a:r>
             <a:endParaRPr lang="pl-PL" dirty="0"/>
           </a:p>
@@ -13758,48 +14042,16 @@
               <a:buChar char=""/>
             </a:pPr>
             <a:r>
+              <a:rPr lang="en-US" dirty="0"/>
+              <a:t>Near-optimal solution of one sub-problem must not</a:t>
+            </a:r>
+            <a:r>
               <a:rPr lang="pl-PL" dirty="0"/>
-              <a:t>E</a:t>
-            </a:r>
-            <a:r>
-              <a:rPr lang="en-US" dirty="0" err="1"/>
-              <a:t>volutionary</a:t>
+              <a:t> </a:t>
             </a:r>
             <a:r>
               <a:rPr lang="en-US" dirty="0"/>
-              <a:t> algorithm </a:t>
-            </a:r>
-            <a:r>
-              <a:rPr lang="en-US" dirty="0" err="1"/>
-              <a:t>ea</a:t>
-            </a:r>
-            <a:r>
-              <a:rPr lang="en-US" dirty="0"/>
-              <a:t> dominates small </a:t>
-            </a:r>
-            <a:r>
-              <a:rPr lang="en-US" dirty="0" err="1"/>
-              <a:t>ttp</a:t>
-            </a:r>
-            <a:r>
-              <a:rPr lang="en-US" dirty="0"/>
-              <a:t> instances with few cities and few items, as many of the leftmost leaves in the decision tree are labelled ea. It performs better than </a:t>
-            </a:r>
-            <a:r>
-              <a:rPr lang="en-US" dirty="0" err="1"/>
-              <a:t>rls</a:t>
-            </a:r>
-            <a:r>
-              <a:rPr lang="en-US" dirty="0"/>
-              <a:t> since it can escape local </a:t>
-            </a:r>
-            <a:r>
-              <a:rPr lang="en-US" dirty="0" err="1"/>
-              <a:t>opti</a:t>
-            </a:r>
-            <a:r>
-              <a:rPr lang="pl-PL" dirty="0"/>
-              <a:t>ma</a:t>
+              <a:t>dominate over the optimal solution of another sub-problem</a:t>
             </a:r>
           </a:p>
           <a:p>
@@ -13818,51 +14070,51 @@
               <a:buChar char=""/>
             </a:pPr>
             <a:r>
+              <a:rPr lang="en-US" dirty="0"/>
+              <a:t>Solving the shortest tour problem to optimality</a:t>
+            </a:r>
+            <a:r>
               <a:rPr lang="pl-PL" dirty="0"/>
-              <a:t>R</a:t>
-            </a:r>
-            <a:r>
-              <a:rPr lang="en-US" dirty="0" err="1"/>
-              <a:t>andom</a:t>
+              <a:t> </a:t>
             </a:r>
             <a:r>
               <a:rPr lang="en-US" dirty="0"/>
-              <a:t> local search </a:t>
-            </a:r>
-            <a:r>
-              <a:rPr lang="en-US" dirty="0" err="1"/>
-              <a:t>rls</a:t>
-            </a:r>
+              <a:t>must not make the knapsack packing aspect negligible</a:t>
+            </a:r>
+          </a:p>
+          <a:p>
+            <a:pPr marL="285750" indent="-285750" defTabSz="457200">
+              <a:spcBef>
+                <a:spcPts val="1000"/>
+              </a:spcBef>
+              <a:buClr>
+                <a:schemeClr val="bg2">
+                  <a:lumMod val="40000"/>
+                  <a:lumOff val="60000"/>
+                </a:schemeClr>
+              </a:buClr>
+              <a:buSzPct val="80000"/>
+              <a:buFont typeface="Wingdings 3" charset="2"/>
+              <a:buChar char=""/>
+            </a:pPr>
             <a:r>
               <a:rPr lang="en-US" dirty="0"/>
-              <a:t> performs well across mid-sized and several larger </a:t>
-            </a:r>
-            <a:r>
-              <a:rPr lang="en-US" dirty="0" err="1"/>
-              <a:t>ttp</a:t>
-            </a:r>
-            <a:r>
-              <a:rPr lang="en-US" dirty="0"/>
-              <a:t> instances. This is due to the fact that </a:t>
-            </a:r>
-            <a:r>
-              <a:rPr lang="en-US" dirty="0" err="1"/>
-              <a:t>ea</a:t>
-            </a:r>
-            <a:r>
-              <a:rPr lang="en-US" dirty="0"/>
-              <a:t> effectively wastes evaluations, as the packing status change of an item is not enforced</a:t>
-            </a:r>
-            <a:endParaRPr lang="pl-PL" dirty="0"/>
+              <a:t>The most profitable loading plan must not reduce the importance of a shorter tour</a:t>
+            </a:r>
+            <a:endParaRPr lang="pl-PL" b="1" dirty="0">
+              <a:latin typeface="+mj-lt"/>
+              <a:ea typeface="+mj-ea"/>
+              <a:cs typeface="+mj-cs"/>
+            </a:endParaRPr>
           </a:p>
         </p:txBody>
       </p:sp>
       <p:sp>
         <p:nvSpPr>
-          <p:cNvPr id="3" name="Slide Number Placeholder 2">
+          <p:cNvPr id="4" name="Symbol zastępczy numeru slajdu 3">
             <a:extLst>
               <a:ext uri="{FF2B5EF4-FFF2-40B4-BE49-F238E27FC236}">
-                <a16:creationId xmlns:a16="http://schemas.microsoft.com/office/drawing/2014/main" id="{740DCA00-1751-4144-96A6-5EC190AF6859}"/>
+                <a16:creationId xmlns:a16="http://schemas.microsoft.com/office/drawing/2014/main" id="{C03B6067-7C32-4E7A-B14B-2ECE6AF77EBA}"/>
               </a:ext>
             </a:extLst>
           </p:cNvPr>
@@ -13881,6 +14133,570 @@
             <a:fld id="{D57F1E4F-1CFF-5643-939E-02111984F565}" type="slidenum">
               <a:rPr lang="en-US" smtClean="0"/>
               <a:t>10</a:t>
+            </a:fld>
+            <a:endParaRPr lang="en-US"/>
+          </a:p>
+        </p:txBody>
+      </p:sp>
+    </p:spTree>
+    <p:extLst>
+      <p:ext uri="{BB962C8B-B14F-4D97-AF65-F5344CB8AC3E}">
+        <p14:creationId xmlns:p14="http://schemas.microsoft.com/office/powerpoint/2010/main" val="1828672262"/>
+      </p:ext>
+    </p:extLst>
+  </p:cSld>
+  <p:clrMapOvr>
+    <a:masterClrMapping/>
+  </p:clrMapOvr>
+</p:sld>
+</file>
+
+<file path=ppt/slides/slide12.xml><?xml version="1.0" encoding="utf-8"?>
+<p:sld xmlns:a="http://schemas.openxmlformats.org/drawingml/2006/main" xmlns:r="http://schemas.openxmlformats.org/officeDocument/2006/relationships" xmlns:p="http://schemas.openxmlformats.org/presentationml/2006/main">
+  <p:cSld>
+    <p:spTree>
+      <p:nvGrpSpPr>
+        <p:cNvPr id="1" name=""/>
+        <p:cNvGrpSpPr/>
+        <p:nvPr/>
+      </p:nvGrpSpPr>
+      <p:grpSpPr>
+        <a:xfrm>
+          <a:off x="0" y="0"/>
+          <a:ext cx="0" cy="0"/>
+          <a:chOff x="0" y="0"/>
+          <a:chExt cx="0" cy="0"/>
+        </a:xfrm>
+      </p:grpSpPr>
+      <p:sp>
+        <p:nvSpPr>
+          <p:cNvPr id="2" name="Tytuł 1">
+            <a:extLst>
+              <a:ext uri="{FF2B5EF4-FFF2-40B4-BE49-F238E27FC236}">
+                <a16:creationId xmlns:a16="http://schemas.microsoft.com/office/drawing/2014/main" id="{B911F9B1-74A6-4871-B319-BEBF732302BC}"/>
+              </a:ext>
+            </a:extLst>
+          </p:cNvPr>
+          <p:cNvSpPr>
+            <a:spLocks noGrp="1"/>
+          </p:cNvSpPr>
+          <p:nvPr>
+            <p:ph type="title"/>
+          </p:nvPr>
+        </p:nvSpPr>
+        <p:spPr>
+          <a:xfrm>
+            <a:off x="621068" y="981073"/>
+            <a:ext cx="3339281" cy="4670498"/>
+          </a:xfrm>
+        </p:spPr>
+        <p:txBody>
+          <a:bodyPr vert="horz" lIns="91440" tIns="45720" rIns="91440" bIns="45720" rtlCol="0" anchor="b">
+            <a:normAutofit fontScale="90000"/>
+          </a:bodyPr>
+          <a:lstStyle/>
+          <a:p>
+            <a:r>
+              <a:rPr lang="pl-PL" sz="4800" dirty="0" err="1"/>
+              <a:t>Literature</a:t>
+            </a:r>
+            <a:r>
+              <a:rPr lang="pl-PL" sz="4800" dirty="0"/>
+              <a:t> </a:t>
+            </a:r>
+            <a:r>
+              <a:rPr lang="pl-PL" sz="4800" dirty="0" err="1"/>
+              <a:t>reviews</a:t>
+            </a:r>
+            <a:br>
+              <a:rPr lang="pl-PL" sz="4800" dirty="0"/>
+            </a:br>
+            <a:br>
+              <a:rPr lang="pl-PL" sz="4800" dirty="0"/>
+            </a:br>
+            <a:br>
+              <a:rPr lang="pl-PL" sz="4800" dirty="0"/>
+            </a:br>
+            <a:br>
+              <a:rPr lang="pl-PL" sz="4800" dirty="0"/>
+            </a:br>
+            <a:br>
+              <a:rPr lang="pl-PL" sz="4800" dirty="0"/>
+            </a:br>
+            <a:endParaRPr lang="pl-PL" sz="4800" dirty="0"/>
+          </a:p>
+        </p:txBody>
+      </p:sp>
+      <p:sp>
+        <p:nvSpPr>
+          <p:cNvPr id="6" name="TextBox 3">
+            <a:extLst>
+              <a:ext uri="{FF2B5EF4-FFF2-40B4-BE49-F238E27FC236}">
+                <a16:creationId xmlns:a16="http://schemas.microsoft.com/office/drawing/2014/main" id="{CCF9CE33-D6BC-4085-9EA5-D5D1062615C3}"/>
+              </a:ext>
+            </a:extLst>
+          </p:cNvPr>
+          <p:cNvSpPr txBox="1"/>
+          <p:nvPr/>
+        </p:nvSpPr>
+        <p:spPr>
+          <a:xfrm>
+            <a:off x="4975861" y="804671"/>
+            <a:ext cx="6399930" cy="5248657"/>
+          </a:xfrm>
+          <a:prstGeom prst="rect">
+            <a:avLst/>
+          </a:prstGeom>
+        </p:spPr>
+        <p:txBody>
+          <a:bodyPr vert="horz" lIns="91440" tIns="45720" rIns="91440" bIns="45720" rtlCol="0" anchor="ctr">
+            <a:normAutofit/>
+          </a:bodyPr>
+          <a:lstStyle/>
+          <a:p>
+            <a:pPr defTabSz="457200">
+              <a:spcBef>
+                <a:spcPts val="1000"/>
+              </a:spcBef>
+              <a:buClr>
+                <a:schemeClr val="bg2">
+                  <a:lumMod val="40000"/>
+                  <a:lumOff val="60000"/>
+                </a:schemeClr>
+              </a:buClr>
+              <a:buSzPct val="80000"/>
+            </a:pPr>
+            <a:r>
+              <a:rPr lang="pl-PL" b="1" cap="all" dirty="0" err="1"/>
+              <a:t>Authors</a:t>
+            </a:r>
+            <a:r>
+              <a:rPr lang="pl-PL" b="1" cap="all" dirty="0"/>
+              <a:t> „</a:t>
+            </a:r>
+            <a:r>
+              <a:rPr lang="pl-PL" b="1" cap="all" dirty="0" err="1"/>
+              <a:t>Algorithms</a:t>
+            </a:r>
+            <a:r>
+              <a:rPr lang="pl-PL" b="1" cap="all" dirty="0"/>
+              <a:t>”</a:t>
+            </a:r>
+            <a:endParaRPr lang="en-US" cap="all" dirty="0"/>
+          </a:p>
+          <a:p>
+            <a:pPr marL="285750" indent="-285750" defTabSz="457200">
+              <a:spcBef>
+                <a:spcPts val="1000"/>
+              </a:spcBef>
+              <a:buClr>
+                <a:schemeClr val="bg2">
+                  <a:lumMod val="40000"/>
+                  <a:lumOff val="60000"/>
+                </a:schemeClr>
+              </a:buClr>
+              <a:buSzPct val="80000"/>
+              <a:buFont typeface="Wingdings 3" charset="2"/>
+              <a:buChar char=""/>
+            </a:pPr>
+            <a:r>
+              <a:rPr lang="en-US" cap="all" dirty="0"/>
+              <a:t>Simple Heuristic </a:t>
+            </a:r>
+          </a:p>
+          <a:p>
+            <a:pPr marL="285750" indent="-285750" defTabSz="457200">
+              <a:spcBef>
+                <a:spcPts val="1000"/>
+              </a:spcBef>
+              <a:buClr>
+                <a:schemeClr val="bg2">
+                  <a:lumMod val="40000"/>
+                  <a:lumOff val="60000"/>
+                </a:schemeClr>
+              </a:buClr>
+              <a:buSzPct val="80000"/>
+              <a:buFont typeface="Wingdings 3" charset="2"/>
+              <a:buChar char=""/>
+            </a:pPr>
+            <a:r>
+              <a:rPr lang="en-US" cap="all" dirty="0"/>
+              <a:t>Random Local Search</a:t>
+            </a:r>
+          </a:p>
+          <a:p>
+            <a:pPr marL="285750" indent="-285750" defTabSz="457200">
+              <a:spcBef>
+                <a:spcPts val="1000"/>
+              </a:spcBef>
+              <a:buClr>
+                <a:schemeClr val="bg2">
+                  <a:lumMod val="40000"/>
+                  <a:lumOff val="60000"/>
+                </a:schemeClr>
+              </a:buClr>
+              <a:buSzPct val="80000"/>
+              <a:buFont typeface="Wingdings 3" charset="2"/>
+              <a:buChar char=""/>
+            </a:pPr>
+            <a:r>
+              <a:rPr lang="en-US" cap="all" dirty="0"/>
+              <a:t>Evolutionary Algorithm</a:t>
+            </a:r>
+            <a:r>
+              <a:rPr lang="pl-PL" b="1" cap="all" dirty="0">
+                <a:latin typeface="+mj-lt"/>
+                <a:ea typeface="+mj-ea"/>
+                <a:cs typeface="+mj-cs"/>
+              </a:rPr>
+              <a:t> </a:t>
+            </a:r>
+          </a:p>
+        </p:txBody>
+      </p:sp>
+      <p:sp>
+        <p:nvSpPr>
+          <p:cNvPr id="4" name="Symbol zastępczy numeru slajdu 3">
+            <a:extLst>
+              <a:ext uri="{FF2B5EF4-FFF2-40B4-BE49-F238E27FC236}">
+                <a16:creationId xmlns:a16="http://schemas.microsoft.com/office/drawing/2014/main" id="{1C15FB3E-F81D-4632-B1B0-88C131396BEC}"/>
+              </a:ext>
+            </a:extLst>
+          </p:cNvPr>
+          <p:cNvSpPr>
+            <a:spLocks noGrp="1"/>
+          </p:cNvSpPr>
+          <p:nvPr>
+            <p:ph type="sldNum" sz="quarter" idx="12"/>
+          </p:nvPr>
+        </p:nvSpPr>
+        <p:spPr/>
+        <p:txBody>
+          <a:bodyPr/>
+          <a:lstStyle/>
+          <a:p>
+            <a:fld id="{D57F1E4F-1CFF-5643-939E-02111984F565}" type="slidenum">
+              <a:rPr lang="en-US" smtClean="0"/>
+              <a:t>11</a:t>
+            </a:fld>
+            <a:endParaRPr lang="en-US"/>
+          </a:p>
+        </p:txBody>
+      </p:sp>
+    </p:spTree>
+    <p:extLst>
+      <p:ext uri="{BB962C8B-B14F-4D97-AF65-F5344CB8AC3E}">
+        <p14:creationId xmlns:p14="http://schemas.microsoft.com/office/powerpoint/2010/main" val="3315730838"/>
+      </p:ext>
+    </p:extLst>
+  </p:cSld>
+  <p:clrMapOvr>
+    <a:masterClrMapping/>
+  </p:clrMapOvr>
+</p:sld>
+</file>
+
+<file path=ppt/slides/slide13.xml><?xml version="1.0" encoding="utf-8"?>
+<p:sld xmlns:a="http://schemas.openxmlformats.org/drawingml/2006/main" xmlns:r="http://schemas.openxmlformats.org/officeDocument/2006/relationships" xmlns:p="http://schemas.openxmlformats.org/presentationml/2006/main">
+  <p:cSld>
+    <p:spTree>
+      <p:nvGrpSpPr>
+        <p:cNvPr id="1" name=""/>
+        <p:cNvGrpSpPr/>
+        <p:nvPr/>
+      </p:nvGrpSpPr>
+      <p:grpSpPr>
+        <a:xfrm>
+          <a:off x="0" y="0"/>
+          <a:ext cx="0" cy="0"/>
+          <a:chOff x="0" y="0"/>
+          <a:chExt cx="0" cy="0"/>
+        </a:xfrm>
+      </p:grpSpPr>
+      <p:sp>
+        <p:nvSpPr>
+          <p:cNvPr id="2" name="Tytuł 1">
+            <a:extLst>
+              <a:ext uri="{FF2B5EF4-FFF2-40B4-BE49-F238E27FC236}">
+                <a16:creationId xmlns:a16="http://schemas.microsoft.com/office/drawing/2014/main" id="{B911F9B1-74A6-4871-B319-BEBF732302BC}"/>
+              </a:ext>
+            </a:extLst>
+          </p:cNvPr>
+          <p:cNvSpPr>
+            <a:spLocks noGrp="1"/>
+          </p:cNvSpPr>
+          <p:nvPr>
+            <p:ph type="title"/>
+          </p:nvPr>
+        </p:nvSpPr>
+        <p:spPr>
+          <a:xfrm>
+            <a:off x="621068" y="981073"/>
+            <a:ext cx="3339281" cy="4670498"/>
+          </a:xfrm>
+        </p:spPr>
+        <p:txBody>
+          <a:bodyPr vert="horz" lIns="91440" tIns="45720" rIns="91440" bIns="45720" rtlCol="0" anchor="b">
+            <a:normAutofit fontScale="90000"/>
+          </a:bodyPr>
+          <a:lstStyle/>
+          <a:p>
+            <a:r>
+              <a:rPr lang="pl-PL" sz="4800" dirty="0" err="1"/>
+              <a:t>Literature</a:t>
+            </a:r>
+            <a:r>
+              <a:rPr lang="pl-PL" sz="4800" dirty="0"/>
+              <a:t> </a:t>
+            </a:r>
+            <a:r>
+              <a:rPr lang="pl-PL" sz="4800" dirty="0" err="1"/>
+              <a:t>reviews</a:t>
+            </a:r>
+            <a:br>
+              <a:rPr lang="pl-PL" sz="4800" dirty="0"/>
+            </a:br>
+            <a:br>
+              <a:rPr lang="pl-PL" sz="4800" dirty="0"/>
+            </a:br>
+            <a:br>
+              <a:rPr lang="pl-PL" sz="4800" dirty="0"/>
+            </a:br>
+            <a:br>
+              <a:rPr lang="pl-PL" sz="4800" dirty="0"/>
+            </a:br>
+            <a:br>
+              <a:rPr lang="pl-PL" sz="4800" dirty="0"/>
+            </a:br>
+            <a:endParaRPr lang="pl-PL" sz="4800" dirty="0"/>
+          </a:p>
+        </p:txBody>
+      </p:sp>
+      <p:sp>
+        <p:nvSpPr>
+          <p:cNvPr id="6" name="TextBox 3">
+            <a:extLst>
+              <a:ext uri="{FF2B5EF4-FFF2-40B4-BE49-F238E27FC236}">
+                <a16:creationId xmlns:a16="http://schemas.microsoft.com/office/drawing/2014/main" id="{CCF9CE33-D6BC-4085-9EA5-D5D1062615C3}"/>
+              </a:ext>
+            </a:extLst>
+          </p:cNvPr>
+          <p:cNvSpPr txBox="1"/>
+          <p:nvPr/>
+        </p:nvSpPr>
+        <p:spPr>
+          <a:xfrm>
+            <a:off x="4975861" y="804671"/>
+            <a:ext cx="6399930" cy="5248657"/>
+          </a:xfrm>
+          <a:prstGeom prst="rect">
+            <a:avLst/>
+          </a:prstGeom>
+        </p:spPr>
+        <p:txBody>
+          <a:bodyPr vert="horz" lIns="91440" tIns="45720" rIns="91440" bIns="45720" rtlCol="0" anchor="ctr">
+            <a:normAutofit/>
+          </a:bodyPr>
+          <a:lstStyle/>
+          <a:p>
+            <a:pPr defTabSz="457200">
+              <a:spcBef>
+                <a:spcPts val="1000"/>
+              </a:spcBef>
+              <a:buClr>
+                <a:schemeClr val="bg2">
+                  <a:lumMod val="40000"/>
+                  <a:lumOff val="60000"/>
+                </a:schemeClr>
+              </a:buClr>
+              <a:buSzPct val="80000"/>
+            </a:pPr>
+            <a:r>
+              <a:rPr lang="pl-PL" b="1" cap="all" dirty="0" err="1"/>
+              <a:t>Authors</a:t>
+            </a:r>
+            <a:r>
+              <a:rPr lang="pl-PL" b="1" cap="all" dirty="0"/>
+              <a:t> Experiment </a:t>
+            </a:r>
+            <a:r>
+              <a:rPr lang="pl-PL" b="1" cap="all" dirty="0" err="1"/>
+              <a:t>results</a:t>
+            </a:r>
+            <a:endParaRPr lang="en-US" cap="all" dirty="0"/>
+          </a:p>
+          <a:p>
+            <a:pPr marL="285750" indent="-285750" defTabSz="457200">
+              <a:spcBef>
+                <a:spcPts val="1000"/>
+              </a:spcBef>
+              <a:buClr>
+                <a:schemeClr val="bg2">
+                  <a:lumMod val="40000"/>
+                  <a:lumOff val="60000"/>
+                </a:schemeClr>
+              </a:buClr>
+              <a:buSzPct val="80000"/>
+              <a:buFont typeface="Wingdings 3" charset="2"/>
+              <a:buChar char=""/>
+            </a:pPr>
+            <a:r>
+              <a:rPr lang="pl-PL" dirty="0"/>
+              <a:t>T</a:t>
+            </a:r>
+            <a:r>
+              <a:rPr lang="en-US" dirty="0"/>
+              <a:t>he number of cities plays</a:t>
+            </a:r>
+            <a:r>
+              <a:rPr lang="pl-PL" dirty="0"/>
+              <a:t> </a:t>
+            </a:r>
+            <a:r>
+              <a:rPr lang="en-US" dirty="0"/>
+              <a:t>no role in this particular decision tree</a:t>
+            </a:r>
+            <a:endParaRPr lang="pl-PL" dirty="0"/>
+          </a:p>
+          <a:p>
+            <a:pPr marL="285750" indent="-285750" defTabSz="457200">
+              <a:spcBef>
+                <a:spcPts val="1000"/>
+              </a:spcBef>
+              <a:buClr>
+                <a:schemeClr val="bg2">
+                  <a:lumMod val="40000"/>
+                  <a:lumOff val="60000"/>
+                </a:schemeClr>
+              </a:buClr>
+              <a:buSzPct val="80000"/>
+              <a:buFont typeface="Wingdings 3" charset="2"/>
+              <a:buChar char=""/>
+            </a:pPr>
+            <a:r>
+              <a:rPr lang="pl-PL" dirty="0"/>
+              <a:t>E</a:t>
+            </a:r>
+            <a:r>
+              <a:rPr lang="en-US" dirty="0" err="1"/>
+              <a:t>volutionary</a:t>
+            </a:r>
+            <a:r>
+              <a:rPr lang="en-US" dirty="0"/>
+              <a:t> algorithm </a:t>
+            </a:r>
+            <a:r>
+              <a:rPr lang="en-US" dirty="0" err="1"/>
+              <a:t>ea</a:t>
+            </a:r>
+            <a:r>
+              <a:rPr lang="en-US" dirty="0"/>
+              <a:t> dominates small </a:t>
+            </a:r>
+            <a:r>
+              <a:rPr lang="en-US" dirty="0" err="1"/>
+              <a:t>ttp</a:t>
+            </a:r>
+            <a:r>
+              <a:rPr lang="en-US" dirty="0"/>
+              <a:t> instances with few cities and few items, as many of the leftmost leaves in the decision tree are labelled ea. It performs better than </a:t>
+            </a:r>
+            <a:r>
+              <a:rPr lang="en-US" dirty="0" err="1"/>
+              <a:t>rls</a:t>
+            </a:r>
+            <a:r>
+              <a:rPr lang="en-US" dirty="0"/>
+              <a:t> since it can escape local </a:t>
+            </a:r>
+            <a:r>
+              <a:rPr lang="en-US" dirty="0" err="1"/>
+              <a:t>opti</a:t>
+            </a:r>
+            <a:r>
+              <a:rPr lang="pl-PL" dirty="0"/>
+              <a:t>ma</a:t>
+            </a:r>
+          </a:p>
+          <a:p>
+            <a:pPr marL="285750" indent="-285750" defTabSz="457200">
+              <a:spcBef>
+                <a:spcPts val="1000"/>
+              </a:spcBef>
+              <a:buClr>
+                <a:schemeClr val="bg2">
+                  <a:lumMod val="40000"/>
+                  <a:lumOff val="60000"/>
+                </a:schemeClr>
+              </a:buClr>
+              <a:buSzPct val="80000"/>
+              <a:buFont typeface="Wingdings 3" charset="2"/>
+              <a:buChar char=""/>
+            </a:pPr>
+            <a:r>
+              <a:rPr lang="pl-PL" dirty="0"/>
+              <a:t>R</a:t>
+            </a:r>
+            <a:r>
+              <a:rPr lang="en-US" dirty="0" err="1"/>
+              <a:t>andom</a:t>
+            </a:r>
+            <a:r>
+              <a:rPr lang="en-US" dirty="0"/>
+              <a:t> local search </a:t>
+            </a:r>
+            <a:r>
+              <a:rPr lang="en-US" dirty="0" err="1"/>
+              <a:t>rls</a:t>
+            </a:r>
+            <a:r>
+              <a:rPr lang="en-US" dirty="0"/>
+              <a:t> performs well across mid-sized and several larger </a:t>
+            </a:r>
+            <a:r>
+              <a:rPr lang="en-US" dirty="0" err="1"/>
+              <a:t>ttp</a:t>
+            </a:r>
+            <a:r>
+              <a:rPr lang="en-US" dirty="0"/>
+              <a:t> instances. This is due to the fact that </a:t>
+            </a:r>
+            <a:r>
+              <a:rPr lang="en-US" dirty="0" err="1"/>
+              <a:t>ea</a:t>
+            </a:r>
+            <a:r>
+              <a:rPr lang="en-US" dirty="0"/>
+              <a:t> effectively wastes evaluations, as the packing status change of an item is not enforced</a:t>
+            </a:r>
+            <a:endParaRPr lang="pl-PL" dirty="0"/>
+          </a:p>
+        </p:txBody>
+      </p:sp>
+      <p:sp>
+        <p:nvSpPr>
+          <p:cNvPr id="4" name="Symbol zastępczy numeru slajdu 3">
+            <a:extLst>
+              <a:ext uri="{FF2B5EF4-FFF2-40B4-BE49-F238E27FC236}">
+                <a16:creationId xmlns:a16="http://schemas.microsoft.com/office/drawing/2014/main" id="{60B00DFF-5D73-4899-8FAB-D6EEDCA77D70}"/>
+              </a:ext>
+            </a:extLst>
+          </p:cNvPr>
+          <p:cNvSpPr>
+            <a:spLocks noGrp="1"/>
+          </p:cNvSpPr>
+          <p:nvPr>
+            <p:ph type="sldNum" sz="quarter" idx="12"/>
+          </p:nvPr>
+        </p:nvSpPr>
+        <p:spPr/>
+        <p:txBody>
+          <a:bodyPr/>
+          <a:lstStyle/>
+          <a:p>
+            <a:fld id="{D57F1E4F-1CFF-5643-939E-02111984F565}" type="slidenum">
+              <a:rPr lang="en-US" smtClean="0"/>
+              <a:t>12</a:t>
             </a:fld>
             <a:endParaRPr lang="en-US"/>
           </a:p>
@@ -13899,7 +14715,7 @@
 </p:sld>
 </file>
 
-<file path=ppt/slides/slide12.xml><?xml version="1.0" encoding="utf-8"?>
+<file path=ppt/slides/slide14.xml><?xml version="1.0" encoding="utf-8"?>
 <p:sld xmlns:a="http://schemas.openxmlformats.org/drawingml/2006/main" xmlns:r="http://schemas.openxmlformats.org/officeDocument/2006/relationships" xmlns:p="http://schemas.openxmlformats.org/presentationml/2006/main">
   <p:cSld>
     <p:bg>
@@ -14492,10 +15308,10 @@
       </p:sp>
       <p:sp>
         <p:nvSpPr>
-          <p:cNvPr id="3" name="Slide Number Placeholder 2">
+          <p:cNvPr id="6" name="Symbol zastępczy numeru slajdu 5">
             <a:extLst>
               <a:ext uri="{FF2B5EF4-FFF2-40B4-BE49-F238E27FC236}">
-                <a16:creationId xmlns:a16="http://schemas.microsoft.com/office/drawing/2014/main" id="{7AB94B4A-3E75-4A24-836C-8C6DBF1739B2}"/>
+                <a16:creationId xmlns:a16="http://schemas.microsoft.com/office/drawing/2014/main" id="{5A0A1B6B-B708-493B-99F0-AC4EDE7C4437}"/>
               </a:ext>
             </a:extLst>
           </p:cNvPr>
@@ -14513,7 +15329,7 @@
           <a:p>
             <a:fld id="{D57F1E4F-1CFF-5643-939E-02111984F565}" type="slidenum">
               <a:rPr lang="en-US" smtClean="0"/>
-              <a:t>11</a:t>
+              <a:t>13</a:t>
             </a:fld>
             <a:endParaRPr lang="en-US"/>
           </a:p>
@@ -14532,7 +15348,7 @@
 </p:sld>
 </file>
 
-<file path=ppt/slides/slide13.xml><?xml version="1.0" encoding="utf-8"?>
+<file path=ppt/slides/slide15.xml><?xml version="1.0" encoding="utf-8"?>
 <p:sld xmlns:a="http://schemas.openxmlformats.org/drawingml/2006/main" xmlns:r="http://schemas.openxmlformats.org/officeDocument/2006/relationships" xmlns:p="http://schemas.openxmlformats.org/presentationml/2006/main">
   <p:cSld>
     <p:spTree>
@@ -14834,10 +15650,10 @@
       </p:pic>
       <p:sp>
         <p:nvSpPr>
-          <p:cNvPr id="5" name="Slide Number Placeholder 4">
+          <p:cNvPr id="7" name="Symbol zastępczy numeru slajdu 6">
             <a:extLst>
               <a:ext uri="{FF2B5EF4-FFF2-40B4-BE49-F238E27FC236}">
-                <a16:creationId xmlns:a16="http://schemas.microsoft.com/office/drawing/2014/main" id="{1E6720D7-37BE-45E5-AA45-CD45C25C3033}"/>
+                <a16:creationId xmlns:a16="http://schemas.microsoft.com/office/drawing/2014/main" id="{BFA1F4A4-9F65-4AD4-B35B-BEFFB4C381FC}"/>
               </a:ext>
             </a:extLst>
           </p:cNvPr>
@@ -14855,7 +15671,7 @@
           <a:p>
             <a:fld id="{D57F1E4F-1CFF-5643-939E-02111984F565}" type="slidenum">
               <a:rPr lang="en-US" smtClean="0"/>
-              <a:t>12</a:t>
+              <a:t>14</a:t>
             </a:fld>
             <a:endParaRPr lang="en-US"/>
           </a:p>
@@ -14874,7 +15690,7 @@
 </p:sld>
 </file>
 
-<file path=ppt/slides/slide14.xml><?xml version="1.0" encoding="utf-8"?>
+<file path=ppt/slides/slide16.xml><?xml version="1.0" encoding="utf-8"?>
 <p:sld xmlns:a="http://schemas.openxmlformats.org/drawingml/2006/main" xmlns:r="http://schemas.openxmlformats.org/officeDocument/2006/relationships" xmlns:p="http://schemas.openxmlformats.org/presentationml/2006/main">
   <p:cSld>
     <p:spTree>
@@ -15715,10 +16531,10 @@
       </p:sp>
       <p:sp>
         <p:nvSpPr>
-          <p:cNvPr id="2" name="Slide Number Placeholder 1">
+          <p:cNvPr id="3" name="Symbol zastępczy numeru slajdu 2">
             <a:extLst>
               <a:ext uri="{FF2B5EF4-FFF2-40B4-BE49-F238E27FC236}">
-                <a16:creationId xmlns:a16="http://schemas.microsoft.com/office/drawing/2014/main" id="{760B4DB1-DE8D-470D-9A2C-9573A49231FC}"/>
+                <a16:creationId xmlns:a16="http://schemas.microsoft.com/office/drawing/2014/main" id="{EAB021EF-4289-46DE-95C4-AA39474EFE56}"/>
               </a:ext>
             </a:extLst>
           </p:cNvPr>
@@ -15736,7 +16552,7 @@
           <a:p>
             <a:fld id="{D57F1E4F-1CFF-5643-939E-02111984F565}" type="slidenum">
               <a:rPr lang="en-US" smtClean="0"/>
-              <a:t>13</a:t>
+              <a:t>15</a:t>
             </a:fld>
             <a:endParaRPr lang="en-US"/>
           </a:p>
@@ -15755,7 +16571,7 @@
 </p:sld>
 </file>
 
-<file path=ppt/slides/slide15.xml><?xml version="1.0" encoding="utf-8"?>
+<file path=ppt/slides/slide17.xml><?xml version="1.0" encoding="utf-8"?>
 <p:sld xmlns:a="http://schemas.openxmlformats.org/drawingml/2006/main" xmlns:r="http://schemas.openxmlformats.org/officeDocument/2006/relationships" xmlns:p="http://schemas.openxmlformats.org/presentationml/2006/main">
   <p:cSld>
     <p:bg>
@@ -16132,10 +16948,10 @@
       </p:sp>
       <p:sp>
         <p:nvSpPr>
-          <p:cNvPr id="3" name="Slide Number Placeholder 2">
+          <p:cNvPr id="4" name="Symbol zastępczy numeru slajdu 3">
             <a:extLst>
               <a:ext uri="{FF2B5EF4-FFF2-40B4-BE49-F238E27FC236}">
-                <a16:creationId xmlns:a16="http://schemas.microsoft.com/office/drawing/2014/main" id="{604CAF7F-7D2A-4AA5-98EA-9551E95C659F}"/>
+                <a16:creationId xmlns:a16="http://schemas.microsoft.com/office/drawing/2014/main" id="{97B02C5A-1BE0-49A7-B654-95A203B14A9C}"/>
               </a:ext>
             </a:extLst>
           </p:cNvPr>
@@ -16153,7 +16969,7 @@
           <a:p>
             <a:fld id="{D57F1E4F-1CFF-5643-939E-02111984F565}" type="slidenum">
               <a:rPr lang="en-US" smtClean="0"/>
-              <a:t>14</a:t>
+              <a:t>16</a:t>
             </a:fld>
             <a:endParaRPr lang="en-US"/>
           </a:p>
@@ -16172,7 +16988,7 @@
 </p:sld>
 </file>
 
-<file path=ppt/slides/slide16.xml><?xml version="1.0" encoding="utf-8"?>
+<file path=ppt/slides/slide18.xml><?xml version="1.0" encoding="utf-8"?>
 <p:sld xmlns:a="http://schemas.openxmlformats.org/drawingml/2006/main" xmlns:r="http://schemas.openxmlformats.org/officeDocument/2006/relationships" xmlns:p="http://schemas.openxmlformats.org/presentationml/2006/main">
   <p:cSld>
     <p:bg>
@@ -16193,7 +17009,6 @@
                 <a:lumMod val="132000"/>
               </a:schemeClr>
             </a:duotone>
-            <a:extLst/>
           </a:blip>
           <a:stretch/>
         </a:blipFill>
@@ -18020,10 +18835,10 @@
       </p:sp>
       <p:sp>
         <p:nvSpPr>
-          <p:cNvPr id="2" name="Slide Number Placeholder 1">
+          <p:cNvPr id="3" name="Symbol zastępczy numeru slajdu 2">
             <a:extLst>
               <a:ext uri="{FF2B5EF4-FFF2-40B4-BE49-F238E27FC236}">
-                <a16:creationId xmlns:a16="http://schemas.microsoft.com/office/drawing/2014/main" id="{05DCE236-048E-465D-814E-A8BBECE47A15}"/>
+                <a16:creationId xmlns:a16="http://schemas.microsoft.com/office/drawing/2014/main" id="{3553F8B2-42A5-4F43-882B-FCEC51C13D1A}"/>
               </a:ext>
             </a:extLst>
           </p:cNvPr>
@@ -18041,7 +18856,7 @@
           <a:p>
             <a:fld id="{D57F1E4F-1CFF-5643-939E-02111984F565}" type="slidenum">
               <a:rPr lang="en-US" smtClean="0"/>
-              <a:t>15</a:t>
+              <a:t>17</a:t>
             </a:fld>
             <a:endParaRPr lang="en-US"/>
           </a:p>
@@ -18060,7 +18875,7 @@
 </p:sld>
 </file>
 
-<file path=ppt/slides/slide17.xml><?xml version="1.0" encoding="utf-8"?>
+<file path=ppt/slides/slide19.xml><?xml version="1.0" encoding="utf-8"?>
 <p:sld xmlns:a="http://schemas.openxmlformats.org/drawingml/2006/main" xmlns:r="http://schemas.openxmlformats.org/officeDocument/2006/relationships" xmlns:p="http://schemas.openxmlformats.org/presentationml/2006/main">
   <p:cSld>
     <p:bg>
@@ -19484,10 +20299,10 @@
       </p:sp>
       <p:sp>
         <p:nvSpPr>
-          <p:cNvPr id="2" name="Slide Number Placeholder 1">
+          <p:cNvPr id="3" name="Symbol zastępczy numeru slajdu 2">
             <a:extLst>
               <a:ext uri="{FF2B5EF4-FFF2-40B4-BE49-F238E27FC236}">
-                <a16:creationId xmlns:a16="http://schemas.microsoft.com/office/drawing/2014/main" id="{94B22217-5447-4920-9295-5B0CE9A19C3C}"/>
+                <a16:creationId xmlns:a16="http://schemas.microsoft.com/office/drawing/2014/main" id="{4503F73C-40FF-4637-BBE0-150F23F6FCA9}"/>
               </a:ext>
             </a:extLst>
           </p:cNvPr>
@@ -19505,7 +20320,7 @@
           <a:p>
             <a:fld id="{D57F1E4F-1CFF-5643-939E-02111984F565}" type="slidenum">
               <a:rPr lang="en-US" smtClean="0"/>
-              <a:t>16</a:t>
+              <a:t>18</a:t>
             </a:fld>
             <a:endParaRPr lang="en-US"/>
           </a:p>
@@ -19524,7 +20339,1106 @@
 </p:sld>
 </file>
 
-<file path=ppt/slides/slide18.xml><?xml version="1.0" encoding="utf-8"?>
+<file path=ppt/slides/slide2.xml><?xml version="1.0" encoding="utf-8"?>
+<p:sld xmlns:a="http://schemas.openxmlformats.org/drawingml/2006/main" xmlns:r="http://schemas.openxmlformats.org/officeDocument/2006/relationships" xmlns:p="http://schemas.openxmlformats.org/presentationml/2006/main">
+  <p:cSld>
+    <p:bg>
+      <p:bgPr>
+        <a:solidFill>
+          <a:schemeClr val="bg1"/>
+        </a:solidFill>
+        <a:effectLst/>
+      </p:bgPr>
+    </p:bg>
+    <p:spTree>
+      <p:nvGrpSpPr>
+        <p:cNvPr id="1" name=""/>
+        <p:cNvGrpSpPr/>
+        <p:nvPr/>
+      </p:nvGrpSpPr>
+      <p:grpSpPr>
+        <a:xfrm>
+          <a:off x="0" y="0"/>
+          <a:ext cx="0" cy="0"/>
+          <a:chOff x="0" y="0"/>
+          <a:chExt cx="0" cy="0"/>
+        </a:xfrm>
+      </p:grpSpPr>
+      <p:sp>
+        <p:nvSpPr>
+          <p:cNvPr id="19" name="Rectangle 15">
+            <a:extLst>
+              <a:ext uri="{FF2B5EF4-FFF2-40B4-BE49-F238E27FC236}">
+                <a16:creationId xmlns:a16="http://schemas.microsoft.com/office/drawing/2014/main" id="{4E78424C-6FD0-41F8-9CAA-5DC19C42359F}"/>
+              </a:ext>
+              <a:ext uri="{C183D7F6-B498-43B3-948B-1728B52AA6E4}">
+                <adec:decorative xmlns:adec="http://schemas.microsoft.com/office/drawing/2017/decorative" val="1"/>
+              </a:ext>
+            </a:extLst>
+          </p:cNvPr>
+          <p:cNvSpPr>
+            <a:spLocks noGrp="1" noRot="1" noChangeAspect="1" noMove="1" noResize="1" noEditPoints="1" noAdjustHandles="1" noChangeArrowheads="1" noChangeShapeType="1" noTextEdit="1"/>
+          </p:cNvSpPr>
+          <p:nvPr>
+            <p:extLst>
+              <p:ext uri="{386F3935-93C4-4BCD-93E2-E3B085C9AB24}">
+                <p16:designElem xmlns:p16="http://schemas.microsoft.com/office/powerpoint/2015/main" val="1"/>
+              </p:ext>
+            </p:extLst>
+          </p:nvPr>
+        </p:nvSpPr>
+        <p:spPr>
+          <a:xfrm>
+            <a:off x="0" y="-1"/>
+            <a:ext cx="12192000" cy="6858001"/>
+          </a:xfrm>
+          <a:prstGeom prst="rect">
+            <a:avLst/>
+          </a:prstGeom>
+          <a:ln>
+            <a:noFill/>
+          </a:ln>
+        </p:spPr>
+        <p:style>
+          <a:lnRef idx="2">
+            <a:schemeClr val="accent1">
+              <a:shade val="50000"/>
+            </a:schemeClr>
+          </a:lnRef>
+          <a:fillRef idx="1003">
+            <a:schemeClr val="dk2"/>
+          </a:fillRef>
+          <a:effectRef idx="0">
+            <a:schemeClr val="accent1"/>
+          </a:effectRef>
+          <a:fontRef idx="minor">
+            <a:schemeClr val="lt1"/>
+          </a:fontRef>
+        </p:style>
+        <p:txBody>
+          <a:bodyPr rtlCol="0" anchor="ctr"/>
+          <a:lstStyle/>
+          <a:p>
+            <a:pPr algn="ctr"/>
+            <a:endParaRPr lang="en-US"/>
+          </a:p>
+        </p:txBody>
+      </p:sp>
+      <p:sp>
+        <p:nvSpPr>
+          <p:cNvPr id="2" name="Tytuł 1">
+            <a:extLst>
+              <a:ext uri="{FF2B5EF4-FFF2-40B4-BE49-F238E27FC236}">
+                <a16:creationId xmlns:a16="http://schemas.microsoft.com/office/drawing/2014/main" id="{F576E1C7-7457-4559-A3E7-4C36FE50F365}"/>
+              </a:ext>
+            </a:extLst>
+          </p:cNvPr>
+          <p:cNvSpPr>
+            <a:spLocks noGrp="1"/>
+          </p:cNvSpPr>
+          <p:nvPr>
+            <p:ph type="title"/>
+          </p:nvPr>
+        </p:nvSpPr>
+        <p:spPr>
+          <a:xfrm>
+            <a:off x="647700" y="1423641"/>
+            <a:ext cx="3108626" cy="4572000"/>
+          </a:xfrm>
+        </p:spPr>
+        <p:txBody>
+          <a:bodyPr anchor="ctr">
+            <a:normAutofit/>
+          </a:bodyPr>
+          <a:lstStyle/>
+          <a:p>
+            <a:r>
+              <a:rPr lang="en-GB" sz="4400" dirty="0">
+                <a:solidFill>
+                  <a:srgbClr val="F2F2F2"/>
+                </a:solidFill>
+              </a:rPr>
+              <a:t>Roadmap</a:t>
+            </a:r>
+            <a:endParaRPr lang="pl-PL" sz="4400" dirty="0">
+              <a:solidFill>
+                <a:srgbClr val="F2F2F2"/>
+              </a:solidFill>
+            </a:endParaRPr>
+          </a:p>
+        </p:txBody>
+      </p:sp>
+      <p:sp>
+        <p:nvSpPr>
+          <p:cNvPr id="21" name="Freeform: Shape 17">
+            <a:extLst>
+              <a:ext uri="{FF2B5EF4-FFF2-40B4-BE49-F238E27FC236}">
+                <a16:creationId xmlns:a16="http://schemas.microsoft.com/office/drawing/2014/main" id="{DD136760-57DC-4301-8BEA-B71AD2D13905}"/>
+              </a:ext>
+              <a:ext uri="{C183D7F6-B498-43B3-948B-1728B52AA6E4}">
+                <adec:decorative xmlns:adec="http://schemas.microsoft.com/office/drawing/2017/decorative" val="1"/>
+              </a:ext>
+            </a:extLst>
+          </p:cNvPr>
+          <p:cNvSpPr>
+            <a:spLocks noGrp="1" noRot="1" noChangeAspect="1" noMove="1" noResize="1" noEditPoints="1" noAdjustHandles="1" noChangeArrowheads="1" noChangeShapeType="1" noTextEdit="1"/>
+          </p:cNvSpPr>
+          <p:nvPr>
+            <p:extLst>
+              <p:ext uri="{386F3935-93C4-4BCD-93E2-E3B085C9AB24}">
+                <p16:designElem xmlns:p16="http://schemas.microsoft.com/office/powerpoint/2015/main" val="1"/>
+              </p:ext>
+            </p:extLst>
+          </p:nvPr>
+        </p:nvSpPr>
+        <p:spPr>
+          <a:xfrm>
+            <a:off x="4161310" y="0"/>
+            <a:ext cx="8030690" cy="6858000"/>
+          </a:xfrm>
+          <a:custGeom>
+            <a:avLst/>
+            <a:gdLst>
+              <a:gd name="connsiteX0" fmla="*/ 1176 w 8030690"/>
+              <a:gd name="connsiteY0" fmla="*/ 0 h 6858000"/>
+              <a:gd name="connsiteX1" fmla="*/ 1344715 w 8030690"/>
+              <a:gd name="connsiteY1" fmla="*/ 0 h 6858000"/>
+              <a:gd name="connsiteX2" fmla="*/ 1344715 w 8030690"/>
+              <a:gd name="connsiteY2" fmla="*/ 0 h 6858000"/>
+              <a:gd name="connsiteX3" fmla="*/ 8030690 w 8030690"/>
+              <a:gd name="connsiteY3" fmla="*/ 0 h 6858000"/>
+              <a:gd name="connsiteX4" fmla="*/ 8030690 w 8030690"/>
+              <a:gd name="connsiteY4" fmla="*/ 6858000 h 6858000"/>
+              <a:gd name="connsiteX5" fmla="*/ 477746 w 8030690"/>
+              <a:gd name="connsiteY5" fmla="*/ 6858000 h 6858000"/>
+              <a:gd name="connsiteX6" fmla="*/ 477746 w 8030690"/>
+              <a:gd name="connsiteY6" fmla="*/ 6858000 h 6858000"/>
+              <a:gd name="connsiteX7" fmla="*/ 0 w 8030690"/>
+              <a:gd name="connsiteY7" fmla="*/ 6858000 h 6858000"/>
+              <a:gd name="connsiteX8" fmla="*/ 5883 w 8030690"/>
+              <a:gd name="connsiteY8" fmla="*/ 6817538 h 6858000"/>
+              <a:gd name="connsiteX9" fmla="*/ 23196 w 8030690"/>
+              <a:gd name="connsiteY9" fmla="*/ 6698894 h 6858000"/>
+              <a:gd name="connsiteX10" fmla="*/ 35298 w 8030690"/>
+              <a:gd name="connsiteY10" fmla="*/ 6612483 h 6858000"/>
+              <a:gd name="connsiteX11" fmla="*/ 48073 w 8030690"/>
+              <a:gd name="connsiteY11" fmla="*/ 6509613 h 6858000"/>
+              <a:gd name="connsiteX12" fmla="*/ 63369 w 8030690"/>
+              <a:gd name="connsiteY12" fmla="*/ 6387541 h 6858000"/>
+              <a:gd name="connsiteX13" fmla="*/ 79506 w 8030690"/>
+              <a:gd name="connsiteY13" fmla="*/ 6252438 h 6858000"/>
+              <a:gd name="connsiteX14" fmla="*/ 96483 w 8030690"/>
+              <a:gd name="connsiteY14" fmla="*/ 6100191 h 6858000"/>
+              <a:gd name="connsiteX15" fmla="*/ 114468 w 8030690"/>
+              <a:gd name="connsiteY15" fmla="*/ 5934227 h 6858000"/>
+              <a:gd name="connsiteX16" fmla="*/ 132454 w 8030690"/>
+              <a:gd name="connsiteY16" fmla="*/ 5753862 h 6858000"/>
+              <a:gd name="connsiteX17" fmla="*/ 150775 w 8030690"/>
+              <a:gd name="connsiteY17" fmla="*/ 5561838 h 6858000"/>
+              <a:gd name="connsiteX18" fmla="*/ 167752 w 8030690"/>
+              <a:gd name="connsiteY18" fmla="*/ 5354726 h 6858000"/>
+              <a:gd name="connsiteX19" fmla="*/ 184057 w 8030690"/>
+              <a:gd name="connsiteY19" fmla="*/ 5138013 h 6858000"/>
+              <a:gd name="connsiteX20" fmla="*/ 198849 w 8030690"/>
+              <a:gd name="connsiteY20" fmla="*/ 4908956 h 6858000"/>
+              <a:gd name="connsiteX21" fmla="*/ 212968 w 8030690"/>
+              <a:gd name="connsiteY21" fmla="*/ 4670298 h 6858000"/>
+              <a:gd name="connsiteX22" fmla="*/ 226248 w 8030690"/>
+              <a:gd name="connsiteY22" fmla="*/ 4421352 h 6858000"/>
+              <a:gd name="connsiteX23" fmla="*/ 230954 w 8030690"/>
+              <a:gd name="connsiteY23" fmla="*/ 4293793 h 6858000"/>
+              <a:gd name="connsiteX24" fmla="*/ 236165 w 8030690"/>
+              <a:gd name="connsiteY24" fmla="*/ 4163491 h 6858000"/>
+              <a:gd name="connsiteX25" fmla="*/ 241039 w 8030690"/>
+              <a:gd name="connsiteY25" fmla="*/ 4031132 h 6858000"/>
+              <a:gd name="connsiteX26" fmla="*/ 244233 w 8030690"/>
+              <a:gd name="connsiteY26" fmla="*/ 3898087 h 6858000"/>
+              <a:gd name="connsiteX27" fmla="*/ 247091 w 8030690"/>
+              <a:gd name="connsiteY27" fmla="*/ 3762298 h 6858000"/>
+              <a:gd name="connsiteX28" fmla="*/ 250116 w 8030690"/>
+              <a:gd name="connsiteY28" fmla="*/ 3625138 h 6858000"/>
+              <a:gd name="connsiteX29" fmla="*/ 252133 w 8030690"/>
+              <a:gd name="connsiteY29" fmla="*/ 3485235 h 6858000"/>
+              <a:gd name="connsiteX30" fmla="*/ 252133 w 8030690"/>
+              <a:gd name="connsiteY30" fmla="*/ 3343960 h 6858000"/>
+              <a:gd name="connsiteX31" fmla="*/ 253142 w 8030690"/>
+              <a:gd name="connsiteY31" fmla="*/ 3201314 h 6858000"/>
+              <a:gd name="connsiteX32" fmla="*/ 252133 w 8030690"/>
+              <a:gd name="connsiteY32" fmla="*/ 3057296 h 6858000"/>
+              <a:gd name="connsiteX33" fmla="*/ 250116 w 8030690"/>
+              <a:gd name="connsiteY33" fmla="*/ 2911221 h 6858000"/>
+              <a:gd name="connsiteX34" fmla="*/ 248267 w 8030690"/>
+              <a:gd name="connsiteY34" fmla="*/ 2765145 h 6858000"/>
+              <a:gd name="connsiteX35" fmla="*/ 244233 w 8030690"/>
+              <a:gd name="connsiteY35" fmla="*/ 2617013 h 6858000"/>
+              <a:gd name="connsiteX36" fmla="*/ 240031 w 8030690"/>
+              <a:gd name="connsiteY36" fmla="*/ 2467508 h 6858000"/>
+              <a:gd name="connsiteX37" fmla="*/ 235156 w 8030690"/>
+              <a:gd name="connsiteY37" fmla="*/ 2318004 h 6858000"/>
+              <a:gd name="connsiteX38" fmla="*/ 228265 w 8030690"/>
+              <a:gd name="connsiteY38" fmla="*/ 2167128 h 6858000"/>
+              <a:gd name="connsiteX39" fmla="*/ 220028 w 8030690"/>
+              <a:gd name="connsiteY39" fmla="*/ 2014880 h 6858000"/>
+              <a:gd name="connsiteX40" fmla="*/ 212128 w 8030690"/>
+              <a:gd name="connsiteY40" fmla="*/ 1861947 h 6858000"/>
+              <a:gd name="connsiteX41" fmla="*/ 202043 w 8030690"/>
+              <a:gd name="connsiteY41" fmla="*/ 1709013 h 6858000"/>
+              <a:gd name="connsiteX42" fmla="*/ 189940 w 8030690"/>
+              <a:gd name="connsiteY42" fmla="*/ 1554023 h 6858000"/>
+              <a:gd name="connsiteX43" fmla="*/ 177838 w 8030690"/>
+              <a:gd name="connsiteY43" fmla="*/ 1401089 h 6858000"/>
+              <a:gd name="connsiteX44" fmla="*/ 163886 w 8030690"/>
+              <a:gd name="connsiteY44" fmla="*/ 1245413 h 6858000"/>
+              <a:gd name="connsiteX45" fmla="*/ 148590 w 8030690"/>
+              <a:gd name="connsiteY45" fmla="*/ 1089050 h 6858000"/>
+              <a:gd name="connsiteX46" fmla="*/ 132454 w 8030690"/>
+              <a:gd name="connsiteY46" fmla="*/ 934745 h 6858000"/>
+              <a:gd name="connsiteX47" fmla="*/ 113628 w 8030690"/>
+              <a:gd name="connsiteY47" fmla="*/ 778383 h 6858000"/>
+              <a:gd name="connsiteX48" fmla="*/ 93457 w 8030690"/>
+              <a:gd name="connsiteY48" fmla="*/ 622706 h 6858000"/>
+              <a:gd name="connsiteX49" fmla="*/ 73454 w 8030690"/>
+              <a:gd name="connsiteY49" fmla="*/ 466344 h 6858000"/>
+              <a:gd name="connsiteX50" fmla="*/ 50090 w 8030690"/>
+              <a:gd name="connsiteY50" fmla="*/ 310667 h 6858000"/>
+              <a:gd name="connsiteX51" fmla="*/ 26222 w 8030690"/>
+              <a:gd name="connsiteY51" fmla="*/ 155676 h 6858000"/>
+            </a:gdLst>
+            <a:ahLst/>
+            <a:cxnLst>
+              <a:cxn ang="0">
+                <a:pos x="connsiteX0" y="connsiteY0"/>
+              </a:cxn>
+              <a:cxn ang="0">
+                <a:pos x="connsiteX1" y="connsiteY1"/>
+              </a:cxn>
+              <a:cxn ang="0">
+                <a:pos x="connsiteX2" y="connsiteY2"/>
+              </a:cxn>
+              <a:cxn ang="0">
+                <a:pos x="connsiteX3" y="connsiteY3"/>
+              </a:cxn>
+              <a:cxn ang="0">
+                <a:pos x="connsiteX4" y="connsiteY4"/>
+              </a:cxn>
+              <a:cxn ang="0">
+                <a:pos x="connsiteX5" y="connsiteY5"/>
+              </a:cxn>
+              <a:cxn ang="0">
+                <a:pos x="connsiteX6" y="connsiteY6"/>
+              </a:cxn>
+              <a:cxn ang="0">
+                <a:pos x="connsiteX7" y="connsiteY7"/>
+              </a:cxn>
+              <a:cxn ang="0">
+                <a:pos x="connsiteX8" y="connsiteY8"/>
+              </a:cxn>
+              <a:cxn ang="0">
+                <a:pos x="connsiteX9" y="connsiteY9"/>
+              </a:cxn>
+              <a:cxn ang="0">
+                <a:pos x="connsiteX10" y="connsiteY10"/>
+              </a:cxn>
+              <a:cxn ang="0">
+                <a:pos x="connsiteX11" y="connsiteY11"/>
+              </a:cxn>
+              <a:cxn ang="0">
+                <a:pos x="connsiteX12" y="connsiteY12"/>
+              </a:cxn>
+              <a:cxn ang="0">
+                <a:pos x="connsiteX13" y="connsiteY13"/>
+              </a:cxn>
+              <a:cxn ang="0">
+                <a:pos x="connsiteX14" y="connsiteY14"/>
+              </a:cxn>
+              <a:cxn ang="0">
+                <a:pos x="connsiteX15" y="connsiteY15"/>
+              </a:cxn>
+              <a:cxn ang="0">
+                <a:pos x="connsiteX16" y="connsiteY16"/>
+              </a:cxn>
+              <a:cxn ang="0">
+                <a:pos x="connsiteX17" y="connsiteY17"/>
+              </a:cxn>
+              <a:cxn ang="0">
+                <a:pos x="connsiteX18" y="connsiteY18"/>
+              </a:cxn>
+              <a:cxn ang="0">
+                <a:pos x="connsiteX19" y="connsiteY19"/>
+              </a:cxn>
+              <a:cxn ang="0">
+                <a:pos x="connsiteX20" y="connsiteY20"/>
+              </a:cxn>
+              <a:cxn ang="0">
+                <a:pos x="connsiteX21" y="connsiteY21"/>
+              </a:cxn>
+              <a:cxn ang="0">
+                <a:pos x="connsiteX22" y="connsiteY22"/>
+              </a:cxn>
+              <a:cxn ang="0">
+                <a:pos x="connsiteX23" y="connsiteY23"/>
+              </a:cxn>
+              <a:cxn ang="0">
+                <a:pos x="connsiteX24" y="connsiteY24"/>
+              </a:cxn>
+              <a:cxn ang="0">
+                <a:pos x="connsiteX25" y="connsiteY25"/>
+              </a:cxn>
+              <a:cxn ang="0">
+                <a:pos x="connsiteX26" y="connsiteY26"/>
+              </a:cxn>
+              <a:cxn ang="0">
+                <a:pos x="connsiteX27" y="connsiteY27"/>
+              </a:cxn>
+              <a:cxn ang="0">
+                <a:pos x="connsiteX28" y="connsiteY28"/>
+              </a:cxn>
+              <a:cxn ang="0">
+                <a:pos x="connsiteX29" y="connsiteY29"/>
+              </a:cxn>
+              <a:cxn ang="0">
+                <a:pos x="connsiteX30" y="connsiteY30"/>
+              </a:cxn>
+              <a:cxn ang="0">
+                <a:pos x="connsiteX31" y="connsiteY31"/>
+              </a:cxn>
+              <a:cxn ang="0">
+                <a:pos x="connsiteX32" y="connsiteY32"/>
+              </a:cxn>
+              <a:cxn ang="0">
+                <a:pos x="connsiteX33" y="connsiteY33"/>
+              </a:cxn>
+              <a:cxn ang="0">
+                <a:pos x="connsiteX34" y="connsiteY34"/>
+              </a:cxn>
+              <a:cxn ang="0">
+                <a:pos x="connsiteX35" y="connsiteY35"/>
+              </a:cxn>
+              <a:cxn ang="0">
+                <a:pos x="connsiteX36" y="connsiteY36"/>
+              </a:cxn>
+              <a:cxn ang="0">
+                <a:pos x="connsiteX37" y="connsiteY37"/>
+              </a:cxn>
+              <a:cxn ang="0">
+                <a:pos x="connsiteX38" y="connsiteY38"/>
+              </a:cxn>
+              <a:cxn ang="0">
+                <a:pos x="connsiteX39" y="connsiteY39"/>
+              </a:cxn>
+              <a:cxn ang="0">
+                <a:pos x="connsiteX40" y="connsiteY40"/>
+              </a:cxn>
+              <a:cxn ang="0">
+                <a:pos x="connsiteX41" y="connsiteY41"/>
+              </a:cxn>
+              <a:cxn ang="0">
+                <a:pos x="connsiteX42" y="connsiteY42"/>
+              </a:cxn>
+              <a:cxn ang="0">
+                <a:pos x="connsiteX43" y="connsiteY43"/>
+              </a:cxn>
+              <a:cxn ang="0">
+                <a:pos x="connsiteX44" y="connsiteY44"/>
+              </a:cxn>
+              <a:cxn ang="0">
+                <a:pos x="connsiteX45" y="connsiteY45"/>
+              </a:cxn>
+              <a:cxn ang="0">
+                <a:pos x="connsiteX46" y="connsiteY46"/>
+              </a:cxn>
+              <a:cxn ang="0">
+                <a:pos x="connsiteX47" y="connsiteY47"/>
+              </a:cxn>
+              <a:cxn ang="0">
+                <a:pos x="connsiteX48" y="connsiteY48"/>
+              </a:cxn>
+              <a:cxn ang="0">
+                <a:pos x="connsiteX49" y="connsiteY49"/>
+              </a:cxn>
+              <a:cxn ang="0">
+                <a:pos x="connsiteX50" y="connsiteY50"/>
+              </a:cxn>
+              <a:cxn ang="0">
+                <a:pos x="connsiteX51" y="connsiteY51"/>
+              </a:cxn>
+            </a:cxnLst>
+            <a:rect l="l" t="t" r="r" b="b"/>
+            <a:pathLst>
+              <a:path w="8030690" h="6858000">
+                <a:moveTo>
+                  <a:pt x="1176" y="0"/>
+                </a:moveTo>
+                <a:lnTo>
+                  <a:pt x="1344715" y="0"/>
+                </a:lnTo>
+                <a:lnTo>
+                  <a:pt x="1344715" y="0"/>
+                </a:lnTo>
+                <a:lnTo>
+                  <a:pt x="8030690" y="0"/>
+                </a:lnTo>
+                <a:lnTo>
+                  <a:pt x="8030690" y="6858000"/>
+                </a:lnTo>
+                <a:lnTo>
+                  <a:pt x="477746" y="6858000"/>
+                </a:lnTo>
+                <a:lnTo>
+                  <a:pt x="477746" y="6858000"/>
+                </a:lnTo>
+                <a:lnTo>
+                  <a:pt x="0" y="6858000"/>
+                </a:lnTo>
+                <a:lnTo>
+                  <a:pt x="5883" y="6817538"/>
+                </a:lnTo>
+                <a:lnTo>
+                  <a:pt x="23196" y="6698894"/>
+                </a:lnTo>
+                <a:lnTo>
+                  <a:pt x="35298" y="6612483"/>
+                </a:lnTo>
+                <a:lnTo>
+                  <a:pt x="48073" y="6509613"/>
+                </a:lnTo>
+                <a:lnTo>
+                  <a:pt x="63369" y="6387541"/>
+                </a:lnTo>
+                <a:lnTo>
+                  <a:pt x="79506" y="6252438"/>
+                </a:lnTo>
+                <a:lnTo>
+                  <a:pt x="96483" y="6100191"/>
+                </a:lnTo>
+                <a:lnTo>
+                  <a:pt x="114468" y="5934227"/>
+                </a:lnTo>
+                <a:lnTo>
+                  <a:pt x="132454" y="5753862"/>
+                </a:lnTo>
+                <a:lnTo>
+                  <a:pt x="150775" y="5561838"/>
+                </a:lnTo>
+                <a:lnTo>
+                  <a:pt x="167752" y="5354726"/>
+                </a:lnTo>
+                <a:lnTo>
+                  <a:pt x="184057" y="5138013"/>
+                </a:lnTo>
+                <a:lnTo>
+                  <a:pt x="198849" y="4908956"/>
+                </a:lnTo>
+                <a:lnTo>
+                  <a:pt x="212968" y="4670298"/>
+                </a:lnTo>
+                <a:lnTo>
+                  <a:pt x="226248" y="4421352"/>
+                </a:lnTo>
+                <a:lnTo>
+                  <a:pt x="230954" y="4293793"/>
+                </a:lnTo>
+                <a:lnTo>
+                  <a:pt x="236165" y="4163491"/>
+                </a:lnTo>
+                <a:lnTo>
+                  <a:pt x="241039" y="4031132"/>
+                </a:lnTo>
+                <a:lnTo>
+                  <a:pt x="244233" y="3898087"/>
+                </a:lnTo>
+                <a:lnTo>
+                  <a:pt x="247091" y="3762298"/>
+                </a:lnTo>
+                <a:lnTo>
+                  <a:pt x="250116" y="3625138"/>
+                </a:lnTo>
+                <a:lnTo>
+                  <a:pt x="252133" y="3485235"/>
+                </a:lnTo>
+                <a:lnTo>
+                  <a:pt x="252133" y="3343960"/>
+                </a:lnTo>
+                <a:lnTo>
+                  <a:pt x="253142" y="3201314"/>
+                </a:lnTo>
+                <a:lnTo>
+                  <a:pt x="252133" y="3057296"/>
+                </a:lnTo>
+                <a:lnTo>
+                  <a:pt x="250116" y="2911221"/>
+                </a:lnTo>
+                <a:lnTo>
+                  <a:pt x="248267" y="2765145"/>
+                </a:lnTo>
+                <a:lnTo>
+                  <a:pt x="244233" y="2617013"/>
+                </a:lnTo>
+                <a:lnTo>
+                  <a:pt x="240031" y="2467508"/>
+                </a:lnTo>
+                <a:lnTo>
+                  <a:pt x="235156" y="2318004"/>
+                </a:lnTo>
+                <a:lnTo>
+                  <a:pt x="228265" y="2167128"/>
+                </a:lnTo>
+                <a:lnTo>
+                  <a:pt x="220028" y="2014880"/>
+                </a:lnTo>
+                <a:lnTo>
+                  <a:pt x="212128" y="1861947"/>
+                </a:lnTo>
+                <a:lnTo>
+                  <a:pt x="202043" y="1709013"/>
+                </a:lnTo>
+                <a:lnTo>
+                  <a:pt x="189940" y="1554023"/>
+                </a:lnTo>
+                <a:lnTo>
+                  <a:pt x="177838" y="1401089"/>
+                </a:lnTo>
+                <a:lnTo>
+                  <a:pt x="163886" y="1245413"/>
+                </a:lnTo>
+                <a:lnTo>
+                  <a:pt x="148590" y="1089050"/>
+                </a:lnTo>
+                <a:lnTo>
+                  <a:pt x="132454" y="934745"/>
+                </a:lnTo>
+                <a:lnTo>
+                  <a:pt x="113628" y="778383"/>
+                </a:lnTo>
+                <a:lnTo>
+                  <a:pt x="93457" y="622706"/>
+                </a:lnTo>
+                <a:lnTo>
+                  <a:pt x="73454" y="466344"/>
+                </a:lnTo>
+                <a:lnTo>
+                  <a:pt x="50090" y="310667"/>
+                </a:lnTo>
+                <a:lnTo>
+                  <a:pt x="26222" y="155676"/>
+                </a:lnTo>
+                <a:close/>
+              </a:path>
+            </a:pathLst>
+          </a:custGeom>
+          <a:solidFill>
+            <a:schemeClr val="bg1"/>
+          </a:solidFill>
+          <a:ln>
+            <a:noFill/>
+          </a:ln>
+        </p:spPr>
+        <p:style>
+          <a:lnRef idx="2">
+            <a:schemeClr val="accent1">
+              <a:shade val="50000"/>
+            </a:schemeClr>
+          </a:lnRef>
+          <a:fillRef idx="1">
+            <a:schemeClr val="accent1"/>
+          </a:fillRef>
+          <a:effectRef idx="0">
+            <a:schemeClr val="accent1"/>
+          </a:effectRef>
+          <a:fontRef idx="minor">
+            <a:schemeClr val="lt1"/>
+          </a:fontRef>
+        </p:style>
+        <p:txBody>
+          <a:bodyPr wrap="square" rtlCol="0" anchor="ctr">
+            <a:noAutofit/>
+          </a:bodyPr>
+          <a:lstStyle/>
+          <a:p>
+            <a:pPr algn="ctr"/>
+            <a:endParaRPr lang="en-US"/>
+          </a:p>
+        </p:txBody>
+      </p:sp>
+      <p:sp>
+        <p:nvSpPr>
+          <p:cNvPr id="23" name="Freeform 11">
+            <a:extLst>
+              <a:ext uri="{FF2B5EF4-FFF2-40B4-BE49-F238E27FC236}">
+                <a16:creationId xmlns:a16="http://schemas.microsoft.com/office/drawing/2014/main" id="{BDC58DEA-1307-4F44-AD47-E613D8B76A89}"/>
+              </a:ext>
+              <a:ext uri="{C183D7F6-B498-43B3-948B-1728B52AA6E4}">
+                <adec:decorative xmlns:adec="http://schemas.microsoft.com/office/drawing/2017/decorative" val="1"/>
+              </a:ext>
+            </a:extLst>
+          </p:cNvPr>
+          <p:cNvSpPr>
+            <a:spLocks noGrp="1" noRot="1" noChangeAspect="1" noMove="1" noResize="1" noEditPoints="1" noAdjustHandles="1" noChangeArrowheads="1" noChangeShapeType="1" noTextEdit="1"/>
+          </p:cNvSpPr>
+          <p:nvPr>
+            <p:extLst>
+              <p:ext uri="{386F3935-93C4-4BCD-93E2-E3B085C9AB24}">
+                <p16:designElem xmlns:p16="http://schemas.microsoft.com/office/powerpoint/2015/main" val="1"/>
+              </p:ext>
+            </p:extLst>
+          </p:nvPr>
+        </p:nvSpPr>
+        <p:spPr>
+          <a:xfrm>
+            <a:off x="3948110" y="-1"/>
+            <a:ext cx="559472" cy="3709642"/>
+          </a:xfrm>
+          <a:custGeom>
+            <a:avLst/>
+            <a:gdLst>
+              <a:gd name="connsiteX0" fmla="*/ 0 w 559472"/>
+              <a:gd name="connsiteY0" fmla="*/ 0 h 3709642"/>
+              <a:gd name="connsiteX1" fmla="*/ 473952 w 559472"/>
+              <a:gd name="connsiteY1" fmla="*/ 0 h 3709642"/>
+              <a:gd name="connsiteX2" fmla="*/ 485840 w 559472"/>
+              <a:gd name="connsiteY2" fmla="*/ 161194 h 3709642"/>
+              <a:gd name="connsiteX3" fmla="*/ 523949 w 559472"/>
+              <a:gd name="connsiteY3" fmla="*/ 3672197 h 3709642"/>
+              <a:gd name="connsiteX4" fmla="*/ 454748 w 559472"/>
+              <a:gd name="connsiteY4" fmla="*/ 3709642 h 3709642"/>
+              <a:gd name="connsiteX5" fmla="*/ 448224 w 559472"/>
+              <a:gd name="connsiteY5" fmla="*/ 3510471 h 3709642"/>
+              <a:gd name="connsiteX6" fmla="*/ 443564 w 559472"/>
+              <a:gd name="connsiteY6" fmla="*/ 3408563 h 3709642"/>
+              <a:gd name="connsiteX7" fmla="*/ 438902 w 559472"/>
+              <a:gd name="connsiteY7" fmla="*/ 3304407 h 3709642"/>
+              <a:gd name="connsiteX8" fmla="*/ 433941 w 559472"/>
+              <a:gd name="connsiteY8" fmla="*/ 3198777 h 3709642"/>
+              <a:gd name="connsiteX9" fmla="*/ 427584 w 559472"/>
+              <a:gd name="connsiteY9" fmla="*/ 3092510 h 3709642"/>
+              <a:gd name="connsiteX10" fmla="*/ 420988 w 559472"/>
+              <a:gd name="connsiteY10" fmla="*/ 2984390 h 3709642"/>
+              <a:gd name="connsiteX11" fmla="*/ 414330 w 559472"/>
+              <a:gd name="connsiteY11" fmla="*/ 2874401 h 3709642"/>
+              <a:gd name="connsiteX12" fmla="*/ 406840 w 559472"/>
+              <a:gd name="connsiteY12" fmla="*/ 2762980 h 3709642"/>
+              <a:gd name="connsiteX13" fmla="*/ 397745 w 559472"/>
+              <a:gd name="connsiteY13" fmla="*/ 2650566 h 3709642"/>
+              <a:gd name="connsiteX14" fmla="*/ 389154 w 559472"/>
+              <a:gd name="connsiteY14" fmla="*/ 2536612 h 3709642"/>
+              <a:gd name="connsiteX15" fmla="*/ 379225 w 559472"/>
+              <a:gd name="connsiteY15" fmla="*/ 2421642 h 3709642"/>
+              <a:gd name="connsiteX16" fmla="*/ 368316 w 559472"/>
+              <a:gd name="connsiteY16" fmla="*/ 2305627 h 3709642"/>
+              <a:gd name="connsiteX17" fmla="*/ 357466 w 559472"/>
+              <a:gd name="connsiteY17" fmla="*/ 2189233 h 3709642"/>
+              <a:gd name="connsiteX18" fmla="*/ 344982 w 559472"/>
+              <a:gd name="connsiteY18" fmla="*/ 2071473 h 3709642"/>
+              <a:gd name="connsiteX19" fmla="*/ 332466 w 559472"/>
+              <a:gd name="connsiteY19" fmla="*/ 1952216 h 3709642"/>
+              <a:gd name="connsiteX20" fmla="*/ 319121 w 559472"/>
+              <a:gd name="connsiteY20" fmla="*/ 1833776 h 3709642"/>
+              <a:gd name="connsiteX21" fmla="*/ 304408 w 559472"/>
+              <a:gd name="connsiteY21" fmla="*/ 1713948 h 3709642"/>
+              <a:gd name="connsiteX22" fmla="*/ 288685 w 559472"/>
+              <a:gd name="connsiteY22" fmla="*/ 1592703 h 3709642"/>
+              <a:gd name="connsiteX23" fmla="*/ 273050 w 559472"/>
+              <a:gd name="connsiteY23" fmla="*/ 1471451 h 3709642"/>
+              <a:gd name="connsiteX24" fmla="*/ 255813 w 559472"/>
+              <a:gd name="connsiteY24" fmla="*/ 1350328 h 3709642"/>
+              <a:gd name="connsiteX25" fmla="*/ 237060 w 559472"/>
+              <a:gd name="connsiteY25" fmla="*/ 1227080 h 3709642"/>
+              <a:gd name="connsiteX26" fmla="*/ 218488 w 559472"/>
+              <a:gd name="connsiteY26" fmla="*/ 1106065 h 3709642"/>
+              <a:gd name="connsiteX27" fmla="*/ 198221 w 559472"/>
+              <a:gd name="connsiteY27" fmla="*/ 982940 h 3709642"/>
+              <a:gd name="connsiteX28" fmla="*/ 177152 w 559472"/>
+              <a:gd name="connsiteY28" fmla="*/ 858755 h 3709642"/>
+              <a:gd name="connsiteX29" fmla="*/ 155551 w 559472"/>
+              <a:gd name="connsiteY29" fmla="*/ 736861 h 3709642"/>
+              <a:gd name="connsiteX30" fmla="*/ 131782 w 559472"/>
+              <a:gd name="connsiteY30" fmla="*/ 613645 h 3709642"/>
+              <a:gd name="connsiteX31" fmla="*/ 107123 w 559472"/>
+              <a:gd name="connsiteY31" fmla="*/ 490500 h 3709642"/>
+              <a:gd name="connsiteX32" fmla="*/ 82552 w 559472"/>
+              <a:gd name="connsiteY32" fmla="*/ 367348 h 3709642"/>
+              <a:gd name="connsiteX33" fmla="*/ 55608 w 559472"/>
+              <a:gd name="connsiteY33" fmla="*/ 244762 h 3709642"/>
+              <a:gd name="connsiteX34" fmla="*/ 28130 w 559472"/>
+              <a:gd name="connsiteY34" fmla="*/ 122220 h 3709642"/>
+              <a:gd name="connsiteX35" fmla="*/ 0 w 559472"/>
+              <a:gd name="connsiteY35" fmla="*/ 0 h 3709642"/>
+            </a:gdLst>
+            <a:ahLst/>
+            <a:cxnLst>
+              <a:cxn ang="0">
+                <a:pos x="connsiteX0" y="connsiteY0"/>
+              </a:cxn>
+              <a:cxn ang="0">
+                <a:pos x="connsiteX1" y="connsiteY1"/>
+              </a:cxn>
+              <a:cxn ang="0">
+                <a:pos x="connsiteX2" y="connsiteY2"/>
+              </a:cxn>
+              <a:cxn ang="0">
+                <a:pos x="connsiteX3" y="connsiteY3"/>
+              </a:cxn>
+              <a:cxn ang="0">
+                <a:pos x="connsiteX4" y="connsiteY4"/>
+              </a:cxn>
+              <a:cxn ang="0">
+                <a:pos x="connsiteX5" y="connsiteY5"/>
+              </a:cxn>
+              <a:cxn ang="0">
+                <a:pos x="connsiteX6" y="connsiteY6"/>
+              </a:cxn>
+              <a:cxn ang="0">
+                <a:pos x="connsiteX7" y="connsiteY7"/>
+              </a:cxn>
+              <a:cxn ang="0">
+                <a:pos x="connsiteX8" y="connsiteY8"/>
+              </a:cxn>
+              <a:cxn ang="0">
+                <a:pos x="connsiteX9" y="connsiteY9"/>
+              </a:cxn>
+              <a:cxn ang="0">
+                <a:pos x="connsiteX10" y="connsiteY10"/>
+              </a:cxn>
+              <a:cxn ang="0">
+                <a:pos x="connsiteX11" y="connsiteY11"/>
+              </a:cxn>
+              <a:cxn ang="0">
+                <a:pos x="connsiteX12" y="connsiteY12"/>
+              </a:cxn>
+              <a:cxn ang="0">
+                <a:pos x="connsiteX13" y="connsiteY13"/>
+              </a:cxn>
+              <a:cxn ang="0">
+                <a:pos x="connsiteX14" y="connsiteY14"/>
+              </a:cxn>
+              <a:cxn ang="0">
+                <a:pos x="connsiteX15" y="connsiteY15"/>
+              </a:cxn>
+              <a:cxn ang="0">
+                <a:pos x="connsiteX16" y="connsiteY16"/>
+              </a:cxn>
+              <a:cxn ang="0">
+                <a:pos x="connsiteX17" y="connsiteY17"/>
+              </a:cxn>
+              <a:cxn ang="0">
+                <a:pos x="connsiteX18" y="connsiteY18"/>
+              </a:cxn>
+              <a:cxn ang="0">
+                <a:pos x="connsiteX19" y="connsiteY19"/>
+              </a:cxn>
+              <a:cxn ang="0">
+                <a:pos x="connsiteX20" y="connsiteY20"/>
+              </a:cxn>
+              <a:cxn ang="0">
+                <a:pos x="connsiteX21" y="connsiteY21"/>
+              </a:cxn>
+              <a:cxn ang="0">
+                <a:pos x="connsiteX22" y="connsiteY22"/>
+              </a:cxn>
+              <a:cxn ang="0">
+                <a:pos x="connsiteX23" y="connsiteY23"/>
+              </a:cxn>
+              <a:cxn ang="0">
+                <a:pos x="connsiteX24" y="connsiteY24"/>
+              </a:cxn>
+              <a:cxn ang="0">
+                <a:pos x="connsiteX25" y="connsiteY25"/>
+              </a:cxn>
+              <a:cxn ang="0">
+                <a:pos x="connsiteX26" y="connsiteY26"/>
+              </a:cxn>
+              <a:cxn ang="0">
+                <a:pos x="connsiteX27" y="connsiteY27"/>
+              </a:cxn>
+              <a:cxn ang="0">
+                <a:pos x="connsiteX28" y="connsiteY28"/>
+              </a:cxn>
+              <a:cxn ang="0">
+                <a:pos x="connsiteX29" y="connsiteY29"/>
+              </a:cxn>
+              <a:cxn ang="0">
+                <a:pos x="connsiteX30" y="connsiteY30"/>
+              </a:cxn>
+              <a:cxn ang="0">
+                <a:pos x="connsiteX31" y="connsiteY31"/>
+              </a:cxn>
+              <a:cxn ang="0">
+                <a:pos x="connsiteX32" y="connsiteY32"/>
+              </a:cxn>
+              <a:cxn ang="0">
+                <a:pos x="connsiteX33" y="connsiteY33"/>
+              </a:cxn>
+              <a:cxn ang="0">
+                <a:pos x="connsiteX34" y="connsiteY34"/>
+              </a:cxn>
+              <a:cxn ang="0">
+                <a:pos x="connsiteX35" y="connsiteY35"/>
+              </a:cxn>
+            </a:cxnLst>
+            <a:rect l="l" t="t" r="r" b="b"/>
+            <a:pathLst>
+              <a:path w="559472" h="3709642">
+                <a:moveTo>
+                  <a:pt x="0" y="0"/>
+                </a:moveTo>
+                <a:lnTo>
+                  <a:pt x="473952" y="0"/>
+                </a:lnTo>
+                <a:lnTo>
+                  <a:pt x="485840" y="161194"/>
+                </a:lnTo>
+                <a:cubicBezTo>
+                  <a:pt x="552063" y="1147770"/>
+                  <a:pt x="592441" y="3086737"/>
+                  <a:pt x="523949" y="3672197"/>
+                </a:cubicBezTo>
+                <a:cubicBezTo>
+                  <a:pt x="500842" y="3684557"/>
+                  <a:pt x="477855" y="3697282"/>
+                  <a:pt x="454748" y="3709642"/>
+                </a:cubicBezTo>
+                <a:lnTo>
+                  <a:pt x="448224" y="3510471"/>
+                </a:lnTo>
+                <a:lnTo>
+                  <a:pt x="443564" y="3408563"/>
+                </a:lnTo>
+                <a:lnTo>
+                  <a:pt x="438902" y="3304407"/>
+                </a:lnTo>
+                <a:lnTo>
+                  <a:pt x="433941" y="3198777"/>
+                </a:lnTo>
+                <a:lnTo>
+                  <a:pt x="427584" y="3092510"/>
+                </a:lnTo>
+                <a:lnTo>
+                  <a:pt x="420988" y="2984390"/>
+                </a:lnTo>
+                <a:lnTo>
+                  <a:pt x="414330" y="2874401"/>
+                </a:lnTo>
+                <a:lnTo>
+                  <a:pt x="406840" y="2762980"/>
+                </a:lnTo>
+                <a:lnTo>
+                  <a:pt x="397745" y="2650566"/>
+                </a:lnTo>
+                <a:lnTo>
+                  <a:pt x="389154" y="2536612"/>
+                </a:lnTo>
+                <a:lnTo>
+                  <a:pt x="379225" y="2421642"/>
+                </a:lnTo>
+                <a:lnTo>
+                  <a:pt x="368316" y="2305627"/>
+                </a:lnTo>
+                <a:lnTo>
+                  <a:pt x="357466" y="2189233"/>
+                </a:lnTo>
+                <a:lnTo>
+                  <a:pt x="344982" y="2071473"/>
+                </a:lnTo>
+                <a:lnTo>
+                  <a:pt x="332466" y="1952216"/>
+                </a:lnTo>
+                <a:lnTo>
+                  <a:pt x="319121" y="1833776"/>
+                </a:lnTo>
+                <a:lnTo>
+                  <a:pt x="304408" y="1713948"/>
+                </a:lnTo>
+                <a:lnTo>
+                  <a:pt x="288685" y="1592703"/>
+                </a:lnTo>
+                <a:lnTo>
+                  <a:pt x="273050" y="1471451"/>
+                </a:lnTo>
+                <a:lnTo>
+                  <a:pt x="255813" y="1350328"/>
+                </a:lnTo>
+                <a:lnTo>
+                  <a:pt x="237060" y="1227080"/>
+                </a:lnTo>
+                <a:lnTo>
+                  <a:pt x="218488" y="1106065"/>
+                </a:lnTo>
+                <a:lnTo>
+                  <a:pt x="198221" y="982940"/>
+                </a:lnTo>
+                <a:lnTo>
+                  <a:pt x="177152" y="858755"/>
+                </a:lnTo>
+                <a:lnTo>
+                  <a:pt x="155551" y="736861"/>
+                </a:lnTo>
+                <a:lnTo>
+                  <a:pt x="131782" y="613645"/>
+                </a:lnTo>
+                <a:lnTo>
+                  <a:pt x="107123" y="490500"/>
+                </a:lnTo>
+                <a:lnTo>
+                  <a:pt x="82552" y="367348"/>
+                </a:lnTo>
+                <a:lnTo>
+                  <a:pt x="55608" y="244762"/>
+                </a:lnTo>
+                <a:lnTo>
+                  <a:pt x="28130" y="122220"/>
+                </a:lnTo>
+                <a:lnTo>
+                  <a:pt x="0" y="0"/>
+                </a:lnTo>
+                <a:close/>
+              </a:path>
+            </a:pathLst>
+          </a:custGeom>
+          <a:solidFill>
+            <a:schemeClr val="bg1">
+              <a:alpha val="20000"/>
+            </a:schemeClr>
+          </a:solidFill>
+          <a:ln>
+            <a:noFill/>
+          </a:ln>
+        </p:spPr>
+        <p:txBody>
+          <a:bodyPr rtlCol="0" anchor="ctr"/>
+          <a:lstStyle/>
+          <a:p>
+            <a:pPr algn="ctr"/>
+            <a:endParaRPr lang="en-US"/>
+          </a:p>
+        </p:txBody>
+      </p:sp>
+      <p:sp>
+        <p:nvSpPr>
+          <p:cNvPr id="24" name="Rectangle 21">
+            <a:extLst>
+              <a:ext uri="{FF2B5EF4-FFF2-40B4-BE49-F238E27FC236}">
+                <a16:creationId xmlns:a16="http://schemas.microsoft.com/office/drawing/2014/main" id="{C99B912D-1E4B-42AF-A2BE-CFEFEC916EE7}"/>
+              </a:ext>
+              <a:ext uri="{C183D7F6-B498-43B3-948B-1728B52AA6E4}">
+                <adec:decorative xmlns:adec="http://schemas.microsoft.com/office/drawing/2017/decorative" val="1"/>
+              </a:ext>
+            </a:extLst>
+          </p:cNvPr>
+          <p:cNvSpPr>
+            <a:spLocks noGrp="1" noRot="1" noChangeAspect="1" noMove="1" noResize="1" noEditPoints="1" noAdjustHandles="1" noChangeArrowheads="1" noChangeShapeType="1" noTextEdit="1"/>
+          </p:cNvSpPr>
+          <p:nvPr>
+            <p:extLst>
+              <p:ext uri="{386F3935-93C4-4BCD-93E2-E3B085C9AB24}">
+                <p16:designElem xmlns:p16="http://schemas.microsoft.com/office/powerpoint/2015/main" val="1"/>
+              </p:ext>
+            </p:extLst>
+          </p:nvPr>
+        </p:nvSpPr>
+        <p:spPr>
+          <a:xfrm>
+            <a:off x="10437812" y="0"/>
+            <a:ext cx="685800" cy="1143000"/>
+          </a:xfrm>
+          <a:prstGeom prst="rect">
+            <a:avLst/>
+          </a:prstGeom>
+          <a:solidFill>
+            <a:schemeClr val="accent1"/>
+          </a:solidFill>
+          <a:ln>
+            <a:noFill/>
+          </a:ln>
+        </p:spPr>
+        <p:style>
+          <a:lnRef idx="1">
+            <a:schemeClr val="accent1"/>
+          </a:lnRef>
+          <a:fillRef idx="3">
+            <a:schemeClr val="accent1"/>
+          </a:fillRef>
+          <a:effectRef idx="2">
+            <a:schemeClr val="accent1"/>
+          </a:effectRef>
+          <a:fontRef idx="minor">
+            <a:schemeClr val="lt1"/>
+          </a:fontRef>
+        </p:style>
+      </p:sp>
+      <p:graphicFrame>
+        <p:nvGraphicFramePr>
+          <p:cNvPr id="11" name="Symbol zastępczy zawartości 2">
+            <a:extLst>
+              <a:ext uri="{FF2B5EF4-FFF2-40B4-BE49-F238E27FC236}">
+                <a16:creationId xmlns:a16="http://schemas.microsoft.com/office/drawing/2014/main" id="{4F43CCD2-97DE-43CE-99A5-EC4189A90D8F}"/>
+              </a:ext>
+            </a:extLst>
+          </p:cNvPr>
+          <p:cNvGraphicFramePr>
+            <a:graphicFrameLocks noGrp="1"/>
+          </p:cNvGraphicFramePr>
+          <p:nvPr>
+            <p:ph idx="1"/>
+            <p:extLst>
+              <p:ext uri="{D42A27DB-BD31-4B8C-83A1-F6EECF244321}">
+                <p14:modId xmlns:p14="http://schemas.microsoft.com/office/powerpoint/2010/main" val="2046158295"/>
+              </p:ext>
+            </p:extLst>
+          </p:nvPr>
+        </p:nvGraphicFramePr>
+        <p:xfrm>
+          <a:off x="5048250" y="1447800"/>
+          <a:ext cx="6496050" cy="4572000"/>
+        </p:xfrm>
+        <a:graphic>
+          <a:graphicData uri="http://schemas.openxmlformats.org/drawingml/2006/diagram">
+            <dgm:relIds xmlns:dgm="http://schemas.openxmlformats.org/drawingml/2006/diagram" xmlns:r="http://schemas.openxmlformats.org/officeDocument/2006/relationships" r:dm="rId2" r:lo="rId3" r:qs="rId4" r:cs="rId5"/>
+          </a:graphicData>
+        </a:graphic>
+      </p:graphicFrame>
+      <p:sp>
+        <p:nvSpPr>
+          <p:cNvPr id="4" name="Symbol zastępczy numeru slajdu 3">
+            <a:extLst>
+              <a:ext uri="{FF2B5EF4-FFF2-40B4-BE49-F238E27FC236}">
+                <a16:creationId xmlns:a16="http://schemas.microsoft.com/office/drawing/2014/main" id="{95674DAC-8DA4-47D8-B9F4-F0F417271A2A}"/>
+              </a:ext>
+            </a:extLst>
+          </p:cNvPr>
+          <p:cNvSpPr>
+            <a:spLocks noGrp="1"/>
+          </p:cNvSpPr>
+          <p:nvPr>
+            <p:ph type="sldNum" sz="quarter" idx="12"/>
+          </p:nvPr>
+        </p:nvSpPr>
+        <p:spPr/>
+        <p:txBody>
+          <a:bodyPr/>
+          <a:lstStyle/>
+          <a:p>
+            <a:fld id="{D57F1E4F-1CFF-5643-939E-02111984F565}" type="slidenum">
+              <a:rPr lang="en-US" smtClean="0"/>
+              <a:t>1</a:t>
+            </a:fld>
+            <a:endParaRPr lang="en-US"/>
+          </a:p>
+        </p:txBody>
+      </p:sp>
+    </p:spTree>
+    <p:extLst>
+      <p:ext uri="{BB962C8B-B14F-4D97-AF65-F5344CB8AC3E}">
+        <p14:creationId xmlns:p14="http://schemas.microsoft.com/office/powerpoint/2010/main" val="868090817"/>
+      </p:ext>
+    </p:extLst>
+  </p:cSld>
+  <p:clrMapOvr>
+    <a:overrideClrMapping bg1="lt1" tx1="dk1" bg2="lt2" tx2="dk2" accent1="accent1" accent2="accent2" accent3="accent3" accent4="accent4" accent5="accent5" accent6="accent6" hlink="hlink" folHlink="folHlink"/>
+  </p:clrMapOvr>
+</p:sld>
+</file>
+
+<file path=ppt/slides/slide20.xml><?xml version="1.0" encoding="utf-8"?>
 <p:sld xmlns:a="http://schemas.openxmlformats.org/drawingml/2006/main" xmlns:r="http://schemas.openxmlformats.org/officeDocument/2006/relationships" xmlns:p="http://schemas.openxmlformats.org/presentationml/2006/main">
   <p:cSld>
     <p:bg>
@@ -20864,10 +22778,10 @@
       </p:sp>
       <p:sp>
         <p:nvSpPr>
-          <p:cNvPr id="2" name="Slide Number Placeholder 1">
+          <p:cNvPr id="4" name="Symbol zastępczy numeru slajdu 3">
             <a:extLst>
               <a:ext uri="{FF2B5EF4-FFF2-40B4-BE49-F238E27FC236}">
-                <a16:creationId xmlns:a16="http://schemas.microsoft.com/office/drawing/2014/main" id="{93ECB137-B000-46E8-9632-6268BE804494}"/>
+                <a16:creationId xmlns:a16="http://schemas.microsoft.com/office/drawing/2014/main" id="{7103FB35-A832-4077-B24A-8BE7A7848991}"/>
               </a:ext>
             </a:extLst>
           </p:cNvPr>
@@ -20885,7 +22799,7 @@
           <a:p>
             <a:fld id="{D57F1E4F-1CFF-5643-939E-02111984F565}" type="slidenum">
               <a:rPr lang="en-US" smtClean="0"/>
-              <a:t>17</a:t>
+              <a:t>19</a:t>
             </a:fld>
             <a:endParaRPr lang="en-US"/>
           </a:p>
@@ -20904,7 +22818,7 @@
 </p:sld>
 </file>
 
-<file path=ppt/slides/slide19.xml><?xml version="1.0" encoding="utf-8"?>
+<file path=ppt/slides/slide21.xml><?xml version="1.0" encoding="utf-8"?>
 <p:sld xmlns:a="http://schemas.openxmlformats.org/drawingml/2006/main" xmlns:r="http://schemas.openxmlformats.org/officeDocument/2006/relationships" xmlns:p="http://schemas.openxmlformats.org/presentationml/2006/main">
   <p:cSld>
     <p:bg>
@@ -22237,10 +24151,10 @@
       </p:sp>
       <p:sp>
         <p:nvSpPr>
-          <p:cNvPr id="4" name="Slide Number Placeholder 3">
+          <p:cNvPr id="5" name="Symbol zastępczy numeru slajdu 4">
             <a:extLst>
               <a:ext uri="{FF2B5EF4-FFF2-40B4-BE49-F238E27FC236}">
-                <a16:creationId xmlns:a16="http://schemas.microsoft.com/office/drawing/2014/main" id="{977FDC73-CEF5-49FC-BC51-B07CC95D3AB8}"/>
+                <a16:creationId xmlns:a16="http://schemas.microsoft.com/office/drawing/2014/main" id="{D0154E55-7DEA-47A5-8981-EB41F1917F44}"/>
               </a:ext>
             </a:extLst>
           </p:cNvPr>
@@ -22258,7 +24172,7 @@
           <a:p>
             <a:fld id="{D57F1E4F-1CFF-5643-939E-02111984F565}" type="slidenum">
               <a:rPr lang="en-US" smtClean="0"/>
-              <a:t>18</a:t>
+              <a:t>20</a:t>
             </a:fld>
             <a:endParaRPr lang="en-US"/>
           </a:p>
@@ -22277,1106 +24191,7 @@
 </p:sld>
 </file>
 
-<file path=ppt/slides/slide2.xml><?xml version="1.0" encoding="utf-8"?>
-<p:sld xmlns:a="http://schemas.openxmlformats.org/drawingml/2006/main" xmlns:r="http://schemas.openxmlformats.org/officeDocument/2006/relationships" xmlns:p="http://schemas.openxmlformats.org/presentationml/2006/main">
-  <p:cSld>
-    <p:bg>
-      <p:bgPr>
-        <a:solidFill>
-          <a:schemeClr val="bg1"/>
-        </a:solidFill>
-        <a:effectLst/>
-      </p:bgPr>
-    </p:bg>
-    <p:spTree>
-      <p:nvGrpSpPr>
-        <p:cNvPr id="1" name=""/>
-        <p:cNvGrpSpPr/>
-        <p:nvPr/>
-      </p:nvGrpSpPr>
-      <p:grpSpPr>
-        <a:xfrm>
-          <a:off x="0" y="0"/>
-          <a:ext cx="0" cy="0"/>
-          <a:chOff x="0" y="0"/>
-          <a:chExt cx="0" cy="0"/>
-        </a:xfrm>
-      </p:grpSpPr>
-      <p:sp>
-        <p:nvSpPr>
-          <p:cNvPr id="19" name="Rectangle 15">
-            <a:extLst>
-              <a:ext uri="{FF2B5EF4-FFF2-40B4-BE49-F238E27FC236}">
-                <a16:creationId xmlns:a16="http://schemas.microsoft.com/office/drawing/2014/main" id="{4E78424C-6FD0-41F8-9CAA-5DC19C42359F}"/>
-              </a:ext>
-              <a:ext uri="{C183D7F6-B498-43B3-948B-1728B52AA6E4}">
-                <adec:decorative xmlns:adec="http://schemas.microsoft.com/office/drawing/2017/decorative" val="1"/>
-              </a:ext>
-            </a:extLst>
-          </p:cNvPr>
-          <p:cNvSpPr>
-            <a:spLocks noGrp="1" noRot="1" noChangeAspect="1" noMove="1" noResize="1" noEditPoints="1" noAdjustHandles="1" noChangeArrowheads="1" noChangeShapeType="1" noTextEdit="1"/>
-          </p:cNvSpPr>
-          <p:nvPr>
-            <p:extLst>
-              <p:ext uri="{386F3935-93C4-4BCD-93E2-E3B085C9AB24}">
-                <p16:designElem xmlns:p16="http://schemas.microsoft.com/office/powerpoint/2015/main" val="1"/>
-              </p:ext>
-            </p:extLst>
-          </p:nvPr>
-        </p:nvSpPr>
-        <p:spPr>
-          <a:xfrm>
-            <a:off x="0" y="-1"/>
-            <a:ext cx="12192000" cy="6858001"/>
-          </a:xfrm>
-          <a:prstGeom prst="rect">
-            <a:avLst/>
-          </a:prstGeom>
-          <a:ln>
-            <a:noFill/>
-          </a:ln>
-        </p:spPr>
-        <p:style>
-          <a:lnRef idx="2">
-            <a:schemeClr val="accent1">
-              <a:shade val="50000"/>
-            </a:schemeClr>
-          </a:lnRef>
-          <a:fillRef idx="1003">
-            <a:schemeClr val="dk2"/>
-          </a:fillRef>
-          <a:effectRef idx="0">
-            <a:schemeClr val="accent1"/>
-          </a:effectRef>
-          <a:fontRef idx="minor">
-            <a:schemeClr val="lt1"/>
-          </a:fontRef>
-        </p:style>
-        <p:txBody>
-          <a:bodyPr rtlCol="0" anchor="ctr"/>
-          <a:lstStyle/>
-          <a:p>
-            <a:pPr algn="ctr"/>
-            <a:endParaRPr lang="en-US"/>
-          </a:p>
-        </p:txBody>
-      </p:sp>
-      <p:sp>
-        <p:nvSpPr>
-          <p:cNvPr id="2" name="Tytuł 1">
-            <a:extLst>
-              <a:ext uri="{FF2B5EF4-FFF2-40B4-BE49-F238E27FC236}">
-                <a16:creationId xmlns:a16="http://schemas.microsoft.com/office/drawing/2014/main" id="{F576E1C7-7457-4559-A3E7-4C36FE50F365}"/>
-              </a:ext>
-            </a:extLst>
-          </p:cNvPr>
-          <p:cNvSpPr>
-            <a:spLocks noGrp="1"/>
-          </p:cNvSpPr>
-          <p:nvPr>
-            <p:ph type="title"/>
-          </p:nvPr>
-        </p:nvSpPr>
-        <p:spPr>
-          <a:xfrm>
-            <a:off x="647700" y="1423641"/>
-            <a:ext cx="3108626" cy="4572000"/>
-          </a:xfrm>
-        </p:spPr>
-        <p:txBody>
-          <a:bodyPr anchor="ctr">
-            <a:normAutofit/>
-          </a:bodyPr>
-          <a:lstStyle/>
-          <a:p>
-            <a:r>
-              <a:rPr lang="en-GB" sz="4400" dirty="0">
-                <a:solidFill>
-                  <a:srgbClr val="F2F2F2"/>
-                </a:solidFill>
-              </a:rPr>
-              <a:t>Roadmap</a:t>
-            </a:r>
-            <a:endParaRPr lang="pl-PL" sz="4400" dirty="0">
-              <a:solidFill>
-                <a:srgbClr val="F2F2F2"/>
-              </a:solidFill>
-            </a:endParaRPr>
-          </a:p>
-        </p:txBody>
-      </p:sp>
-      <p:sp>
-        <p:nvSpPr>
-          <p:cNvPr id="21" name="Freeform: Shape 17">
-            <a:extLst>
-              <a:ext uri="{FF2B5EF4-FFF2-40B4-BE49-F238E27FC236}">
-                <a16:creationId xmlns:a16="http://schemas.microsoft.com/office/drawing/2014/main" id="{DD136760-57DC-4301-8BEA-B71AD2D13905}"/>
-              </a:ext>
-              <a:ext uri="{C183D7F6-B498-43B3-948B-1728B52AA6E4}">
-                <adec:decorative xmlns:adec="http://schemas.microsoft.com/office/drawing/2017/decorative" val="1"/>
-              </a:ext>
-            </a:extLst>
-          </p:cNvPr>
-          <p:cNvSpPr>
-            <a:spLocks noGrp="1" noRot="1" noChangeAspect="1" noMove="1" noResize="1" noEditPoints="1" noAdjustHandles="1" noChangeArrowheads="1" noChangeShapeType="1" noTextEdit="1"/>
-          </p:cNvSpPr>
-          <p:nvPr>
-            <p:extLst>
-              <p:ext uri="{386F3935-93C4-4BCD-93E2-E3B085C9AB24}">
-                <p16:designElem xmlns:p16="http://schemas.microsoft.com/office/powerpoint/2015/main" val="1"/>
-              </p:ext>
-            </p:extLst>
-          </p:nvPr>
-        </p:nvSpPr>
-        <p:spPr>
-          <a:xfrm>
-            <a:off x="4161310" y="0"/>
-            <a:ext cx="8030690" cy="6858000"/>
-          </a:xfrm>
-          <a:custGeom>
-            <a:avLst/>
-            <a:gdLst>
-              <a:gd name="connsiteX0" fmla="*/ 1176 w 8030690"/>
-              <a:gd name="connsiteY0" fmla="*/ 0 h 6858000"/>
-              <a:gd name="connsiteX1" fmla="*/ 1344715 w 8030690"/>
-              <a:gd name="connsiteY1" fmla="*/ 0 h 6858000"/>
-              <a:gd name="connsiteX2" fmla="*/ 1344715 w 8030690"/>
-              <a:gd name="connsiteY2" fmla="*/ 0 h 6858000"/>
-              <a:gd name="connsiteX3" fmla="*/ 8030690 w 8030690"/>
-              <a:gd name="connsiteY3" fmla="*/ 0 h 6858000"/>
-              <a:gd name="connsiteX4" fmla="*/ 8030690 w 8030690"/>
-              <a:gd name="connsiteY4" fmla="*/ 6858000 h 6858000"/>
-              <a:gd name="connsiteX5" fmla="*/ 477746 w 8030690"/>
-              <a:gd name="connsiteY5" fmla="*/ 6858000 h 6858000"/>
-              <a:gd name="connsiteX6" fmla="*/ 477746 w 8030690"/>
-              <a:gd name="connsiteY6" fmla="*/ 6858000 h 6858000"/>
-              <a:gd name="connsiteX7" fmla="*/ 0 w 8030690"/>
-              <a:gd name="connsiteY7" fmla="*/ 6858000 h 6858000"/>
-              <a:gd name="connsiteX8" fmla="*/ 5883 w 8030690"/>
-              <a:gd name="connsiteY8" fmla="*/ 6817538 h 6858000"/>
-              <a:gd name="connsiteX9" fmla="*/ 23196 w 8030690"/>
-              <a:gd name="connsiteY9" fmla="*/ 6698894 h 6858000"/>
-              <a:gd name="connsiteX10" fmla="*/ 35298 w 8030690"/>
-              <a:gd name="connsiteY10" fmla="*/ 6612483 h 6858000"/>
-              <a:gd name="connsiteX11" fmla="*/ 48073 w 8030690"/>
-              <a:gd name="connsiteY11" fmla="*/ 6509613 h 6858000"/>
-              <a:gd name="connsiteX12" fmla="*/ 63369 w 8030690"/>
-              <a:gd name="connsiteY12" fmla="*/ 6387541 h 6858000"/>
-              <a:gd name="connsiteX13" fmla="*/ 79506 w 8030690"/>
-              <a:gd name="connsiteY13" fmla="*/ 6252438 h 6858000"/>
-              <a:gd name="connsiteX14" fmla="*/ 96483 w 8030690"/>
-              <a:gd name="connsiteY14" fmla="*/ 6100191 h 6858000"/>
-              <a:gd name="connsiteX15" fmla="*/ 114468 w 8030690"/>
-              <a:gd name="connsiteY15" fmla="*/ 5934227 h 6858000"/>
-              <a:gd name="connsiteX16" fmla="*/ 132454 w 8030690"/>
-              <a:gd name="connsiteY16" fmla="*/ 5753862 h 6858000"/>
-              <a:gd name="connsiteX17" fmla="*/ 150775 w 8030690"/>
-              <a:gd name="connsiteY17" fmla="*/ 5561838 h 6858000"/>
-              <a:gd name="connsiteX18" fmla="*/ 167752 w 8030690"/>
-              <a:gd name="connsiteY18" fmla="*/ 5354726 h 6858000"/>
-              <a:gd name="connsiteX19" fmla="*/ 184057 w 8030690"/>
-              <a:gd name="connsiteY19" fmla="*/ 5138013 h 6858000"/>
-              <a:gd name="connsiteX20" fmla="*/ 198849 w 8030690"/>
-              <a:gd name="connsiteY20" fmla="*/ 4908956 h 6858000"/>
-              <a:gd name="connsiteX21" fmla="*/ 212968 w 8030690"/>
-              <a:gd name="connsiteY21" fmla="*/ 4670298 h 6858000"/>
-              <a:gd name="connsiteX22" fmla="*/ 226248 w 8030690"/>
-              <a:gd name="connsiteY22" fmla="*/ 4421352 h 6858000"/>
-              <a:gd name="connsiteX23" fmla="*/ 230954 w 8030690"/>
-              <a:gd name="connsiteY23" fmla="*/ 4293793 h 6858000"/>
-              <a:gd name="connsiteX24" fmla="*/ 236165 w 8030690"/>
-              <a:gd name="connsiteY24" fmla="*/ 4163491 h 6858000"/>
-              <a:gd name="connsiteX25" fmla="*/ 241039 w 8030690"/>
-              <a:gd name="connsiteY25" fmla="*/ 4031132 h 6858000"/>
-              <a:gd name="connsiteX26" fmla="*/ 244233 w 8030690"/>
-              <a:gd name="connsiteY26" fmla="*/ 3898087 h 6858000"/>
-              <a:gd name="connsiteX27" fmla="*/ 247091 w 8030690"/>
-              <a:gd name="connsiteY27" fmla="*/ 3762298 h 6858000"/>
-              <a:gd name="connsiteX28" fmla="*/ 250116 w 8030690"/>
-              <a:gd name="connsiteY28" fmla="*/ 3625138 h 6858000"/>
-              <a:gd name="connsiteX29" fmla="*/ 252133 w 8030690"/>
-              <a:gd name="connsiteY29" fmla="*/ 3485235 h 6858000"/>
-              <a:gd name="connsiteX30" fmla="*/ 252133 w 8030690"/>
-              <a:gd name="connsiteY30" fmla="*/ 3343960 h 6858000"/>
-              <a:gd name="connsiteX31" fmla="*/ 253142 w 8030690"/>
-              <a:gd name="connsiteY31" fmla="*/ 3201314 h 6858000"/>
-              <a:gd name="connsiteX32" fmla="*/ 252133 w 8030690"/>
-              <a:gd name="connsiteY32" fmla="*/ 3057296 h 6858000"/>
-              <a:gd name="connsiteX33" fmla="*/ 250116 w 8030690"/>
-              <a:gd name="connsiteY33" fmla="*/ 2911221 h 6858000"/>
-              <a:gd name="connsiteX34" fmla="*/ 248267 w 8030690"/>
-              <a:gd name="connsiteY34" fmla="*/ 2765145 h 6858000"/>
-              <a:gd name="connsiteX35" fmla="*/ 244233 w 8030690"/>
-              <a:gd name="connsiteY35" fmla="*/ 2617013 h 6858000"/>
-              <a:gd name="connsiteX36" fmla="*/ 240031 w 8030690"/>
-              <a:gd name="connsiteY36" fmla="*/ 2467508 h 6858000"/>
-              <a:gd name="connsiteX37" fmla="*/ 235156 w 8030690"/>
-              <a:gd name="connsiteY37" fmla="*/ 2318004 h 6858000"/>
-              <a:gd name="connsiteX38" fmla="*/ 228265 w 8030690"/>
-              <a:gd name="connsiteY38" fmla="*/ 2167128 h 6858000"/>
-              <a:gd name="connsiteX39" fmla="*/ 220028 w 8030690"/>
-              <a:gd name="connsiteY39" fmla="*/ 2014880 h 6858000"/>
-              <a:gd name="connsiteX40" fmla="*/ 212128 w 8030690"/>
-              <a:gd name="connsiteY40" fmla="*/ 1861947 h 6858000"/>
-              <a:gd name="connsiteX41" fmla="*/ 202043 w 8030690"/>
-              <a:gd name="connsiteY41" fmla="*/ 1709013 h 6858000"/>
-              <a:gd name="connsiteX42" fmla="*/ 189940 w 8030690"/>
-              <a:gd name="connsiteY42" fmla="*/ 1554023 h 6858000"/>
-              <a:gd name="connsiteX43" fmla="*/ 177838 w 8030690"/>
-              <a:gd name="connsiteY43" fmla="*/ 1401089 h 6858000"/>
-              <a:gd name="connsiteX44" fmla="*/ 163886 w 8030690"/>
-              <a:gd name="connsiteY44" fmla="*/ 1245413 h 6858000"/>
-              <a:gd name="connsiteX45" fmla="*/ 148590 w 8030690"/>
-              <a:gd name="connsiteY45" fmla="*/ 1089050 h 6858000"/>
-              <a:gd name="connsiteX46" fmla="*/ 132454 w 8030690"/>
-              <a:gd name="connsiteY46" fmla="*/ 934745 h 6858000"/>
-              <a:gd name="connsiteX47" fmla="*/ 113628 w 8030690"/>
-              <a:gd name="connsiteY47" fmla="*/ 778383 h 6858000"/>
-              <a:gd name="connsiteX48" fmla="*/ 93457 w 8030690"/>
-              <a:gd name="connsiteY48" fmla="*/ 622706 h 6858000"/>
-              <a:gd name="connsiteX49" fmla="*/ 73454 w 8030690"/>
-              <a:gd name="connsiteY49" fmla="*/ 466344 h 6858000"/>
-              <a:gd name="connsiteX50" fmla="*/ 50090 w 8030690"/>
-              <a:gd name="connsiteY50" fmla="*/ 310667 h 6858000"/>
-              <a:gd name="connsiteX51" fmla="*/ 26222 w 8030690"/>
-              <a:gd name="connsiteY51" fmla="*/ 155676 h 6858000"/>
-            </a:gdLst>
-            <a:ahLst/>
-            <a:cxnLst>
-              <a:cxn ang="0">
-                <a:pos x="connsiteX0" y="connsiteY0"/>
-              </a:cxn>
-              <a:cxn ang="0">
-                <a:pos x="connsiteX1" y="connsiteY1"/>
-              </a:cxn>
-              <a:cxn ang="0">
-                <a:pos x="connsiteX2" y="connsiteY2"/>
-              </a:cxn>
-              <a:cxn ang="0">
-                <a:pos x="connsiteX3" y="connsiteY3"/>
-              </a:cxn>
-              <a:cxn ang="0">
-                <a:pos x="connsiteX4" y="connsiteY4"/>
-              </a:cxn>
-              <a:cxn ang="0">
-                <a:pos x="connsiteX5" y="connsiteY5"/>
-              </a:cxn>
-              <a:cxn ang="0">
-                <a:pos x="connsiteX6" y="connsiteY6"/>
-              </a:cxn>
-              <a:cxn ang="0">
-                <a:pos x="connsiteX7" y="connsiteY7"/>
-              </a:cxn>
-              <a:cxn ang="0">
-                <a:pos x="connsiteX8" y="connsiteY8"/>
-              </a:cxn>
-              <a:cxn ang="0">
-                <a:pos x="connsiteX9" y="connsiteY9"/>
-              </a:cxn>
-              <a:cxn ang="0">
-                <a:pos x="connsiteX10" y="connsiteY10"/>
-              </a:cxn>
-              <a:cxn ang="0">
-                <a:pos x="connsiteX11" y="connsiteY11"/>
-              </a:cxn>
-              <a:cxn ang="0">
-                <a:pos x="connsiteX12" y="connsiteY12"/>
-              </a:cxn>
-              <a:cxn ang="0">
-                <a:pos x="connsiteX13" y="connsiteY13"/>
-              </a:cxn>
-              <a:cxn ang="0">
-                <a:pos x="connsiteX14" y="connsiteY14"/>
-              </a:cxn>
-              <a:cxn ang="0">
-                <a:pos x="connsiteX15" y="connsiteY15"/>
-              </a:cxn>
-              <a:cxn ang="0">
-                <a:pos x="connsiteX16" y="connsiteY16"/>
-              </a:cxn>
-              <a:cxn ang="0">
-                <a:pos x="connsiteX17" y="connsiteY17"/>
-              </a:cxn>
-              <a:cxn ang="0">
-                <a:pos x="connsiteX18" y="connsiteY18"/>
-              </a:cxn>
-              <a:cxn ang="0">
-                <a:pos x="connsiteX19" y="connsiteY19"/>
-              </a:cxn>
-              <a:cxn ang="0">
-                <a:pos x="connsiteX20" y="connsiteY20"/>
-              </a:cxn>
-              <a:cxn ang="0">
-                <a:pos x="connsiteX21" y="connsiteY21"/>
-              </a:cxn>
-              <a:cxn ang="0">
-                <a:pos x="connsiteX22" y="connsiteY22"/>
-              </a:cxn>
-              <a:cxn ang="0">
-                <a:pos x="connsiteX23" y="connsiteY23"/>
-              </a:cxn>
-              <a:cxn ang="0">
-                <a:pos x="connsiteX24" y="connsiteY24"/>
-              </a:cxn>
-              <a:cxn ang="0">
-                <a:pos x="connsiteX25" y="connsiteY25"/>
-              </a:cxn>
-              <a:cxn ang="0">
-                <a:pos x="connsiteX26" y="connsiteY26"/>
-              </a:cxn>
-              <a:cxn ang="0">
-                <a:pos x="connsiteX27" y="connsiteY27"/>
-              </a:cxn>
-              <a:cxn ang="0">
-                <a:pos x="connsiteX28" y="connsiteY28"/>
-              </a:cxn>
-              <a:cxn ang="0">
-                <a:pos x="connsiteX29" y="connsiteY29"/>
-              </a:cxn>
-              <a:cxn ang="0">
-                <a:pos x="connsiteX30" y="connsiteY30"/>
-              </a:cxn>
-              <a:cxn ang="0">
-                <a:pos x="connsiteX31" y="connsiteY31"/>
-              </a:cxn>
-              <a:cxn ang="0">
-                <a:pos x="connsiteX32" y="connsiteY32"/>
-              </a:cxn>
-              <a:cxn ang="0">
-                <a:pos x="connsiteX33" y="connsiteY33"/>
-              </a:cxn>
-              <a:cxn ang="0">
-                <a:pos x="connsiteX34" y="connsiteY34"/>
-              </a:cxn>
-              <a:cxn ang="0">
-                <a:pos x="connsiteX35" y="connsiteY35"/>
-              </a:cxn>
-              <a:cxn ang="0">
-                <a:pos x="connsiteX36" y="connsiteY36"/>
-              </a:cxn>
-              <a:cxn ang="0">
-                <a:pos x="connsiteX37" y="connsiteY37"/>
-              </a:cxn>
-              <a:cxn ang="0">
-                <a:pos x="connsiteX38" y="connsiteY38"/>
-              </a:cxn>
-              <a:cxn ang="0">
-                <a:pos x="connsiteX39" y="connsiteY39"/>
-              </a:cxn>
-              <a:cxn ang="0">
-                <a:pos x="connsiteX40" y="connsiteY40"/>
-              </a:cxn>
-              <a:cxn ang="0">
-                <a:pos x="connsiteX41" y="connsiteY41"/>
-              </a:cxn>
-              <a:cxn ang="0">
-                <a:pos x="connsiteX42" y="connsiteY42"/>
-              </a:cxn>
-              <a:cxn ang="0">
-                <a:pos x="connsiteX43" y="connsiteY43"/>
-              </a:cxn>
-              <a:cxn ang="0">
-                <a:pos x="connsiteX44" y="connsiteY44"/>
-              </a:cxn>
-              <a:cxn ang="0">
-                <a:pos x="connsiteX45" y="connsiteY45"/>
-              </a:cxn>
-              <a:cxn ang="0">
-                <a:pos x="connsiteX46" y="connsiteY46"/>
-              </a:cxn>
-              <a:cxn ang="0">
-                <a:pos x="connsiteX47" y="connsiteY47"/>
-              </a:cxn>
-              <a:cxn ang="0">
-                <a:pos x="connsiteX48" y="connsiteY48"/>
-              </a:cxn>
-              <a:cxn ang="0">
-                <a:pos x="connsiteX49" y="connsiteY49"/>
-              </a:cxn>
-              <a:cxn ang="0">
-                <a:pos x="connsiteX50" y="connsiteY50"/>
-              </a:cxn>
-              <a:cxn ang="0">
-                <a:pos x="connsiteX51" y="connsiteY51"/>
-              </a:cxn>
-            </a:cxnLst>
-            <a:rect l="l" t="t" r="r" b="b"/>
-            <a:pathLst>
-              <a:path w="8030690" h="6858000">
-                <a:moveTo>
-                  <a:pt x="1176" y="0"/>
-                </a:moveTo>
-                <a:lnTo>
-                  <a:pt x="1344715" y="0"/>
-                </a:lnTo>
-                <a:lnTo>
-                  <a:pt x="1344715" y="0"/>
-                </a:lnTo>
-                <a:lnTo>
-                  <a:pt x="8030690" y="0"/>
-                </a:lnTo>
-                <a:lnTo>
-                  <a:pt x="8030690" y="6858000"/>
-                </a:lnTo>
-                <a:lnTo>
-                  <a:pt x="477746" y="6858000"/>
-                </a:lnTo>
-                <a:lnTo>
-                  <a:pt x="477746" y="6858000"/>
-                </a:lnTo>
-                <a:lnTo>
-                  <a:pt x="0" y="6858000"/>
-                </a:lnTo>
-                <a:lnTo>
-                  <a:pt x="5883" y="6817538"/>
-                </a:lnTo>
-                <a:lnTo>
-                  <a:pt x="23196" y="6698894"/>
-                </a:lnTo>
-                <a:lnTo>
-                  <a:pt x="35298" y="6612483"/>
-                </a:lnTo>
-                <a:lnTo>
-                  <a:pt x="48073" y="6509613"/>
-                </a:lnTo>
-                <a:lnTo>
-                  <a:pt x="63369" y="6387541"/>
-                </a:lnTo>
-                <a:lnTo>
-                  <a:pt x="79506" y="6252438"/>
-                </a:lnTo>
-                <a:lnTo>
-                  <a:pt x="96483" y="6100191"/>
-                </a:lnTo>
-                <a:lnTo>
-                  <a:pt x="114468" y="5934227"/>
-                </a:lnTo>
-                <a:lnTo>
-                  <a:pt x="132454" y="5753862"/>
-                </a:lnTo>
-                <a:lnTo>
-                  <a:pt x="150775" y="5561838"/>
-                </a:lnTo>
-                <a:lnTo>
-                  <a:pt x="167752" y="5354726"/>
-                </a:lnTo>
-                <a:lnTo>
-                  <a:pt x="184057" y="5138013"/>
-                </a:lnTo>
-                <a:lnTo>
-                  <a:pt x="198849" y="4908956"/>
-                </a:lnTo>
-                <a:lnTo>
-                  <a:pt x="212968" y="4670298"/>
-                </a:lnTo>
-                <a:lnTo>
-                  <a:pt x="226248" y="4421352"/>
-                </a:lnTo>
-                <a:lnTo>
-                  <a:pt x="230954" y="4293793"/>
-                </a:lnTo>
-                <a:lnTo>
-                  <a:pt x="236165" y="4163491"/>
-                </a:lnTo>
-                <a:lnTo>
-                  <a:pt x="241039" y="4031132"/>
-                </a:lnTo>
-                <a:lnTo>
-                  <a:pt x="244233" y="3898087"/>
-                </a:lnTo>
-                <a:lnTo>
-                  <a:pt x="247091" y="3762298"/>
-                </a:lnTo>
-                <a:lnTo>
-                  <a:pt x="250116" y="3625138"/>
-                </a:lnTo>
-                <a:lnTo>
-                  <a:pt x="252133" y="3485235"/>
-                </a:lnTo>
-                <a:lnTo>
-                  <a:pt x="252133" y="3343960"/>
-                </a:lnTo>
-                <a:lnTo>
-                  <a:pt x="253142" y="3201314"/>
-                </a:lnTo>
-                <a:lnTo>
-                  <a:pt x="252133" y="3057296"/>
-                </a:lnTo>
-                <a:lnTo>
-                  <a:pt x="250116" y="2911221"/>
-                </a:lnTo>
-                <a:lnTo>
-                  <a:pt x="248267" y="2765145"/>
-                </a:lnTo>
-                <a:lnTo>
-                  <a:pt x="244233" y="2617013"/>
-                </a:lnTo>
-                <a:lnTo>
-                  <a:pt x="240031" y="2467508"/>
-                </a:lnTo>
-                <a:lnTo>
-                  <a:pt x="235156" y="2318004"/>
-                </a:lnTo>
-                <a:lnTo>
-                  <a:pt x="228265" y="2167128"/>
-                </a:lnTo>
-                <a:lnTo>
-                  <a:pt x="220028" y="2014880"/>
-                </a:lnTo>
-                <a:lnTo>
-                  <a:pt x="212128" y="1861947"/>
-                </a:lnTo>
-                <a:lnTo>
-                  <a:pt x="202043" y="1709013"/>
-                </a:lnTo>
-                <a:lnTo>
-                  <a:pt x="189940" y="1554023"/>
-                </a:lnTo>
-                <a:lnTo>
-                  <a:pt x="177838" y="1401089"/>
-                </a:lnTo>
-                <a:lnTo>
-                  <a:pt x="163886" y="1245413"/>
-                </a:lnTo>
-                <a:lnTo>
-                  <a:pt x="148590" y="1089050"/>
-                </a:lnTo>
-                <a:lnTo>
-                  <a:pt x="132454" y="934745"/>
-                </a:lnTo>
-                <a:lnTo>
-                  <a:pt x="113628" y="778383"/>
-                </a:lnTo>
-                <a:lnTo>
-                  <a:pt x="93457" y="622706"/>
-                </a:lnTo>
-                <a:lnTo>
-                  <a:pt x="73454" y="466344"/>
-                </a:lnTo>
-                <a:lnTo>
-                  <a:pt x="50090" y="310667"/>
-                </a:lnTo>
-                <a:lnTo>
-                  <a:pt x="26222" y="155676"/>
-                </a:lnTo>
-                <a:close/>
-              </a:path>
-            </a:pathLst>
-          </a:custGeom>
-          <a:solidFill>
-            <a:schemeClr val="bg1"/>
-          </a:solidFill>
-          <a:ln>
-            <a:noFill/>
-          </a:ln>
-        </p:spPr>
-        <p:style>
-          <a:lnRef idx="2">
-            <a:schemeClr val="accent1">
-              <a:shade val="50000"/>
-            </a:schemeClr>
-          </a:lnRef>
-          <a:fillRef idx="1">
-            <a:schemeClr val="accent1"/>
-          </a:fillRef>
-          <a:effectRef idx="0">
-            <a:schemeClr val="accent1"/>
-          </a:effectRef>
-          <a:fontRef idx="minor">
-            <a:schemeClr val="lt1"/>
-          </a:fontRef>
-        </p:style>
-        <p:txBody>
-          <a:bodyPr wrap="square" rtlCol="0" anchor="ctr">
-            <a:noAutofit/>
-          </a:bodyPr>
-          <a:lstStyle/>
-          <a:p>
-            <a:pPr algn="ctr"/>
-            <a:endParaRPr lang="en-US"/>
-          </a:p>
-        </p:txBody>
-      </p:sp>
-      <p:sp>
-        <p:nvSpPr>
-          <p:cNvPr id="23" name="Freeform 11">
-            <a:extLst>
-              <a:ext uri="{FF2B5EF4-FFF2-40B4-BE49-F238E27FC236}">
-                <a16:creationId xmlns:a16="http://schemas.microsoft.com/office/drawing/2014/main" id="{BDC58DEA-1307-4F44-AD47-E613D8B76A89}"/>
-              </a:ext>
-              <a:ext uri="{C183D7F6-B498-43B3-948B-1728B52AA6E4}">
-                <adec:decorative xmlns:adec="http://schemas.microsoft.com/office/drawing/2017/decorative" val="1"/>
-              </a:ext>
-            </a:extLst>
-          </p:cNvPr>
-          <p:cNvSpPr>
-            <a:spLocks noGrp="1" noRot="1" noChangeAspect="1" noMove="1" noResize="1" noEditPoints="1" noAdjustHandles="1" noChangeArrowheads="1" noChangeShapeType="1" noTextEdit="1"/>
-          </p:cNvSpPr>
-          <p:nvPr>
-            <p:extLst>
-              <p:ext uri="{386F3935-93C4-4BCD-93E2-E3B085C9AB24}">
-                <p16:designElem xmlns:p16="http://schemas.microsoft.com/office/powerpoint/2015/main" val="1"/>
-              </p:ext>
-            </p:extLst>
-          </p:nvPr>
-        </p:nvSpPr>
-        <p:spPr>
-          <a:xfrm>
-            <a:off x="3948110" y="-1"/>
-            <a:ext cx="559472" cy="3709642"/>
-          </a:xfrm>
-          <a:custGeom>
-            <a:avLst/>
-            <a:gdLst>
-              <a:gd name="connsiteX0" fmla="*/ 0 w 559472"/>
-              <a:gd name="connsiteY0" fmla="*/ 0 h 3709642"/>
-              <a:gd name="connsiteX1" fmla="*/ 473952 w 559472"/>
-              <a:gd name="connsiteY1" fmla="*/ 0 h 3709642"/>
-              <a:gd name="connsiteX2" fmla="*/ 485840 w 559472"/>
-              <a:gd name="connsiteY2" fmla="*/ 161194 h 3709642"/>
-              <a:gd name="connsiteX3" fmla="*/ 523949 w 559472"/>
-              <a:gd name="connsiteY3" fmla="*/ 3672197 h 3709642"/>
-              <a:gd name="connsiteX4" fmla="*/ 454748 w 559472"/>
-              <a:gd name="connsiteY4" fmla="*/ 3709642 h 3709642"/>
-              <a:gd name="connsiteX5" fmla="*/ 448224 w 559472"/>
-              <a:gd name="connsiteY5" fmla="*/ 3510471 h 3709642"/>
-              <a:gd name="connsiteX6" fmla="*/ 443564 w 559472"/>
-              <a:gd name="connsiteY6" fmla="*/ 3408563 h 3709642"/>
-              <a:gd name="connsiteX7" fmla="*/ 438902 w 559472"/>
-              <a:gd name="connsiteY7" fmla="*/ 3304407 h 3709642"/>
-              <a:gd name="connsiteX8" fmla="*/ 433941 w 559472"/>
-              <a:gd name="connsiteY8" fmla="*/ 3198777 h 3709642"/>
-              <a:gd name="connsiteX9" fmla="*/ 427584 w 559472"/>
-              <a:gd name="connsiteY9" fmla="*/ 3092510 h 3709642"/>
-              <a:gd name="connsiteX10" fmla="*/ 420988 w 559472"/>
-              <a:gd name="connsiteY10" fmla="*/ 2984390 h 3709642"/>
-              <a:gd name="connsiteX11" fmla="*/ 414330 w 559472"/>
-              <a:gd name="connsiteY11" fmla="*/ 2874401 h 3709642"/>
-              <a:gd name="connsiteX12" fmla="*/ 406840 w 559472"/>
-              <a:gd name="connsiteY12" fmla="*/ 2762980 h 3709642"/>
-              <a:gd name="connsiteX13" fmla="*/ 397745 w 559472"/>
-              <a:gd name="connsiteY13" fmla="*/ 2650566 h 3709642"/>
-              <a:gd name="connsiteX14" fmla="*/ 389154 w 559472"/>
-              <a:gd name="connsiteY14" fmla="*/ 2536612 h 3709642"/>
-              <a:gd name="connsiteX15" fmla="*/ 379225 w 559472"/>
-              <a:gd name="connsiteY15" fmla="*/ 2421642 h 3709642"/>
-              <a:gd name="connsiteX16" fmla="*/ 368316 w 559472"/>
-              <a:gd name="connsiteY16" fmla="*/ 2305627 h 3709642"/>
-              <a:gd name="connsiteX17" fmla="*/ 357466 w 559472"/>
-              <a:gd name="connsiteY17" fmla="*/ 2189233 h 3709642"/>
-              <a:gd name="connsiteX18" fmla="*/ 344982 w 559472"/>
-              <a:gd name="connsiteY18" fmla="*/ 2071473 h 3709642"/>
-              <a:gd name="connsiteX19" fmla="*/ 332466 w 559472"/>
-              <a:gd name="connsiteY19" fmla="*/ 1952216 h 3709642"/>
-              <a:gd name="connsiteX20" fmla="*/ 319121 w 559472"/>
-              <a:gd name="connsiteY20" fmla="*/ 1833776 h 3709642"/>
-              <a:gd name="connsiteX21" fmla="*/ 304408 w 559472"/>
-              <a:gd name="connsiteY21" fmla="*/ 1713948 h 3709642"/>
-              <a:gd name="connsiteX22" fmla="*/ 288685 w 559472"/>
-              <a:gd name="connsiteY22" fmla="*/ 1592703 h 3709642"/>
-              <a:gd name="connsiteX23" fmla="*/ 273050 w 559472"/>
-              <a:gd name="connsiteY23" fmla="*/ 1471451 h 3709642"/>
-              <a:gd name="connsiteX24" fmla="*/ 255813 w 559472"/>
-              <a:gd name="connsiteY24" fmla="*/ 1350328 h 3709642"/>
-              <a:gd name="connsiteX25" fmla="*/ 237060 w 559472"/>
-              <a:gd name="connsiteY25" fmla="*/ 1227080 h 3709642"/>
-              <a:gd name="connsiteX26" fmla="*/ 218488 w 559472"/>
-              <a:gd name="connsiteY26" fmla="*/ 1106065 h 3709642"/>
-              <a:gd name="connsiteX27" fmla="*/ 198221 w 559472"/>
-              <a:gd name="connsiteY27" fmla="*/ 982940 h 3709642"/>
-              <a:gd name="connsiteX28" fmla="*/ 177152 w 559472"/>
-              <a:gd name="connsiteY28" fmla="*/ 858755 h 3709642"/>
-              <a:gd name="connsiteX29" fmla="*/ 155551 w 559472"/>
-              <a:gd name="connsiteY29" fmla="*/ 736861 h 3709642"/>
-              <a:gd name="connsiteX30" fmla="*/ 131782 w 559472"/>
-              <a:gd name="connsiteY30" fmla="*/ 613645 h 3709642"/>
-              <a:gd name="connsiteX31" fmla="*/ 107123 w 559472"/>
-              <a:gd name="connsiteY31" fmla="*/ 490500 h 3709642"/>
-              <a:gd name="connsiteX32" fmla="*/ 82552 w 559472"/>
-              <a:gd name="connsiteY32" fmla="*/ 367348 h 3709642"/>
-              <a:gd name="connsiteX33" fmla="*/ 55608 w 559472"/>
-              <a:gd name="connsiteY33" fmla="*/ 244762 h 3709642"/>
-              <a:gd name="connsiteX34" fmla="*/ 28130 w 559472"/>
-              <a:gd name="connsiteY34" fmla="*/ 122220 h 3709642"/>
-              <a:gd name="connsiteX35" fmla="*/ 0 w 559472"/>
-              <a:gd name="connsiteY35" fmla="*/ 0 h 3709642"/>
-            </a:gdLst>
-            <a:ahLst/>
-            <a:cxnLst>
-              <a:cxn ang="0">
-                <a:pos x="connsiteX0" y="connsiteY0"/>
-              </a:cxn>
-              <a:cxn ang="0">
-                <a:pos x="connsiteX1" y="connsiteY1"/>
-              </a:cxn>
-              <a:cxn ang="0">
-                <a:pos x="connsiteX2" y="connsiteY2"/>
-              </a:cxn>
-              <a:cxn ang="0">
-                <a:pos x="connsiteX3" y="connsiteY3"/>
-              </a:cxn>
-              <a:cxn ang="0">
-                <a:pos x="connsiteX4" y="connsiteY4"/>
-              </a:cxn>
-              <a:cxn ang="0">
-                <a:pos x="connsiteX5" y="connsiteY5"/>
-              </a:cxn>
-              <a:cxn ang="0">
-                <a:pos x="connsiteX6" y="connsiteY6"/>
-              </a:cxn>
-              <a:cxn ang="0">
-                <a:pos x="connsiteX7" y="connsiteY7"/>
-              </a:cxn>
-              <a:cxn ang="0">
-                <a:pos x="connsiteX8" y="connsiteY8"/>
-              </a:cxn>
-              <a:cxn ang="0">
-                <a:pos x="connsiteX9" y="connsiteY9"/>
-              </a:cxn>
-              <a:cxn ang="0">
-                <a:pos x="connsiteX10" y="connsiteY10"/>
-              </a:cxn>
-              <a:cxn ang="0">
-                <a:pos x="connsiteX11" y="connsiteY11"/>
-              </a:cxn>
-              <a:cxn ang="0">
-                <a:pos x="connsiteX12" y="connsiteY12"/>
-              </a:cxn>
-              <a:cxn ang="0">
-                <a:pos x="connsiteX13" y="connsiteY13"/>
-              </a:cxn>
-              <a:cxn ang="0">
-                <a:pos x="connsiteX14" y="connsiteY14"/>
-              </a:cxn>
-              <a:cxn ang="0">
-                <a:pos x="connsiteX15" y="connsiteY15"/>
-              </a:cxn>
-              <a:cxn ang="0">
-                <a:pos x="connsiteX16" y="connsiteY16"/>
-              </a:cxn>
-              <a:cxn ang="0">
-                <a:pos x="connsiteX17" y="connsiteY17"/>
-              </a:cxn>
-              <a:cxn ang="0">
-                <a:pos x="connsiteX18" y="connsiteY18"/>
-              </a:cxn>
-              <a:cxn ang="0">
-                <a:pos x="connsiteX19" y="connsiteY19"/>
-              </a:cxn>
-              <a:cxn ang="0">
-                <a:pos x="connsiteX20" y="connsiteY20"/>
-              </a:cxn>
-              <a:cxn ang="0">
-                <a:pos x="connsiteX21" y="connsiteY21"/>
-              </a:cxn>
-              <a:cxn ang="0">
-                <a:pos x="connsiteX22" y="connsiteY22"/>
-              </a:cxn>
-              <a:cxn ang="0">
-                <a:pos x="connsiteX23" y="connsiteY23"/>
-              </a:cxn>
-              <a:cxn ang="0">
-                <a:pos x="connsiteX24" y="connsiteY24"/>
-              </a:cxn>
-              <a:cxn ang="0">
-                <a:pos x="connsiteX25" y="connsiteY25"/>
-              </a:cxn>
-              <a:cxn ang="0">
-                <a:pos x="connsiteX26" y="connsiteY26"/>
-              </a:cxn>
-              <a:cxn ang="0">
-                <a:pos x="connsiteX27" y="connsiteY27"/>
-              </a:cxn>
-              <a:cxn ang="0">
-                <a:pos x="connsiteX28" y="connsiteY28"/>
-              </a:cxn>
-              <a:cxn ang="0">
-                <a:pos x="connsiteX29" y="connsiteY29"/>
-              </a:cxn>
-              <a:cxn ang="0">
-                <a:pos x="connsiteX30" y="connsiteY30"/>
-              </a:cxn>
-              <a:cxn ang="0">
-                <a:pos x="connsiteX31" y="connsiteY31"/>
-              </a:cxn>
-              <a:cxn ang="0">
-                <a:pos x="connsiteX32" y="connsiteY32"/>
-              </a:cxn>
-              <a:cxn ang="0">
-                <a:pos x="connsiteX33" y="connsiteY33"/>
-              </a:cxn>
-              <a:cxn ang="0">
-                <a:pos x="connsiteX34" y="connsiteY34"/>
-              </a:cxn>
-              <a:cxn ang="0">
-                <a:pos x="connsiteX35" y="connsiteY35"/>
-              </a:cxn>
-            </a:cxnLst>
-            <a:rect l="l" t="t" r="r" b="b"/>
-            <a:pathLst>
-              <a:path w="559472" h="3709642">
-                <a:moveTo>
-                  <a:pt x="0" y="0"/>
-                </a:moveTo>
-                <a:lnTo>
-                  <a:pt x="473952" y="0"/>
-                </a:lnTo>
-                <a:lnTo>
-                  <a:pt x="485840" y="161194"/>
-                </a:lnTo>
-                <a:cubicBezTo>
-                  <a:pt x="552063" y="1147770"/>
-                  <a:pt x="592441" y="3086737"/>
-                  <a:pt x="523949" y="3672197"/>
-                </a:cubicBezTo>
-                <a:cubicBezTo>
-                  <a:pt x="500842" y="3684557"/>
-                  <a:pt x="477855" y="3697282"/>
-                  <a:pt x="454748" y="3709642"/>
-                </a:cubicBezTo>
-                <a:lnTo>
-                  <a:pt x="448224" y="3510471"/>
-                </a:lnTo>
-                <a:lnTo>
-                  <a:pt x="443564" y="3408563"/>
-                </a:lnTo>
-                <a:lnTo>
-                  <a:pt x="438902" y="3304407"/>
-                </a:lnTo>
-                <a:lnTo>
-                  <a:pt x="433941" y="3198777"/>
-                </a:lnTo>
-                <a:lnTo>
-                  <a:pt x="427584" y="3092510"/>
-                </a:lnTo>
-                <a:lnTo>
-                  <a:pt x="420988" y="2984390"/>
-                </a:lnTo>
-                <a:lnTo>
-                  <a:pt x="414330" y="2874401"/>
-                </a:lnTo>
-                <a:lnTo>
-                  <a:pt x="406840" y="2762980"/>
-                </a:lnTo>
-                <a:lnTo>
-                  <a:pt x="397745" y="2650566"/>
-                </a:lnTo>
-                <a:lnTo>
-                  <a:pt x="389154" y="2536612"/>
-                </a:lnTo>
-                <a:lnTo>
-                  <a:pt x="379225" y="2421642"/>
-                </a:lnTo>
-                <a:lnTo>
-                  <a:pt x="368316" y="2305627"/>
-                </a:lnTo>
-                <a:lnTo>
-                  <a:pt x="357466" y="2189233"/>
-                </a:lnTo>
-                <a:lnTo>
-                  <a:pt x="344982" y="2071473"/>
-                </a:lnTo>
-                <a:lnTo>
-                  <a:pt x="332466" y="1952216"/>
-                </a:lnTo>
-                <a:lnTo>
-                  <a:pt x="319121" y="1833776"/>
-                </a:lnTo>
-                <a:lnTo>
-                  <a:pt x="304408" y="1713948"/>
-                </a:lnTo>
-                <a:lnTo>
-                  <a:pt x="288685" y="1592703"/>
-                </a:lnTo>
-                <a:lnTo>
-                  <a:pt x="273050" y="1471451"/>
-                </a:lnTo>
-                <a:lnTo>
-                  <a:pt x="255813" y="1350328"/>
-                </a:lnTo>
-                <a:lnTo>
-                  <a:pt x="237060" y="1227080"/>
-                </a:lnTo>
-                <a:lnTo>
-                  <a:pt x="218488" y="1106065"/>
-                </a:lnTo>
-                <a:lnTo>
-                  <a:pt x="198221" y="982940"/>
-                </a:lnTo>
-                <a:lnTo>
-                  <a:pt x="177152" y="858755"/>
-                </a:lnTo>
-                <a:lnTo>
-                  <a:pt x="155551" y="736861"/>
-                </a:lnTo>
-                <a:lnTo>
-                  <a:pt x="131782" y="613645"/>
-                </a:lnTo>
-                <a:lnTo>
-                  <a:pt x="107123" y="490500"/>
-                </a:lnTo>
-                <a:lnTo>
-                  <a:pt x="82552" y="367348"/>
-                </a:lnTo>
-                <a:lnTo>
-                  <a:pt x="55608" y="244762"/>
-                </a:lnTo>
-                <a:lnTo>
-                  <a:pt x="28130" y="122220"/>
-                </a:lnTo>
-                <a:lnTo>
-                  <a:pt x="0" y="0"/>
-                </a:lnTo>
-                <a:close/>
-              </a:path>
-            </a:pathLst>
-          </a:custGeom>
-          <a:solidFill>
-            <a:schemeClr val="bg1">
-              <a:alpha val="20000"/>
-            </a:schemeClr>
-          </a:solidFill>
-          <a:ln>
-            <a:noFill/>
-          </a:ln>
-        </p:spPr>
-        <p:txBody>
-          <a:bodyPr rtlCol="0" anchor="ctr"/>
-          <a:lstStyle/>
-          <a:p>
-            <a:pPr algn="ctr"/>
-            <a:endParaRPr lang="en-US"/>
-          </a:p>
-        </p:txBody>
-      </p:sp>
-      <p:sp>
-        <p:nvSpPr>
-          <p:cNvPr id="24" name="Rectangle 21">
-            <a:extLst>
-              <a:ext uri="{FF2B5EF4-FFF2-40B4-BE49-F238E27FC236}">
-                <a16:creationId xmlns:a16="http://schemas.microsoft.com/office/drawing/2014/main" id="{C99B912D-1E4B-42AF-A2BE-CFEFEC916EE7}"/>
-              </a:ext>
-              <a:ext uri="{C183D7F6-B498-43B3-948B-1728B52AA6E4}">
-                <adec:decorative xmlns:adec="http://schemas.microsoft.com/office/drawing/2017/decorative" val="1"/>
-              </a:ext>
-            </a:extLst>
-          </p:cNvPr>
-          <p:cNvSpPr>
-            <a:spLocks noGrp="1" noRot="1" noChangeAspect="1" noMove="1" noResize="1" noEditPoints="1" noAdjustHandles="1" noChangeArrowheads="1" noChangeShapeType="1" noTextEdit="1"/>
-          </p:cNvSpPr>
-          <p:nvPr>
-            <p:extLst>
-              <p:ext uri="{386F3935-93C4-4BCD-93E2-E3B085C9AB24}">
-                <p16:designElem xmlns:p16="http://schemas.microsoft.com/office/powerpoint/2015/main" val="1"/>
-              </p:ext>
-            </p:extLst>
-          </p:nvPr>
-        </p:nvSpPr>
-        <p:spPr>
-          <a:xfrm>
-            <a:off x="10437812" y="0"/>
-            <a:ext cx="685800" cy="1143000"/>
-          </a:xfrm>
-          <a:prstGeom prst="rect">
-            <a:avLst/>
-          </a:prstGeom>
-          <a:solidFill>
-            <a:schemeClr val="accent1"/>
-          </a:solidFill>
-          <a:ln>
-            <a:noFill/>
-          </a:ln>
-        </p:spPr>
-        <p:style>
-          <a:lnRef idx="1">
-            <a:schemeClr val="accent1"/>
-          </a:lnRef>
-          <a:fillRef idx="3">
-            <a:schemeClr val="accent1"/>
-          </a:fillRef>
-          <a:effectRef idx="2">
-            <a:schemeClr val="accent1"/>
-          </a:effectRef>
-          <a:fontRef idx="minor">
-            <a:schemeClr val="lt1"/>
-          </a:fontRef>
-        </p:style>
-      </p:sp>
-      <p:graphicFrame>
-        <p:nvGraphicFramePr>
-          <p:cNvPr id="11" name="Symbol zastępczy zawartości 2">
-            <a:extLst>
-              <a:ext uri="{FF2B5EF4-FFF2-40B4-BE49-F238E27FC236}">
-                <a16:creationId xmlns:a16="http://schemas.microsoft.com/office/drawing/2014/main" id="{4F43CCD2-97DE-43CE-99A5-EC4189A90D8F}"/>
-              </a:ext>
-            </a:extLst>
-          </p:cNvPr>
-          <p:cNvGraphicFramePr>
-            <a:graphicFrameLocks noGrp="1"/>
-          </p:cNvGraphicFramePr>
-          <p:nvPr>
-            <p:ph idx="1"/>
-            <p:extLst>
-              <p:ext uri="{D42A27DB-BD31-4B8C-83A1-F6EECF244321}">
-                <p14:modId xmlns:p14="http://schemas.microsoft.com/office/powerpoint/2010/main" val="1806917455"/>
-              </p:ext>
-            </p:extLst>
-          </p:nvPr>
-        </p:nvGraphicFramePr>
-        <p:xfrm>
-          <a:off x="5048250" y="1447800"/>
-          <a:ext cx="6496050" cy="4572000"/>
-        </p:xfrm>
-        <a:graphic>
-          <a:graphicData uri="http://schemas.openxmlformats.org/drawingml/2006/diagram">
-            <dgm:relIds xmlns:dgm="http://schemas.openxmlformats.org/drawingml/2006/diagram" xmlns:r="http://schemas.openxmlformats.org/officeDocument/2006/relationships" r:dm="rId2" r:lo="rId3" r:qs="rId4" r:cs="rId5"/>
-          </a:graphicData>
-        </a:graphic>
-      </p:graphicFrame>
-      <p:sp>
-        <p:nvSpPr>
-          <p:cNvPr id="3" name="Slide Number Placeholder 2">
-            <a:extLst>
-              <a:ext uri="{FF2B5EF4-FFF2-40B4-BE49-F238E27FC236}">
-                <a16:creationId xmlns:a16="http://schemas.microsoft.com/office/drawing/2014/main" id="{2B94B8B1-129C-4BC7-B436-F10C2EFBCE06}"/>
-              </a:ext>
-            </a:extLst>
-          </p:cNvPr>
-          <p:cNvSpPr>
-            <a:spLocks noGrp="1"/>
-          </p:cNvSpPr>
-          <p:nvPr>
-            <p:ph type="sldNum" sz="quarter" idx="12"/>
-          </p:nvPr>
-        </p:nvSpPr>
-        <p:spPr/>
-        <p:txBody>
-          <a:bodyPr/>
-          <a:lstStyle/>
-          <a:p>
-            <a:fld id="{D57F1E4F-1CFF-5643-939E-02111984F565}" type="slidenum">
-              <a:rPr lang="en-US" smtClean="0"/>
-              <a:t>1</a:t>
-            </a:fld>
-            <a:endParaRPr lang="en-US"/>
-          </a:p>
-        </p:txBody>
-      </p:sp>
-    </p:spTree>
-    <p:extLst>
-      <p:ext uri="{BB962C8B-B14F-4D97-AF65-F5344CB8AC3E}">
-        <p14:creationId xmlns:p14="http://schemas.microsoft.com/office/powerpoint/2010/main" val="868090817"/>
-      </p:ext>
-    </p:extLst>
-  </p:cSld>
-  <p:clrMapOvr>
-    <a:overrideClrMapping bg1="lt1" tx1="dk1" bg2="lt2" tx2="dk2" accent1="accent1" accent2="accent2" accent3="accent3" accent4="accent4" accent5="accent5" accent6="accent6" hlink="hlink" folHlink="folHlink"/>
-  </p:clrMapOvr>
-</p:sld>
-</file>
-
-<file path=ppt/slides/slide20.xml><?xml version="1.0" encoding="utf-8"?>
+<file path=ppt/slides/slide22.xml><?xml version="1.0" encoding="utf-8"?>
 <p:sld xmlns:a="http://schemas.openxmlformats.org/drawingml/2006/main" xmlns:r="http://schemas.openxmlformats.org/officeDocument/2006/relationships" xmlns:p="http://schemas.openxmlformats.org/presentationml/2006/main">
   <p:cSld>
     <p:bg>
@@ -23909,10 +24724,10 @@
       </p:sp>
       <p:sp>
         <p:nvSpPr>
-          <p:cNvPr id="3" name="Slide Number Placeholder 2">
+          <p:cNvPr id="5" name="Symbol zastępczy numeru slajdu 4">
             <a:extLst>
               <a:ext uri="{FF2B5EF4-FFF2-40B4-BE49-F238E27FC236}">
-                <a16:creationId xmlns:a16="http://schemas.microsoft.com/office/drawing/2014/main" id="{0221C597-A7B2-4E86-9497-9F7F3A23964A}"/>
+                <a16:creationId xmlns:a16="http://schemas.microsoft.com/office/drawing/2014/main" id="{AD4C805A-C603-4857-B2A7-AFDBD4ECE149}"/>
               </a:ext>
             </a:extLst>
           </p:cNvPr>
@@ -23930,7 +24745,7 @@
           <a:p>
             <a:fld id="{D57F1E4F-1CFF-5643-939E-02111984F565}" type="slidenum">
               <a:rPr lang="en-US" smtClean="0"/>
-              <a:t>19</a:t>
+              <a:t>21</a:t>
             </a:fld>
             <a:endParaRPr lang="en-US"/>
           </a:p>
@@ -23949,7 +24764,7 @@
 </p:sld>
 </file>
 
-<file path=ppt/slides/slide21.xml><?xml version="1.0" encoding="utf-8"?>
+<file path=ppt/slides/slide23.xml><?xml version="1.0" encoding="utf-8"?>
 <p:sld xmlns:a="http://schemas.openxmlformats.org/drawingml/2006/main" xmlns:r="http://schemas.openxmlformats.org/officeDocument/2006/relationships" xmlns:p="http://schemas.openxmlformats.org/presentationml/2006/main">
   <p:cSld>
     <p:bg>
@@ -25063,7 +25878,7 @@
 </p:sld>
 </file>
 
-<file path=ppt/slides/slide22.xml><?xml version="1.0" encoding="utf-8"?>
+<file path=ppt/slides/slide24.xml><?xml version="1.0" encoding="utf-8"?>
 <p:sld xmlns:a="http://schemas.openxmlformats.org/drawingml/2006/main" xmlns:r="http://schemas.openxmlformats.org/officeDocument/2006/relationships" xmlns:p="http://schemas.openxmlformats.org/presentationml/2006/main">
   <p:cSld>
     <p:spTree>
@@ -25207,10 +26022,10 @@
       </p:sp>
       <p:sp>
         <p:nvSpPr>
-          <p:cNvPr id="4" name="Slide Number Placeholder 3">
+          <p:cNvPr id="5" name="Symbol zastępczy numeru slajdu 4">
             <a:extLst>
               <a:ext uri="{FF2B5EF4-FFF2-40B4-BE49-F238E27FC236}">
-                <a16:creationId xmlns:a16="http://schemas.microsoft.com/office/drawing/2014/main" id="{6BB48615-78A2-4939-950F-2D0EA51D2825}"/>
+                <a16:creationId xmlns:a16="http://schemas.microsoft.com/office/drawing/2014/main" id="{67825DD8-315E-46CE-B49D-F595C950D89C}"/>
               </a:ext>
             </a:extLst>
           </p:cNvPr>
@@ -25228,7 +26043,7 @@
           <a:p>
             <a:fld id="{D57F1E4F-1CFF-5643-939E-02111984F565}" type="slidenum">
               <a:rPr lang="en-US" smtClean="0"/>
-              <a:t>21</a:t>
+              <a:t>23</a:t>
             </a:fld>
             <a:endParaRPr lang="en-US"/>
           </a:p>
@@ -25269,7 +26084,7 @@
           <p:cNvPr id="2" name="Tytuł 1">
             <a:extLst>
               <a:ext uri="{FF2B5EF4-FFF2-40B4-BE49-F238E27FC236}">
-                <a16:creationId xmlns:a16="http://schemas.microsoft.com/office/drawing/2014/main" id="{B911F9B1-74A6-4871-B319-BEBF732302BC}"/>
+                <a16:creationId xmlns:a16="http://schemas.microsoft.com/office/drawing/2014/main" id="{FD5E8C7A-34CC-48F1-95A7-22EC3D482B95}"/>
               </a:ext>
             </a:extLst>
           </p:cNvPr>
@@ -25282,77 +26097,57 @@
         </p:nvSpPr>
         <p:spPr>
           <a:xfrm>
-            <a:off x="621068" y="981073"/>
-            <a:ext cx="3339281" cy="4670498"/>
+            <a:off x="806195" y="804672"/>
+            <a:ext cx="3521359" cy="5248656"/>
           </a:xfrm>
         </p:spPr>
         <p:txBody>
-          <a:bodyPr vert="horz" lIns="91440" tIns="45720" rIns="91440" bIns="45720" rtlCol="0" anchor="b">
-            <a:normAutofit fontScale="90000"/>
+          <a:bodyPr anchor="ctr">
+            <a:normAutofit/>
           </a:bodyPr>
           <a:lstStyle/>
           <a:p>
-            <a:pPr>
-              <a:lnSpc>
-                <a:spcPct val="90000"/>
-              </a:lnSpc>
-            </a:pPr>
-            <a:r>
-              <a:rPr lang="pl-PL" sz="4800" dirty="0" err="1"/>
-              <a:t>Our</a:t>
-            </a:r>
-            <a:r>
-              <a:rPr lang="pl-PL" sz="4800" dirty="0"/>
+            <a:pPr algn="ctr"/>
+            <a:r>
+              <a:rPr lang="pl-PL" sz="4200" err="1"/>
+              <a:t>What</a:t>
+            </a:r>
+            <a:r>
+              <a:rPr lang="pl-PL" sz="4200"/>
               <a:t> </a:t>
             </a:r>
             <a:r>
-              <a:rPr lang="pl-PL" sz="4800" dirty="0" err="1"/>
-              <a:t>goals</a:t>
-            </a:r>
-            <a:r>
-              <a:rPr lang="pl-PL" sz="4800" dirty="0"/>
-              <a:t> and </a:t>
-            </a:r>
-            <a:r>
-              <a:rPr lang="pl-PL" sz="4800" dirty="0" err="1"/>
-              <a:t>motivations</a:t>
-            </a:r>
-            <a:br>
-              <a:rPr lang="pl-PL" sz="4800" dirty="0"/>
-            </a:br>
-            <a:br>
-              <a:rPr lang="en-US" sz="4700" dirty="0"/>
-            </a:br>
-            <a:br>
-              <a:rPr lang="en-US" sz="4700" dirty="0"/>
-            </a:br>
-            <a:br>
-              <a:rPr lang="en-US" sz="4700" dirty="0"/>
-            </a:br>
-            <a:endParaRPr lang="en-US" sz="4700" dirty="0"/>
+              <a:rPr lang="pl-PL" sz="4200" err="1"/>
+              <a:t>is</a:t>
+            </a:r>
+            <a:r>
+              <a:rPr lang="pl-PL" sz="4200"/>
+              <a:t> TTP?</a:t>
+            </a:r>
           </a:p>
         </p:txBody>
       </p:sp>
       <p:sp>
         <p:nvSpPr>
-          <p:cNvPr id="6" name="TextBox 3">
+          <p:cNvPr id="3" name="Symbol zastępczy zawartości 2">
             <a:extLst>
               <a:ext uri="{FF2B5EF4-FFF2-40B4-BE49-F238E27FC236}">
-                <a16:creationId xmlns:a16="http://schemas.microsoft.com/office/drawing/2014/main" id="{CCF9CE33-D6BC-4085-9EA5-D5D1062615C3}"/>
+                <a16:creationId xmlns:a16="http://schemas.microsoft.com/office/drawing/2014/main" id="{B9163BA8-DD7F-423C-8B52-10039C035321}"/>
               </a:ext>
             </a:extLst>
           </p:cNvPr>
-          <p:cNvSpPr txBox="1"/>
-          <p:nvPr/>
+          <p:cNvSpPr>
+            <a:spLocks noGrp="1"/>
+          </p:cNvSpPr>
+          <p:nvPr>
+            <p:ph idx="1"/>
+          </p:nvPr>
         </p:nvSpPr>
         <p:spPr>
           <a:xfrm>
             <a:off x="4975861" y="804671"/>
             <a:ext cx="6399930" cy="5248657"/>
           </a:xfrm>
-          <a:prstGeom prst="rect">
-            <a:avLst/>
-          </a:prstGeom>
         </p:spPr>
         <p:txBody>
           <a:bodyPr vert="horz" lIns="91440" tIns="45720" rIns="91440" bIns="45720" rtlCol="0" anchor="ctr">
@@ -25360,186 +26155,147 @@
           </a:bodyPr>
           <a:lstStyle/>
           <a:p>
-            <a:pPr defTabSz="457200">
-              <a:spcBef>
-                <a:spcPts val="1000"/>
-              </a:spcBef>
-              <a:buClr>
-                <a:schemeClr val="bg2">
-                  <a:lumMod val="40000"/>
-                  <a:lumOff val="60000"/>
-                </a:schemeClr>
-              </a:buClr>
-              <a:buSzPct val="80000"/>
+            <a:pPr marL="0" indent="0">
+              <a:buNone/>
             </a:pPr>
             <a:r>
-              <a:rPr lang="en-US" b="1" cap="all" dirty="0">
-                <a:latin typeface="+mj-lt"/>
-                <a:ea typeface="+mj-ea"/>
-                <a:cs typeface="+mj-cs"/>
-              </a:rPr>
-              <a:t>What </a:t>
-            </a:r>
-            <a:r>
-              <a:rPr lang="pl-PL" b="1" cap="all" dirty="0">
-                <a:latin typeface="+mj-lt"/>
-                <a:ea typeface="+mj-ea"/>
-                <a:cs typeface="+mj-cs"/>
-              </a:rPr>
-              <a:t>MOTIVATED US</a:t>
-            </a:r>
-            <a:r>
-              <a:rPr lang="en-US" b="1" cap="all" dirty="0">
-                <a:latin typeface="+mj-lt"/>
-                <a:ea typeface="+mj-ea"/>
-                <a:cs typeface="+mj-cs"/>
-              </a:rPr>
-              <a:t>:</a:t>
-            </a:r>
-          </a:p>
-          <a:p>
-            <a:pPr marL="285750" indent="-285750" defTabSz="457200">
-              <a:spcBef>
-                <a:spcPts val="1000"/>
-              </a:spcBef>
-              <a:buClr>
-                <a:schemeClr val="bg2">
-                  <a:lumMod val="40000"/>
-                  <a:lumOff val="60000"/>
-                </a:schemeClr>
-              </a:buClr>
-              <a:buSzPct val="80000"/>
-              <a:buFont typeface="Wingdings 3" charset="2"/>
-              <a:buChar char=""/>
-            </a:pPr>
-            <a:r>
-              <a:rPr lang="en-US" cap="all" dirty="0">
-                <a:latin typeface="+mj-lt"/>
-                <a:ea typeface="+mj-ea"/>
-                <a:cs typeface="+mj-cs"/>
-              </a:rPr>
-              <a:t>complexity of real-world problems is growing very fast (e.g. due</a:t>
-            </a:r>
-            <a:r>
-              <a:rPr lang="pl-PL" cap="all" dirty="0">
-                <a:latin typeface="+mj-lt"/>
-                <a:ea typeface="+mj-ea"/>
-                <a:cs typeface="+mj-cs"/>
-              </a:rPr>
+              <a:rPr lang="pl-PL"/>
+              <a:t>Combination of:</a:t>
+            </a:r>
+          </a:p>
+          <a:p>
+            <a:r>
+              <a:rPr lang="pl-PL"/>
+              <a:t>0-1 </a:t>
+            </a:r>
+            <a:r>
+              <a:rPr lang="pl-PL" err="1"/>
+              <a:t>Knapsack</a:t>
+            </a:r>
+            <a:r>
+              <a:rPr lang="pl-PL"/>
+              <a:t> Problem</a:t>
+            </a:r>
+          </a:p>
+          <a:p>
+            <a:pPr lvl="1"/>
+            <a:r>
+              <a:rPr lang="pl-PL"/>
+              <a:t>Maximum </a:t>
+            </a:r>
+            <a:r>
+              <a:rPr lang="pl-PL" err="1"/>
+              <a:t>weight</a:t>
+            </a:r>
+          </a:p>
+          <a:p>
+            <a:pPr lvl="1"/>
+            <a:r>
+              <a:rPr lang="pl-PL" err="1"/>
+              <a:t>Current</a:t>
+            </a:r>
+            <a:r>
+              <a:rPr lang="pl-PL"/>
               <a:t> </a:t>
             </a:r>
             <a:r>
-              <a:rPr lang="en-US" cap="all" dirty="0">
-                <a:latin typeface="+mj-lt"/>
-                <a:ea typeface="+mj-ea"/>
-                <a:cs typeface="+mj-cs"/>
-              </a:rPr>
-              <a:t>to </a:t>
-            </a:r>
-            <a:r>
-              <a:rPr lang="en-US" cap="all" dirty="0" err="1">
-                <a:latin typeface="+mj-lt"/>
-                <a:ea typeface="+mj-ea"/>
-                <a:cs typeface="+mj-cs"/>
-              </a:rPr>
-              <a:t>globalisation</a:t>
-            </a:r>
-            <a:r>
-              <a:rPr lang="en-US" cap="all" dirty="0">
-                <a:latin typeface="+mj-lt"/>
-                <a:ea typeface="+mj-ea"/>
-                <a:cs typeface="+mj-cs"/>
-              </a:rPr>
-              <a:t>)</a:t>
-            </a:r>
-            <a:endParaRPr lang="pl-PL" cap="all" dirty="0">
-              <a:latin typeface="+mj-lt"/>
-              <a:ea typeface="+mj-ea"/>
-              <a:cs typeface="+mj-cs"/>
-            </a:endParaRPr>
-          </a:p>
-          <a:p>
-            <a:pPr marL="285750" indent="-285750" defTabSz="457200">
-              <a:spcBef>
-                <a:spcPts val="1000"/>
-              </a:spcBef>
-              <a:buClr>
-                <a:schemeClr val="bg2">
-                  <a:lumMod val="40000"/>
-                  <a:lumOff val="60000"/>
-                </a:schemeClr>
-              </a:buClr>
-              <a:buSzPct val="80000"/>
-              <a:buFont typeface="Wingdings 3" charset="2"/>
-              <a:buChar char=""/>
-            </a:pPr>
-            <a:r>
-              <a:rPr lang="en-US" cap="all" dirty="0">
-                <a:latin typeface="+mj-lt"/>
-                <a:ea typeface="+mj-ea"/>
-                <a:cs typeface="+mj-cs"/>
-              </a:rPr>
-              <a:t>real-world problems usually consist of two or more sub-problems</a:t>
-            </a:r>
-            <a:r>
-              <a:rPr lang="pl-PL" cap="all" dirty="0">
-                <a:latin typeface="+mj-lt"/>
-                <a:ea typeface="+mj-ea"/>
-                <a:cs typeface="+mj-cs"/>
-              </a:rPr>
+              <a:rPr lang="pl-PL" err="1"/>
+              <a:t>weight</a:t>
+            </a:r>
+          </a:p>
+          <a:p>
+            <a:pPr lvl="1"/>
+            <a:r>
+              <a:rPr lang="pl-PL"/>
+              <a:t>Profit</a:t>
+            </a:r>
+          </a:p>
+          <a:p>
+            <a:pPr lvl="1"/>
+            <a:r>
+              <a:rPr lang="pl-PL"/>
+              <a:t>+Rent</a:t>
+            </a:r>
+          </a:p>
+          <a:p>
+            <a:r>
+              <a:rPr lang="pl-PL" err="1"/>
+              <a:t>Traveling</a:t>
+            </a:r>
+            <a:r>
+              <a:rPr lang="pl-PL"/>
               <a:t> </a:t>
             </a:r>
             <a:r>
-              <a:rPr lang="en-US" cap="all" dirty="0">
-                <a:latin typeface="+mj-lt"/>
-                <a:ea typeface="+mj-ea"/>
-                <a:cs typeface="+mj-cs"/>
-              </a:rPr>
-              <a:t>that are interdependent (to each other). </a:t>
-            </a:r>
-            <a:endParaRPr lang="pl-PL" cap="all" dirty="0">
-              <a:latin typeface="+mj-lt"/>
-              <a:ea typeface="+mj-ea"/>
-              <a:cs typeface="+mj-cs"/>
-            </a:endParaRPr>
-          </a:p>
-          <a:p>
-            <a:pPr marL="285750" indent="-285750" defTabSz="457200">
-              <a:spcBef>
-                <a:spcPts val="1000"/>
-              </a:spcBef>
-              <a:buClr>
-                <a:schemeClr val="bg2">
-                  <a:lumMod val="40000"/>
-                  <a:lumOff val="60000"/>
-                </a:schemeClr>
-              </a:buClr>
-              <a:buSzPct val="80000"/>
-              <a:buFont typeface="Wingdings 3" charset="2"/>
-              <a:buChar char=""/>
-            </a:pPr>
-            <a:r>
-              <a:rPr lang="pl-PL" cap="all" dirty="0">
-                <a:latin typeface="+mj-lt"/>
-                <a:ea typeface="+mj-ea"/>
-                <a:cs typeface="+mj-cs"/>
-              </a:rPr>
-              <a:t>LACK COMPARATIVE TESTS</a:t>
-            </a:r>
-            <a:endParaRPr lang="en-US" cap="all" dirty="0">
-              <a:latin typeface="+mj-lt"/>
-              <a:ea typeface="+mj-ea"/>
-              <a:cs typeface="+mj-cs"/>
-            </a:endParaRPr>
+              <a:rPr lang="pl-PL" err="1"/>
+              <a:t>Salesman</a:t>
+            </a:r>
+            <a:r>
+              <a:rPr lang="pl-PL"/>
+              <a:t> Problem</a:t>
+            </a:r>
+          </a:p>
+          <a:p>
+            <a:pPr lvl="1"/>
+            <a:r>
+              <a:rPr lang="pl-PL" err="1"/>
+              <a:t>Distance</a:t>
+            </a:r>
+            <a:r>
+              <a:rPr lang="pl-PL"/>
+              <a:t> </a:t>
+            </a:r>
+            <a:r>
+              <a:rPr lang="pl-PL" err="1"/>
+              <a:t>between</a:t>
+            </a:r>
+            <a:r>
+              <a:rPr lang="pl-PL"/>
+              <a:t> </a:t>
+            </a:r>
+            <a:r>
+              <a:rPr lang="pl-PL" err="1"/>
+              <a:t>cities</a:t>
+            </a:r>
+          </a:p>
+          <a:p>
+            <a:pPr lvl="1"/>
+            <a:r>
+              <a:rPr lang="pl-PL"/>
+              <a:t>+</a:t>
+            </a:r>
+            <a:r>
+              <a:rPr lang="pl-PL" err="1"/>
+              <a:t>Vmax</a:t>
+            </a:r>
+            <a:r>
+              <a:rPr lang="pl-PL"/>
+              <a:t> / </a:t>
+            </a:r>
+            <a:r>
+              <a:rPr lang="pl-PL" err="1"/>
+              <a:t>Vmin</a:t>
+            </a:r>
+          </a:p>
+          <a:p>
+            <a:pPr lvl="1"/>
+            <a:r>
+              <a:rPr lang="pl-PL"/>
+              <a:t>+set of </a:t>
+            </a:r>
+            <a:r>
+              <a:rPr lang="pl-PL" err="1"/>
+              <a:t>items</a:t>
+            </a:r>
           </a:p>
         </p:txBody>
       </p:sp>
       <p:sp>
         <p:nvSpPr>
-          <p:cNvPr id="3" name="Slide Number Placeholder 2">
+          <p:cNvPr id="4" name="Symbol zastępczy numeru slajdu 3">
             <a:extLst>
               <a:ext uri="{FF2B5EF4-FFF2-40B4-BE49-F238E27FC236}">
-                <a16:creationId xmlns:a16="http://schemas.microsoft.com/office/drawing/2014/main" id="{54DE370E-8BD3-48CF-8C26-29BB4B118A8F}"/>
+                <a16:creationId xmlns:a16="http://schemas.microsoft.com/office/drawing/2014/main" id="{7A642D67-0F2C-41A3-A8B8-CDD4F3A2463B}"/>
               </a:ext>
             </a:extLst>
           </p:cNvPr>
@@ -25566,7 +26322,7 @@
     </p:spTree>
     <p:extLst>
       <p:ext uri="{BB962C8B-B14F-4D97-AF65-F5344CB8AC3E}">
-        <p14:creationId xmlns:p14="http://schemas.microsoft.com/office/powerpoint/2010/main" val="704256997"/>
+        <p14:creationId xmlns:p14="http://schemas.microsoft.com/office/powerpoint/2010/main" val="2606009802"/>
       </p:ext>
     </p:extLst>
   </p:cSld>
@@ -25598,7 +26354,7 @@
           <p:cNvPr id="2" name="Tytuł 1">
             <a:extLst>
               <a:ext uri="{FF2B5EF4-FFF2-40B4-BE49-F238E27FC236}">
-                <a16:creationId xmlns:a16="http://schemas.microsoft.com/office/drawing/2014/main" id="{10BACD71-6FBD-4E2C-A264-C5350397714F}"/>
+                <a16:creationId xmlns:a16="http://schemas.microsoft.com/office/drawing/2014/main" id="{E3E7FCBF-C025-4535-906B-4CE2925E7083}"/>
               </a:ext>
             </a:extLst>
           </p:cNvPr>
@@ -25614,7 +26370,10 @@
           <a:bodyPr/>
           <a:lstStyle/>
           <a:p>
-            <a:endParaRPr lang="pl-PL"/>
+            <a:r>
+              <a:rPr lang="pl-PL" dirty="0"/>
+              <a:t>TRAVELLING THIEF PROBLEM</a:t>
+            </a:r>
           </a:p>
         </p:txBody>
       </p:sp>
@@ -25623,7 +26382,7 @@
           <p:cNvPr id="3" name="Symbol zastępczy zawartości 2">
             <a:extLst>
               <a:ext uri="{FF2B5EF4-FFF2-40B4-BE49-F238E27FC236}">
-                <a16:creationId xmlns:a16="http://schemas.microsoft.com/office/drawing/2014/main" id="{B8FFFABF-6FB2-433C-9AB7-4AE1316662F4}"/>
+                <a16:creationId xmlns:a16="http://schemas.microsoft.com/office/drawing/2014/main" id="{9048DC16-537A-4151-ACF8-57736E7FD382}"/>
               </a:ext>
             </a:extLst>
           </p:cNvPr>
@@ -25641,44 +26400,17 @@
           <a:p>
             <a:r>
               <a:rPr lang="en-US" dirty="0"/>
-              <a:t>Combination – the real-world problems usually consist of</a:t>
-            </a:r>
-            <a:r>
-              <a:rPr lang="pl-PL" dirty="0"/>
-              <a:t> </a:t>
-            </a:r>
-            <a:r>
-              <a:rPr lang="en-US" dirty="0"/>
-              <a:t>two or more sub-problems that are “combined together”,</a:t>
-            </a:r>
-            <a:r>
-              <a:rPr lang="pl-PL" dirty="0"/>
-              <a:t> </a:t>
-            </a:r>
-            <a:r>
-              <a:rPr lang="en-US" dirty="0"/>
-              <a:t>and</a:t>
-            </a:r>
-            <a:endParaRPr lang="pl-PL" dirty="0"/>
-          </a:p>
-          <a:p>
-            <a:endParaRPr lang="pl-PL" dirty="0"/>
-          </a:p>
-          <a:p>
-            <a:r>
-              <a:rPr lang="en-US" dirty="0"/>
-              <a:t>Interdependence – in real-world problems these subproblems are interdependent in the sense that a solution for one sub-problem influences the quality of the solutions for other sub-problems. </a:t>
-            </a:r>
-            <a:endParaRPr lang="pl-PL" dirty="0"/>
+              <a:t>The problem is a combination of two well-known optimization problems (TSP and KP). These two models are different from each other based on the way in which the sub-problems are interdependent. It is shown that solving each sub-problem in isolation is not effective and the two sub-problems have to be considered together. </a:t>
+            </a:r>
           </a:p>
         </p:txBody>
       </p:sp>
       <p:sp>
         <p:nvSpPr>
-          <p:cNvPr id="4" name="Slide Number Placeholder 3">
+          <p:cNvPr id="5" name="Symbol zastępczy numeru slajdu 4">
             <a:extLst>
               <a:ext uri="{FF2B5EF4-FFF2-40B4-BE49-F238E27FC236}">
-                <a16:creationId xmlns:a16="http://schemas.microsoft.com/office/drawing/2014/main" id="{4AE3F9A5-4A15-4C4C-BCA7-9746D07B05DE}"/>
+                <a16:creationId xmlns:a16="http://schemas.microsoft.com/office/drawing/2014/main" id="{DA408AFF-33C8-49C4-90CF-CE11B92A54BA}"/>
               </a:ext>
             </a:extLst>
           </p:cNvPr>
@@ -25705,7 +26437,7 @@
     </p:spTree>
     <p:extLst>
       <p:ext uri="{BB962C8B-B14F-4D97-AF65-F5344CB8AC3E}">
-        <p14:creationId xmlns:p14="http://schemas.microsoft.com/office/powerpoint/2010/main" val="2517333283"/>
+        <p14:creationId xmlns:p14="http://schemas.microsoft.com/office/powerpoint/2010/main" val="743775379"/>
       </p:ext>
     </p:extLst>
   </p:cSld>
@@ -25846,13 +26578,24 @@
                 <a:ea typeface="+mj-ea"/>
                 <a:cs typeface="+mj-cs"/>
               </a:rPr>
-              <a:t>The travelling thief problem</a:t>
-            </a:r>
-            <a:endParaRPr lang="pl-PL" b="1" cap="all" dirty="0">
-              <a:latin typeface="+mj-lt"/>
-              <a:ea typeface="+mj-ea"/>
-              <a:cs typeface="+mj-cs"/>
-            </a:endParaRPr>
+              <a:t>What </a:t>
+            </a:r>
+            <a:r>
+              <a:rPr lang="pl-PL" b="1" cap="all" dirty="0">
+                <a:latin typeface="+mj-lt"/>
+                <a:ea typeface="+mj-ea"/>
+                <a:cs typeface="+mj-cs"/>
+              </a:rPr>
+              <a:t>MOTIVATED US</a:t>
+            </a:r>
+            <a:r>
+              <a:rPr lang="en-US" b="1" cap="all" dirty="0">
+                <a:latin typeface="+mj-lt"/>
+                <a:ea typeface="+mj-ea"/>
+                <a:cs typeface="+mj-cs"/>
+              </a:rPr>
+              <a:t>:</a:t>
+            </a:r>
           </a:p>
           <a:p>
             <a:pPr marL="285750" indent="-285750" defTabSz="457200">
@@ -25875,7 +26618,7 @@
                 <a:ea typeface="+mj-ea"/>
                 <a:cs typeface="+mj-cs"/>
               </a:rPr>
-              <a:t>NP-hard, so that solving</a:t>
+              <a:t>complexity of real-world problems is growing very fast (e.g. due</a:t>
             </a:r>
             <a:r>
               <a:rPr lang="pl-PL" cap="all" dirty="0">
@@ -25891,15 +26634,15 @@
                 <a:ea typeface="+mj-ea"/>
                 <a:cs typeface="+mj-cs"/>
               </a:rPr>
-              <a:t>“large” instances of these problems to optimality is not</a:t>
-            </a:r>
-            <a:r>
-              <a:rPr lang="pl-PL" cap="all" dirty="0">
+              <a:t>to </a:t>
+            </a:r>
+            <a:r>
+              <a:rPr lang="en-US" cap="all" dirty="0" err="1">
                 <a:latin typeface="+mj-lt"/>
                 <a:ea typeface="+mj-ea"/>
                 <a:cs typeface="+mj-cs"/>
               </a:rPr>
-              <a:t> </a:t>
+              <a:t>globalisation</a:t>
             </a:r>
             <a:r>
               <a:rPr lang="en-US" cap="all" dirty="0">
@@ -25907,7 +26650,7 @@
                 <a:ea typeface="+mj-ea"/>
                 <a:cs typeface="+mj-cs"/>
               </a:rPr>
-              <a:t>possible</a:t>
+              <a:t>)</a:t>
             </a:r>
             <a:endParaRPr lang="pl-PL" cap="all" dirty="0">
               <a:latin typeface="+mj-lt"/>
@@ -25931,13 +26674,34 @@
               <a:buChar char=""/>
             </a:pPr>
             <a:r>
+              <a:rPr lang="en-US" cap="all" dirty="0">
+                <a:latin typeface="+mj-lt"/>
+                <a:ea typeface="+mj-ea"/>
+                <a:cs typeface="+mj-cs"/>
+              </a:rPr>
+              <a:t>real-world problems usually consist of two or more sub-problems</a:t>
+            </a:r>
+            <a:r>
               <a:rPr lang="pl-PL" cap="all" dirty="0">
                 <a:latin typeface="+mj-lt"/>
                 <a:ea typeface="+mj-ea"/>
                 <a:cs typeface="+mj-cs"/>
               </a:rPr>
-              <a:t>PROBLEMS REPESENTED REAL-WORLD INDUSTRIAL ENVIROMENTS SO THAT SOLVING THAT TO OPTIMALITY WAS IMPORTANT</a:t>
-            </a:r>
+              <a:t> </a:t>
+            </a:r>
+            <a:r>
+              <a:rPr lang="en-US" cap="all" dirty="0">
+                <a:latin typeface="+mj-lt"/>
+                <a:ea typeface="+mj-ea"/>
+                <a:cs typeface="+mj-cs"/>
+              </a:rPr>
+              <a:t>that are interdependent (to each other). </a:t>
+            </a:r>
+            <a:endParaRPr lang="pl-PL" cap="all" dirty="0">
+              <a:latin typeface="+mj-lt"/>
+              <a:ea typeface="+mj-ea"/>
+              <a:cs typeface="+mj-cs"/>
+            </a:endParaRPr>
           </a:p>
           <a:p>
             <a:pPr marL="285750" indent="-285750" defTabSz="457200">
@@ -25955,38 +26719,27 @@
               <a:buChar char=""/>
             </a:pPr>
             <a:r>
-              <a:rPr lang="en-US" cap="all" dirty="0">
-                <a:latin typeface="+mj-lt"/>
-                <a:ea typeface="+mj-ea"/>
-                <a:cs typeface="+mj-cs"/>
-              </a:rPr>
-              <a:t>Enable</a:t>
-            </a:r>
-            <a:r>
               <a:rPr lang="pl-PL" cap="all" dirty="0">
                 <a:latin typeface="+mj-lt"/>
                 <a:ea typeface="+mj-ea"/>
                 <a:cs typeface="+mj-cs"/>
               </a:rPr>
-              <a:t> </a:t>
-            </a:r>
-            <a:r>
-              <a:rPr lang="en-US" cap="all" dirty="0">
-                <a:latin typeface="+mj-lt"/>
-                <a:ea typeface="+mj-ea"/>
-                <a:cs typeface="+mj-cs"/>
-              </a:rPr>
-              <a:t>researches to investigate the hardness the two classical subproblems’ combination</a:t>
-            </a:r>
+              <a:t>LACK COMPARATIVE TESTS</a:t>
+            </a:r>
+            <a:endParaRPr lang="en-US" cap="all" dirty="0">
+              <a:latin typeface="+mj-lt"/>
+              <a:ea typeface="+mj-ea"/>
+              <a:cs typeface="+mj-cs"/>
+            </a:endParaRPr>
           </a:p>
         </p:txBody>
       </p:sp>
       <p:sp>
         <p:nvSpPr>
-          <p:cNvPr id="3" name="Slide Number Placeholder 2">
+          <p:cNvPr id="4" name="Symbol zastępczy numeru slajdu 3">
             <a:extLst>
               <a:ext uri="{FF2B5EF4-FFF2-40B4-BE49-F238E27FC236}">
-                <a16:creationId xmlns:a16="http://schemas.microsoft.com/office/drawing/2014/main" id="{30EFC813-8ECD-4280-BD60-694AE269E1C3}"/>
+                <a16:creationId xmlns:a16="http://schemas.microsoft.com/office/drawing/2014/main" id="{3D9CEAE8-AF9F-4EA4-9924-6EF1F0DC9AB5}"/>
               </a:ext>
             </a:extLst>
           </p:cNvPr>
@@ -26013,7 +26766,7 @@
     </p:spTree>
     <p:extLst>
       <p:ext uri="{BB962C8B-B14F-4D97-AF65-F5344CB8AC3E}">
-        <p14:creationId xmlns:p14="http://schemas.microsoft.com/office/powerpoint/2010/main" val="78212480"/>
+        <p14:creationId xmlns:p14="http://schemas.microsoft.com/office/powerpoint/2010/main" val="704256997"/>
       </p:ext>
     </p:extLst>
   </p:cSld>
@@ -26045,7 +26798,7 @@
           <p:cNvPr id="2" name="Tytuł 1">
             <a:extLst>
               <a:ext uri="{FF2B5EF4-FFF2-40B4-BE49-F238E27FC236}">
-                <a16:creationId xmlns:a16="http://schemas.microsoft.com/office/drawing/2014/main" id="{B911F9B1-74A6-4871-B319-BEBF732302BC}"/>
+                <a16:creationId xmlns:a16="http://schemas.microsoft.com/office/drawing/2014/main" id="{10BACD71-6FBD-4E2C-A264-C5350397714F}"/>
               </a:ext>
             </a:extLst>
           </p:cNvPr>
@@ -26056,184 +26809,76 @@
             <p:ph type="title"/>
           </p:nvPr>
         </p:nvSpPr>
-        <p:spPr>
-          <a:xfrm>
-            <a:off x="621068" y="981073"/>
-            <a:ext cx="3339281" cy="4670498"/>
-          </a:xfrm>
-        </p:spPr>
+        <p:spPr/>
         <p:txBody>
-          <a:bodyPr vert="horz" lIns="91440" tIns="45720" rIns="91440" bIns="45720" rtlCol="0" anchor="b">
-            <a:normAutofit/>
-          </a:bodyPr>
+          <a:bodyPr/>
           <a:lstStyle/>
           <a:p>
-            <a:pPr lvl="0"/>
-            <a:r>
-              <a:rPr lang="pl-PL" sz="4800" dirty="0" err="1"/>
-              <a:t>Results</a:t>
-            </a:r>
-            <a:r>
-              <a:rPr lang="pl-PL" sz="4800" dirty="0"/>
-              <a:t> we </a:t>
-            </a:r>
-            <a:r>
-              <a:rPr lang="pl-PL" sz="4800" dirty="0" err="1"/>
-              <a:t>hope</a:t>
-            </a:r>
-            <a:r>
-              <a:rPr lang="pl-PL" sz="4800" dirty="0"/>
-              <a:t> for </a:t>
-            </a:r>
-            <a:br>
-              <a:rPr lang="pl-PL" sz="4800" dirty="0"/>
-            </a:br>
-            <a:br>
-              <a:rPr lang="pl-PL" sz="4800" dirty="0"/>
-            </a:br>
-            <a:br>
-              <a:rPr lang="pl-PL" sz="4800" dirty="0"/>
-            </a:br>
-            <a:br>
-              <a:rPr lang="pl-PL" sz="4800" dirty="0"/>
-            </a:br>
-            <a:endParaRPr lang="pl-PL" sz="4800" dirty="0"/>
+            <a:endParaRPr lang="pl-PL"/>
           </a:p>
         </p:txBody>
       </p:sp>
       <p:sp>
         <p:nvSpPr>
-          <p:cNvPr id="6" name="TextBox 3">
+          <p:cNvPr id="3" name="Symbol zastępczy zawartości 2">
             <a:extLst>
               <a:ext uri="{FF2B5EF4-FFF2-40B4-BE49-F238E27FC236}">
-                <a16:creationId xmlns:a16="http://schemas.microsoft.com/office/drawing/2014/main" id="{CCF9CE33-D6BC-4085-9EA5-D5D1062615C3}"/>
+                <a16:creationId xmlns:a16="http://schemas.microsoft.com/office/drawing/2014/main" id="{B8FFFABF-6FB2-433C-9AB7-4AE1316662F4}"/>
               </a:ext>
             </a:extLst>
           </p:cNvPr>
-          <p:cNvSpPr txBox="1"/>
-          <p:nvPr/>
+          <p:cNvSpPr>
+            <a:spLocks noGrp="1"/>
+          </p:cNvSpPr>
+          <p:nvPr>
+            <p:ph idx="1"/>
+          </p:nvPr>
         </p:nvSpPr>
-        <p:spPr>
-          <a:xfrm>
-            <a:off x="4975861" y="804671"/>
-            <a:ext cx="6399930" cy="5248657"/>
-          </a:xfrm>
-          <a:prstGeom prst="rect">
-            <a:avLst/>
-          </a:prstGeom>
-        </p:spPr>
+        <p:spPr/>
         <p:txBody>
-          <a:bodyPr vert="horz" lIns="91440" tIns="45720" rIns="91440" bIns="45720" rtlCol="0" anchor="ctr">
-            <a:normAutofit/>
-          </a:bodyPr>
+          <a:bodyPr/>
           <a:lstStyle/>
           <a:p>
-            <a:pPr defTabSz="457200">
-              <a:spcBef>
-                <a:spcPts val="1000"/>
-              </a:spcBef>
-              <a:buClr>
-                <a:schemeClr val="bg2">
-                  <a:lumMod val="40000"/>
-                  <a:lumOff val="60000"/>
-                </a:schemeClr>
-              </a:buClr>
-              <a:buSzPct val="80000"/>
-            </a:pPr>
-            <a:r>
-              <a:rPr lang="pl-PL" b="1" cap="all" dirty="0">
-                <a:latin typeface="+mj-lt"/>
-                <a:ea typeface="+mj-ea"/>
-                <a:cs typeface="+mj-cs"/>
-              </a:rPr>
-              <a:t>GOALS</a:t>
-            </a:r>
-          </a:p>
-          <a:p>
-            <a:pPr marL="285750" indent="-285750" defTabSz="457200">
-              <a:spcBef>
-                <a:spcPts val="1000"/>
-              </a:spcBef>
-              <a:buClr>
-                <a:schemeClr val="bg2">
-                  <a:lumMod val="40000"/>
-                  <a:lumOff val="60000"/>
-                </a:schemeClr>
-              </a:buClr>
-              <a:buSzPct val="80000"/>
-              <a:buFont typeface="Wingdings 3" charset="2"/>
-              <a:buChar char=""/>
-            </a:pPr>
-            <a:r>
-              <a:rPr lang="pl-PL" cap="all" dirty="0">
-                <a:latin typeface="+mj-lt"/>
-                <a:ea typeface="+mj-ea"/>
-                <a:cs typeface="+mj-cs"/>
-              </a:rPr>
-              <a:t>SOLVE PROBLEM IN AN ACCEPTABLE TIME</a:t>
-            </a:r>
-          </a:p>
-          <a:p>
-            <a:pPr marL="285750" indent="-285750" defTabSz="457200">
-              <a:spcBef>
-                <a:spcPts val="1000"/>
-              </a:spcBef>
-              <a:buClr>
-                <a:schemeClr val="bg2">
-                  <a:lumMod val="40000"/>
-                  <a:lumOff val="60000"/>
-                </a:schemeClr>
-              </a:buClr>
-              <a:buSzPct val="80000"/>
-              <a:buFont typeface="Wingdings 3" charset="2"/>
-              <a:buChar char=""/>
-            </a:pPr>
-            <a:r>
-              <a:rPr lang="pl-PL" cap="all" dirty="0">
-                <a:latin typeface="+mj-lt"/>
-                <a:ea typeface="+mj-ea"/>
-                <a:cs typeface="+mj-cs"/>
-              </a:rPr>
-              <a:t>IMPLEMENTING 3 DIFFERENT APPROACHES TO SOLVE PROBLEM</a:t>
-            </a:r>
-          </a:p>
-          <a:p>
-            <a:pPr marL="285750" indent="-285750" defTabSz="457200">
-              <a:spcBef>
-                <a:spcPts val="1000"/>
-              </a:spcBef>
-              <a:buClr>
-                <a:schemeClr val="bg2">
-                  <a:lumMod val="40000"/>
-                  <a:lumOff val="60000"/>
-                </a:schemeClr>
-              </a:buClr>
-              <a:buSzPct val="80000"/>
-              <a:buFont typeface="Wingdings 3" charset="2"/>
-              <a:buChar char=""/>
-            </a:pPr>
-            <a:r>
-              <a:rPr lang="pl-PL" cap="all" dirty="0">
-                <a:latin typeface="+mj-lt"/>
-                <a:ea typeface="+mj-ea"/>
-                <a:cs typeface="+mj-cs"/>
-              </a:rPr>
-              <a:t>INTRODUCE COMPARATIVE TESTS</a:t>
-            </a:r>
-            <a:endParaRPr lang="en-US" cap="all" dirty="0">
-              <a:latin typeface="+mj-lt"/>
-              <a:ea typeface="+mj-ea"/>
-              <a:cs typeface="+mj-cs"/>
-            </a:endParaRPr>
+            <a:r>
+              <a:rPr lang="en-US" dirty="0"/>
+              <a:t>Combination – the real-world problems usually consist of</a:t>
+            </a:r>
+            <a:r>
+              <a:rPr lang="pl-PL" dirty="0"/>
+              <a:t> </a:t>
+            </a:r>
+            <a:r>
+              <a:rPr lang="en-US" dirty="0"/>
+              <a:t>two or more sub-problems that are “combined together”,</a:t>
+            </a:r>
+            <a:r>
+              <a:rPr lang="pl-PL" dirty="0"/>
+              <a:t> </a:t>
+            </a:r>
+            <a:r>
+              <a:rPr lang="en-US" dirty="0"/>
+              <a:t>and</a:t>
+            </a:r>
+            <a:endParaRPr lang="pl-PL" dirty="0"/>
+          </a:p>
+          <a:p>
+            <a:endParaRPr lang="pl-PL" dirty="0"/>
+          </a:p>
+          <a:p>
+            <a:r>
+              <a:rPr lang="en-US" dirty="0"/>
+              <a:t>Interdependence – in real-world problems these subproblems are interdependent in the sense that a solution for one sub-problem influences the quality of the solutions for other sub-problems. </a:t>
+            </a:r>
+            <a:endParaRPr lang="pl-PL" dirty="0"/>
           </a:p>
         </p:txBody>
       </p:sp>
       <p:sp>
         <p:nvSpPr>
-          <p:cNvPr id="3" name="Slide Number Placeholder 2">
+          <p:cNvPr id="5" name="Symbol zastępczy numeru slajdu 4">
             <a:extLst>
               <a:ext uri="{FF2B5EF4-FFF2-40B4-BE49-F238E27FC236}">
-                <a16:creationId xmlns:a16="http://schemas.microsoft.com/office/drawing/2014/main" id="{FEDF3ABA-8B78-4F62-90AD-B3C4813F1511}"/>
+                <a16:creationId xmlns:a16="http://schemas.microsoft.com/office/drawing/2014/main" id="{A2C1F9F2-35CA-4F53-85B7-0D0EF74D5975}"/>
               </a:ext>
             </a:extLst>
           </p:cNvPr>
@@ -26260,7 +26905,7 @@
     </p:spTree>
     <p:extLst>
       <p:ext uri="{BB962C8B-B14F-4D97-AF65-F5344CB8AC3E}">
-        <p14:creationId xmlns:p14="http://schemas.microsoft.com/office/powerpoint/2010/main" val="3536581153"/>
+        <p14:creationId xmlns:p14="http://schemas.microsoft.com/office/powerpoint/2010/main" val="2517333283"/>
       </p:ext>
     </p:extLst>
   </p:cSld>
@@ -26315,9 +26960,14 @@
           </a:bodyPr>
           <a:lstStyle/>
           <a:p>
+            <a:pPr>
+              <a:lnSpc>
+                <a:spcPct val="90000"/>
+              </a:lnSpc>
+            </a:pPr>
             <a:r>
               <a:rPr lang="pl-PL" sz="4800" dirty="0" err="1"/>
-              <a:t>Literature</a:t>
+              <a:t>Our</a:t>
             </a:r>
             <a:r>
               <a:rPr lang="pl-PL" sz="4800" dirty="0"/>
@@ -26325,24 +26975,29 @@
             </a:r>
             <a:r>
               <a:rPr lang="pl-PL" sz="4800" dirty="0" err="1"/>
-              <a:t>reviews</a:t>
+              <a:t>goals</a:t>
+            </a:r>
+            <a:r>
+              <a:rPr lang="pl-PL" sz="4800" dirty="0"/>
+              <a:t> and </a:t>
+            </a:r>
+            <a:r>
+              <a:rPr lang="pl-PL" sz="4800" dirty="0" err="1"/>
+              <a:t>motivations</a:t>
             </a:r>
             <a:br>
               <a:rPr lang="pl-PL" sz="4800" dirty="0"/>
             </a:br>
             <a:br>
-              <a:rPr lang="pl-PL" sz="4800" dirty="0"/>
+              <a:rPr lang="en-US" sz="4700" dirty="0"/>
             </a:br>
             <a:br>
-              <a:rPr lang="pl-PL" sz="4800" dirty="0"/>
+              <a:rPr lang="en-US" sz="4700" dirty="0"/>
             </a:br>
             <a:br>
-              <a:rPr lang="pl-PL" sz="4800" dirty="0"/>
+              <a:rPr lang="en-US" sz="4700" dirty="0"/>
             </a:br>
-            <a:br>
-              <a:rPr lang="pl-PL" sz="4800" dirty="0"/>
-            </a:br>
-            <a:endParaRPr lang="pl-PL" sz="4800" dirty="0"/>
+            <a:endParaRPr lang="en-US" sz="4700" dirty="0"/>
           </a:p>
         </p:txBody>
       </p:sp>
@@ -26391,23 +27046,7 @@
                 <a:ea typeface="+mj-ea"/>
                 <a:cs typeface="+mj-cs"/>
               </a:rPr>
-              <a:t>A Comprehensive Benchmark Set and Heuristics for the</a:t>
-            </a:r>
-            <a:r>
-              <a:rPr lang="pl-PL" b="1" cap="all" dirty="0">
-                <a:latin typeface="+mj-lt"/>
-                <a:ea typeface="+mj-ea"/>
-                <a:cs typeface="+mj-cs"/>
-              </a:rPr>
-              <a:t> </a:t>
-            </a:r>
-            <a:r>
-              <a:rPr lang="en-US" b="1" cap="all" dirty="0">
-                <a:latin typeface="+mj-lt"/>
-                <a:ea typeface="+mj-ea"/>
-                <a:cs typeface="+mj-cs"/>
-              </a:rPr>
-              <a:t>Traveling Thief Problem</a:t>
+              <a:t>The travelling thief problem</a:t>
             </a:r>
             <a:endParaRPr lang="pl-PL" b="1" cap="all" dirty="0">
               <a:latin typeface="+mj-lt"/>
@@ -26416,7 +27055,7 @@
             </a:endParaRPr>
           </a:p>
           <a:p>
-            <a:pPr defTabSz="457200">
+            <a:pPr marL="285750" indent="-285750" defTabSz="457200">
               <a:spcBef>
                 <a:spcPts val="1000"/>
               </a:spcBef>
@@ -26427,14 +27066,57 @@
                 </a:schemeClr>
               </a:buClr>
               <a:buSzPct val="80000"/>
+              <a:buFont typeface="Wingdings 3" charset="2"/>
+              <a:buChar char=""/>
             </a:pPr>
             <a:r>
-              <a:rPr lang="en-US" sz="1200" dirty="0"/>
-              <a:t>https://dl.acm.org/citation.cfm?id=2598249</a:t>
-            </a:r>
-          </a:p>
-          <a:p>
-            <a:pPr defTabSz="457200">
+              <a:rPr lang="en-US" cap="all" dirty="0">
+                <a:latin typeface="+mj-lt"/>
+                <a:ea typeface="+mj-ea"/>
+                <a:cs typeface="+mj-cs"/>
+              </a:rPr>
+              <a:t>NP-hard, so that solving</a:t>
+            </a:r>
+            <a:r>
+              <a:rPr lang="pl-PL" cap="all" dirty="0">
+                <a:latin typeface="+mj-lt"/>
+                <a:ea typeface="+mj-ea"/>
+                <a:cs typeface="+mj-cs"/>
+              </a:rPr>
+              <a:t> </a:t>
+            </a:r>
+            <a:r>
+              <a:rPr lang="en-US" cap="all" dirty="0">
+                <a:latin typeface="+mj-lt"/>
+                <a:ea typeface="+mj-ea"/>
+                <a:cs typeface="+mj-cs"/>
+              </a:rPr>
+              <a:t>“large” instances of these problems to optimality is not</a:t>
+            </a:r>
+            <a:r>
+              <a:rPr lang="pl-PL" cap="all" dirty="0">
+                <a:latin typeface="+mj-lt"/>
+                <a:ea typeface="+mj-ea"/>
+                <a:cs typeface="+mj-cs"/>
+              </a:rPr>
+              <a:t> </a:t>
+            </a:r>
+            <a:r>
+              <a:rPr lang="en-US" cap="all" dirty="0">
+                <a:latin typeface="+mj-lt"/>
+                <a:ea typeface="+mj-ea"/>
+                <a:cs typeface="+mj-cs"/>
+              </a:rPr>
+              <a:t>possible</a:t>
+            </a:r>
+            <a:endParaRPr lang="pl-PL" cap="all" dirty="0">
+              <a:latin typeface="+mj-lt"/>
+              <a:ea typeface="+mj-ea"/>
+              <a:cs typeface="+mj-cs"/>
+            </a:endParaRPr>
+          </a:p>
+          <a:p>
+            <a:pPr marL="285750" indent="-285750" defTabSz="457200">
               <a:spcBef>
                 <a:spcPts val="1000"/>
               </a:spcBef>
@@ -26445,24 +27127,66 @@
                 </a:schemeClr>
               </a:buClr>
               <a:buSzPct val="80000"/>
+              <a:buFont typeface="Wingdings 3" charset="2"/>
+              <a:buChar char=""/>
             </a:pPr>
             <a:r>
-              <a:rPr lang="pl-PL" b="1" cap="all" dirty="0">
+              <a:rPr lang="pl-PL" cap="all" dirty="0">
+                <a:latin typeface="+mj-lt"/>
+                <a:ea typeface="+mj-ea"/>
+                <a:cs typeface="+mj-cs"/>
+              </a:rPr>
+              <a:t>PROBLEMS REPESENTED REAL-WORLD INDUSTRIAL ENVIROMENTS SO THAT SOLVING THAT TO OPTIMALITY WAS IMPORTANT</a:t>
+            </a:r>
+          </a:p>
+          <a:p>
+            <a:pPr marL="285750" indent="-285750" defTabSz="457200">
+              <a:spcBef>
+                <a:spcPts val="1000"/>
+              </a:spcBef>
+              <a:buClr>
+                <a:schemeClr val="bg2">
+                  <a:lumMod val="40000"/>
+                  <a:lumOff val="60000"/>
+                </a:schemeClr>
+              </a:buClr>
+              <a:buSzPct val="80000"/>
+              <a:buFont typeface="Wingdings 3" charset="2"/>
+              <a:buChar char=""/>
+            </a:pPr>
+            <a:r>
+              <a:rPr lang="en-US" cap="all" dirty="0">
+                <a:latin typeface="+mj-lt"/>
+                <a:ea typeface="+mj-ea"/>
+                <a:cs typeface="+mj-cs"/>
+              </a:rPr>
+              <a:t>Enable</a:t>
+            </a:r>
+            <a:r>
+              <a:rPr lang="pl-PL" cap="all" dirty="0">
                 <a:latin typeface="+mj-lt"/>
                 <a:ea typeface="+mj-ea"/>
                 <a:cs typeface="+mj-cs"/>
               </a:rPr>
               <a:t> </a:t>
             </a:r>
+            <a:r>
+              <a:rPr lang="en-US" cap="all" dirty="0">
+                <a:latin typeface="+mj-lt"/>
+                <a:ea typeface="+mj-ea"/>
+                <a:cs typeface="+mj-cs"/>
+              </a:rPr>
+              <a:t>researches to investigate the hardness the two classical subproblems’ combination</a:t>
+            </a:r>
           </a:p>
         </p:txBody>
       </p:sp>
       <p:sp>
         <p:nvSpPr>
-          <p:cNvPr id="3" name="Slide Number Placeholder 2">
+          <p:cNvPr id="4" name="Symbol zastępczy numeru slajdu 3">
             <a:extLst>
               <a:ext uri="{FF2B5EF4-FFF2-40B4-BE49-F238E27FC236}">
-                <a16:creationId xmlns:a16="http://schemas.microsoft.com/office/drawing/2014/main" id="{57BA02D7-BDD2-49C1-B45D-B62865D05B4D}"/>
+                <a16:creationId xmlns:a16="http://schemas.microsoft.com/office/drawing/2014/main" id="{863032D2-3E5F-4283-91A3-CA8C3B87B977}"/>
               </a:ext>
             </a:extLst>
           </p:cNvPr>
@@ -26489,7 +27213,7 @@
     </p:spTree>
     <p:extLst>
       <p:ext uri="{BB962C8B-B14F-4D97-AF65-F5344CB8AC3E}">
-        <p14:creationId xmlns:p14="http://schemas.microsoft.com/office/powerpoint/2010/main" val="1555706982"/>
+        <p14:creationId xmlns:p14="http://schemas.microsoft.com/office/powerpoint/2010/main" val="78212480"/>
       </p:ext>
     </p:extLst>
   </p:cSld>
@@ -26540,25 +27264,27 @@
         </p:spPr>
         <p:txBody>
           <a:bodyPr vert="horz" lIns="91440" tIns="45720" rIns="91440" bIns="45720" rtlCol="0" anchor="b">
-            <a:normAutofit fontScale="90000"/>
+            <a:normAutofit/>
           </a:bodyPr>
           <a:lstStyle/>
           <a:p>
+            <a:pPr lvl="0"/>
             <a:r>
               <a:rPr lang="pl-PL" sz="4800" dirty="0" err="1"/>
-              <a:t>Literature</a:t>
+              <a:t>Results</a:t>
             </a:r>
             <a:r>
               <a:rPr lang="pl-PL" sz="4800" dirty="0"/>
-              <a:t> </a:t>
+              <a:t> we </a:t>
             </a:r>
             <a:r>
               <a:rPr lang="pl-PL" sz="4800" dirty="0" err="1"/>
-              <a:t>reviews</a:t>
-            </a:r>
-            <a:br>
+              <a:t>hope</a:t>
+            </a:r>
+            <a:r>
               <a:rPr lang="pl-PL" sz="4800" dirty="0"/>
-            </a:br>
+              <a:t> for </a:t>
+            </a:r>
             <a:br>
               <a:rPr lang="pl-PL" sz="4800" dirty="0"/>
             </a:br>
@@ -26615,14 +27341,13 @@
               <a:buSzPct val="80000"/>
             </a:pPr>
             <a:r>
-              <a:rPr lang="pl-PL" b="1" cap="all" dirty="0" err="1"/>
-              <a:t>Authors</a:t>
-            </a:r>
-            <a:r>
-              <a:rPr lang="pl-PL" b="1" cap="all" dirty="0"/>
-              <a:t> GOALS</a:t>
-            </a:r>
-            <a:endParaRPr lang="en-US" cap="all" dirty="0"/>
+              <a:rPr lang="pl-PL" b="1" cap="all" dirty="0">
+                <a:latin typeface="+mj-lt"/>
+                <a:ea typeface="+mj-ea"/>
+                <a:cs typeface="+mj-cs"/>
+              </a:rPr>
+              <a:t>GOALS</a:t>
+            </a:r>
           </a:p>
           <a:p>
             <a:pPr marL="285750" indent="-285750" defTabSz="457200">
@@ -26640,8 +27365,12 @@
               <a:buChar char=""/>
             </a:pPr>
             <a:r>
-              <a:rPr lang="en-US" dirty="0"/>
-              <a:t>Study TTP as a combination of TSP and KP</a:t>
+              <a:rPr lang="pl-PL" cap="all" dirty="0">
+                <a:latin typeface="+mj-lt"/>
+                <a:ea typeface="+mj-ea"/>
+                <a:cs typeface="+mj-cs"/>
+              </a:rPr>
+              <a:t>SOLVE PROBLEM IN AN ACCEPTABLE TIME</a:t>
             </a:r>
           </a:p>
           <a:p>
@@ -26660,8 +27389,12 @@
               <a:buChar char=""/>
             </a:pPr>
             <a:r>
-              <a:rPr lang="en-US" dirty="0"/>
-              <a:t>Compare the problem instances</a:t>
+              <a:rPr lang="pl-PL" cap="all" dirty="0">
+                <a:latin typeface="+mj-lt"/>
+                <a:ea typeface="+mj-ea"/>
+                <a:cs typeface="+mj-cs"/>
+              </a:rPr>
+              <a:t>IMPLEMENTING 3 DIFFERENT APPROACHES TO SOLVE PROBLEM</a:t>
             </a:r>
           </a:p>
           <a:p>
@@ -26680,40 +27413,27 @@
               <a:buChar char=""/>
             </a:pPr>
             <a:r>
-              <a:rPr lang="en-US" dirty="0"/>
-              <a:t>Provide algorithms that can effectively solve problems with interdependencies</a:t>
-            </a:r>
-          </a:p>
-          <a:p>
-            <a:pPr defTabSz="457200">
-              <a:spcBef>
-                <a:spcPts val="1000"/>
-              </a:spcBef>
-              <a:buClr>
-                <a:schemeClr val="bg2">
-                  <a:lumMod val="40000"/>
-                  <a:lumOff val="60000"/>
-                </a:schemeClr>
-              </a:buClr>
-              <a:buSzPct val="80000"/>
-            </a:pPr>
-            <a:r>
-              <a:rPr lang="pl-PL" b="1" cap="all" dirty="0">
+              <a:rPr lang="pl-PL" cap="all" dirty="0">
                 <a:latin typeface="+mj-lt"/>
                 <a:ea typeface="+mj-ea"/>
                 <a:cs typeface="+mj-cs"/>
               </a:rPr>
-              <a:t> </a:t>
-            </a:r>
+              <a:t>INTRODUCE COMPARATIVE TESTS</a:t>
+            </a:r>
+            <a:endParaRPr lang="en-US" cap="all" dirty="0">
+              <a:latin typeface="+mj-lt"/>
+              <a:ea typeface="+mj-ea"/>
+              <a:cs typeface="+mj-cs"/>
+            </a:endParaRPr>
           </a:p>
         </p:txBody>
       </p:sp>
       <p:sp>
         <p:nvSpPr>
-          <p:cNvPr id="3" name="Slide Number Placeholder 2">
+          <p:cNvPr id="4" name="Symbol zastępczy numeru slajdu 3">
             <a:extLst>
               <a:ext uri="{FF2B5EF4-FFF2-40B4-BE49-F238E27FC236}">
-                <a16:creationId xmlns:a16="http://schemas.microsoft.com/office/drawing/2014/main" id="{F4D0ACAB-B52F-45AA-B9F0-20E6A2E93579}"/>
+                <a16:creationId xmlns:a16="http://schemas.microsoft.com/office/drawing/2014/main" id="{E18330B6-692B-43ED-94DB-F827F819FBAD}"/>
               </a:ext>
             </a:extLst>
           </p:cNvPr>
@@ -26740,7 +27460,7 @@
     </p:spTree>
     <p:extLst>
       <p:ext uri="{BB962C8B-B14F-4D97-AF65-F5344CB8AC3E}">
-        <p14:creationId xmlns:p14="http://schemas.microsoft.com/office/powerpoint/2010/main" val="1827394907"/>
+        <p14:creationId xmlns:p14="http://schemas.microsoft.com/office/powerpoint/2010/main" val="3536581153"/>
       </p:ext>
     </p:extLst>
   </p:cSld>
@@ -26866,17 +27586,37 @@
               <a:buSzPct val="80000"/>
             </a:pPr>
             <a:r>
-              <a:rPr lang="pl-PL" b="1" cap="all" dirty="0" err="1"/>
-              <a:t>Authors</a:t>
-            </a:r>
-            <a:r>
-              <a:rPr lang="pl-PL" b="1" cap="all" dirty="0"/>
-              <a:t> Problem</a:t>
-            </a:r>
-            <a:endParaRPr lang="en-US" cap="all" dirty="0"/>
-          </a:p>
-          <a:p>
-            <a:pPr marL="285750" indent="-285750" defTabSz="457200">
+              <a:rPr lang="en-US" b="1" cap="all" dirty="0">
+                <a:latin typeface="+mj-lt"/>
+                <a:ea typeface="+mj-ea"/>
+                <a:cs typeface="+mj-cs"/>
+              </a:rPr>
+              <a:t>A Comprehensive Benchmark Set and Heuristics for the</a:t>
+            </a:r>
+            <a:r>
+              <a:rPr lang="pl-PL" b="1" cap="all" dirty="0">
+                <a:latin typeface="+mj-lt"/>
+                <a:ea typeface="+mj-ea"/>
+                <a:cs typeface="+mj-cs"/>
+              </a:rPr>
+              <a:t> </a:t>
+            </a:r>
+            <a:r>
+              <a:rPr lang="en-US" b="1" cap="all" dirty="0">
+                <a:latin typeface="+mj-lt"/>
+                <a:ea typeface="+mj-ea"/>
+                <a:cs typeface="+mj-cs"/>
+              </a:rPr>
+              <a:t>Traveling Thief Problem</a:t>
+            </a:r>
+            <a:endParaRPr lang="pl-PL" b="1" cap="all" dirty="0">
+              <a:latin typeface="+mj-lt"/>
+              <a:ea typeface="+mj-ea"/>
+              <a:cs typeface="+mj-cs"/>
+            </a:endParaRPr>
+          </a:p>
+          <a:p>
+            <a:pPr defTabSz="457200">
               <a:spcBef>
                 <a:spcPts val="1000"/>
               </a:spcBef>
@@ -26887,17 +27627,14 @@
                 </a:schemeClr>
               </a:buClr>
               <a:buSzPct val="80000"/>
-              <a:buFont typeface="Wingdings 3" charset="2"/>
-              <a:buChar char=""/>
             </a:pPr>
             <a:r>
-              <a:rPr lang="en-US" dirty="0"/>
-              <a:t>Keep a balance between two components of the problem</a:t>
-            </a:r>
-            <a:endParaRPr lang="pl-PL" dirty="0"/>
-          </a:p>
-          <a:p>
-            <a:pPr marL="285750" indent="-285750" defTabSz="457200">
+              <a:rPr lang="en-US" sz="1200" dirty="0"/>
+              <a:t>https://dl.acm.org/citation.cfm?id=2598249</a:t>
+            </a:r>
+          </a:p>
+          <a:p>
+            <a:pPr defTabSz="457200">
               <a:spcBef>
                 <a:spcPts val="1000"/>
               </a:spcBef>
@@ -26908,83 +27645,24 @@
                 </a:schemeClr>
               </a:buClr>
               <a:buSzPct val="80000"/>
-              <a:buFont typeface="Wingdings 3" charset="2"/>
-              <a:buChar char=""/>
             </a:pPr>
             <a:r>
-              <a:rPr lang="en-US" dirty="0"/>
-              <a:t>Near-optimal solution of one sub-problem must not</a:t>
-            </a:r>
-            <a:r>
-              <a:rPr lang="pl-PL" dirty="0"/>
+              <a:rPr lang="pl-PL" b="1" cap="all" dirty="0">
+                <a:latin typeface="+mj-lt"/>
+                <a:ea typeface="+mj-ea"/>
+                <a:cs typeface="+mj-cs"/>
+              </a:rPr>
               <a:t> </a:t>
             </a:r>
-            <a:r>
-              <a:rPr lang="en-US" dirty="0"/>
-              <a:t>dominate over the optimal solution of another sub-problem</a:t>
-            </a:r>
-          </a:p>
-          <a:p>
-            <a:pPr marL="285750" indent="-285750" defTabSz="457200">
-              <a:spcBef>
-                <a:spcPts val="1000"/>
-              </a:spcBef>
-              <a:buClr>
-                <a:schemeClr val="bg2">
-                  <a:lumMod val="40000"/>
-                  <a:lumOff val="60000"/>
-                </a:schemeClr>
-              </a:buClr>
-              <a:buSzPct val="80000"/>
-              <a:buFont typeface="Wingdings 3" charset="2"/>
-              <a:buChar char=""/>
-            </a:pPr>
-            <a:r>
-              <a:rPr lang="en-US" dirty="0"/>
-              <a:t>Solving the shortest tour problem to optimality</a:t>
-            </a:r>
-            <a:r>
-              <a:rPr lang="pl-PL" dirty="0"/>
-              <a:t> </a:t>
-            </a:r>
-            <a:r>
-              <a:rPr lang="en-US" dirty="0"/>
-              <a:t>must not make the knapsack packing aspect negligible</a:t>
-            </a:r>
-          </a:p>
-          <a:p>
-            <a:pPr marL="285750" indent="-285750" defTabSz="457200">
-              <a:spcBef>
-                <a:spcPts val="1000"/>
-              </a:spcBef>
-              <a:buClr>
-                <a:schemeClr val="bg2">
-                  <a:lumMod val="40000"/>
-                  <a:lumOff val="60000"/>
-                </a:schemeClr>
-              </a:buClr>
-              <a:buSzPct val="80000"/>
-              <a:buFont typeface="Wingdings 3" charset="2"/>
-              <a:buChar char=""/>
-            </a:pPr>
-            <a:r>
-              <a:rPr lang="en-US" dirty="0"/>
-              <a:t>The most profitable loading plan must not reduce the importance of a shorter tour</a:t>
-            </a:r>
-            <a:endParaRPr lang="pl-PL" b="1" dirty="0">
-              <a:latin typeface="+mj-lt"/>
-              <a:ea typeface="+mj-ea"/>
-              <a:cs typeface="+mj-cs"/>
-            </a:endParaRPr>
           </a:p>
         </p:txBody>
       </p:sp>
       <p:sp>
         <p:nvSpPr>
-          <p:cNvPr id="3" name="Slide Number Placeholder 2">
+          <p:cNvPr id="4" name="Symbol zastępczy numeru slajdu 3">
             <a:extLst>
               <a:ext uri="{FF2B5EF4-FFF2-40B4-BE49-F238E27FC236}">
-                <a16:creationId xmlns:a16="http://schemas.microsoft.com/office/drawing/2014/main" id="{3DE3E554-5141-404A-9035-C5AEFF00AE6A}"/>
+                <a16:creationId xmlns:a16="http://schemas.microsoft.com/office/drawing/2014/main" id="{43B763C0-3D08-4929-8C2C-EDE62B47FC13}"/>
               </a:ext>
             </a:extLst>
           </p:cNvPr>
@@ -27011,7 +27689,7 @@
     </p:spTree>
     <p:extLst>
       <p:ext uri="{BB962C8B-B14F-4D97-AF65-F5344CB8AC3E}">
-        <p14:creationId xmlns:p14="http://schemas.microsoft.com/office/powerpoint/2010/main" val="1828672262"/>
+        <p14:creationId xmlns:p14="http://schemas.microsoft.com/office/powerpoint/2010/main" val="1555706982"/>
       </p:ext>
     </p:extLst>
   </p:cSld>
